--- a/Fall2018 Lecture Notes/Chapter 9 Lecture.pptx
+++ b/Fall2018 Lecture Notes/Chapter 9 Lecture.pptx
@@ -5,7 +5,7 @@
     <p:sldMasterId id="2147483663" r:id="rId1"/>
   </p:sldMasterIdLst>
   <p:notesMasterIdLst>
-    <p:notesMasterId r:id="rId31"/>
+    <p:notesMasterId r:id="rId35"/>
   </p:notesMasterIdLst>
   <p:sldIdLst>
     <p:sldId id="256" r:id="rId2"/>
@@ -18,25 +18,29 @@
     <p:sldId id="316" r:id="rId9"/>
     <p:sldId id="317" r:id="rId10"/>
     <p:sldId id="318" r:id="rId11"/>
-    <p:sldId id="319" r:id="rId12"/>
-    <p:sldId id="320" r:id="rId13"/>
-    <p:sldId id="321" r:id="rId14"/>
-    <p:sldId id="300" r:id="rId15"/>
-    <p:sldId id="312" r:id="rId16"/>
-    <p:sldId id="263" r:id="rId17"/>
-    <p:sldId id="313" r:id="rId18"/>
-    <p:sldId id="322" r:id="rId19"/>
-    <p:sldId id="270" r:id="rId20"/>
-    <p:sldId id="323" r:id="rId21"/>
-    <p:sldId id="324" r:id="rId22"/>
-    <p:sldId id="325" r:id="rId23"/>
-    <p:sldId id="326" r:id="rId24"/>
-    <p:sldId id="283" r:id="rId25"/>
-    <p:sldId id="327" r:id="rId26"/>
-    <p:sldId id="328" r:id="rId27"/>
-    <p:sldId id="293" r:id="rId28"/>
-    <p:sldId id="329" r:id="rId29"/>
-    <p:sldId id="330" r:id="rId30"/>
+    <p:sldId id="330" r:id="rId12"/>
+    <p:sldId id="332" r:id="rId13"/>
+    <p:sldId id="333" r:id="rId14"/>
+    <p:sldId id="319" r:id="rId15"/>
+    <p:sldId id="320" r:id="rId16"/>
+    <p:sldId id="321" r:id="rId17"/>
+    <p:sldId id="300" r:id="rId18"/>
+    <p:sldId id="263" r:id="rId19"/>
+    <p:sldId id="337" r:id="rId20"/>
+    <p:sldId id="322" r:id="rId21"/>
+    <p:sldId id="270" r:id="rId22"/>
+    <p:sldId id="323" r:id="rId23"/>
+    <p:sldId id="334" r:id="rId24"/>
+    <p:sldId id="335" r:id="rId25"/>
+    <p:sldId id="336" r:id="rId26"/>
+    <p:sldId id="326" r:id="rId27"/>
+    <p:sldId id="283" r:id="rId28"/>
+    <p:sldId id="327" r:id="rId29"/>
+    <p:sldId id="328" r:id="rId30"/>
+    <p:sldId id="293" r:id="rId31"/>
+    <p:sldId id="329" r:id="rId32"/>
+    <p:sldId id="338" r:id="rId33"/>
+    <p:sldId id="339" r:id="rId34"/>
   </p:sldIdLst>
   <p:sldSz cx="9144000" cy="6858000" type="screen4x3"/>
   <p:notesSz cx="6858000" cy="9144000"/>
@@ -201,7 +205,7 @@
           <pc:sldMk cId="0" sldId="263"/>
         </pc:sldMkLst>
         <pc:spChg chg="add mod">
-          <ac:chgData name="Tabetha Hopke" userId="5e7e88d54752368c" providerId="LiveId" clId="{B69FBC0F-C8DF-445E-96C2-0ADFC96B4505}" dt="2018-07-30T19:23:31.843" v="380"/>
+          <ac:chgData name="Tabetha Hopke" userId="5e7e88d54752368c" providerId="LiveId" clId="{B69FBC0F-C8DF-445E-96C2-0ADFC96B4505}" dt="2018-07-30T19:23:31.843" v="380" actId="1076"/>
           <ac:spMkLst>
             <pc:docMk/>
             <pc:sldMk cId="0" sldId="263"/>
@@ -240,7 +244,7 @@
           </ac:spMkLst>
         </pc:spChg>
         <pc:spChg chg="add del mod">
-          <ac:chgData name="Tabetha Hopke" userId="5e7e88d54752368c" providerId="LiveId" clId="{B69FBC0F-C8DF-445E-96C2-0ADFC96B4505}" dt="2018-07-30T19:28:11.461" v="501"/>
+          <ac:chgData name="Tabetha Hopke" userId="5e7e88d54752368c" providerId="LiveId" clId="{B69FBC0F-C8DF-445E-96C2-0ADFC96B4505}" dt="2018-07-30T19:28:11.461" v="501" actId="1076"/>
           <ac:spMkLst>
             <pc:docMk/>
             <pc:sldMk cId="0" sldId="270"/>
@@ -264,7 +268,7 @@
           </ac:picMkLst>
         </pc:picChg>
         <pc:picChg chg="del mod">
-          <ac:chgData name="Tabetha Hopke" userId="5e7e88d54752368c" providerId="LiveId" clId="{B69FBC0F-C8DF-445E-96C2-0ADFC96B4505}" dt="2018-07-30T19:25:47.682" v="404"/>
+          <ac:chgData name="Tabetha Hopke" userId="5e7e88d54752368c" providerId="LiveId" clId="{B69FBC0F-C8DF-445E-96C2-0ADFC96B4505}" dt="2018-07-30T19:25:47.682" v="404" actId="1076"/>
           <ac:picMkLst>
             <pc:docMk/>
             <pc:sldMk cId="0" sldId="270"/>
@@ -303,7 +307,7 @@
           </ac:graphicFrameMkLst>
         </pc:graphicFrameChg>
         <pc:graphicFrameChg chg="del mod">
-          <ac:chgData name="Tabetha Hopke" userId="5e7e88d54752368c" providerId="LiveId" clId="{B69FBC0F-C8DF-445E-96C2-0ADFC96B4505}" dt="2018-07-30T19:32:57.123" v="653"/>
+          <ac:chgData name="Tabetha Hopke" userId="5e7e88d54752368c" providerId="LiveId" clId="{B69FBC0F-C8DF-445E-96C2-0ADFC96B4505}" dt="2018-07-30T19:32:57.123" v="653" actId="1076"/>
           <ac:graphicFrameMkLst>
             <pc:docMk/>
             <pc:sldMk cId="0" sldId="283"/>
@@ -318,7 +322,7 @@
           <pc:sldMk cId="0" sldId="293"/>
         </pc:sldMkLst>
         <pc:spChg chg="add mod">
-          <ac:chgData name="Tabetha Hopke" userId="5e7e88d54752368c" providerId="LiveId" clId="{B69FBC0F-C8DF-445E-96C2-0ADFC96B4505}" dt="2018-07-30T19:35:42.565" v="760"/>
+          <ac:chgData name="Tabetha Hopke" userId="5e7e88d54752368c" providerId="LiveId" clId="{B69FBC0F-C8DF-445E-96C2-0ADFC96B4505}" dt="2018-07-30T19:35:42.565" v="760" actId="20577"/>
           <ac:spMkLst>
             <pc:docMk/>
             <pc:sldMk cId="0" sldId="293"/>
@@ -326,7 +330,7 @@
           </ac:spMkLst>
         </pc:spChg>
         <pc:spChg chg="del mod">
-          <ac:chgData name="Tabetha Hopke" userId="5e7e88d54752368c" providerId="LiveId" clId="{B69FBC0F-C8DF-445E-96C2-0ADFC96B4505}" dt="2018-07-30T19:35:40.915" v="759"/>
+          <ac:chgData name="Tabetha Hopke" userId="5e7e88d54752368c" providerId="LiveId" clId="{B69FBC0F-C8DF-445E-96C2-0ADFC96B4505}" dt="2018-07-30T19:35:40.915" v="759" actId="20577"/>
           <ac:spMkLst>
             <pc:docMk/>
             <pc:sldMk cId="0" sldId="293"/>
@@ -372,7 +376,7 @@
           </ac:spMkLst>
         </pc:spChg>
         <pc:spChg chg="del mod">
-          <ac:chgData name="Tabetha Hopke" userId="5e7e88d54752368c" providerId="LiveId" clId="{B69FBC0F-C8DF-445E-96C2-0ADFC96B4505}" dt="2018-07-30T19:19:04.586" v="272"/>
+          <ac:chgData name="Tabetha Hopke" userId="5e7e88d54752368c" providerId="LiveId" clId="{B69FBC0F-C8DF-445E-96C2-0ADFC96B4505}" dt="2018-07-30T19:19:04.586" v="272" actId="113"/>
           <ac:spMkLst>
             <pc:docMk/>
             <pc:sldMk cId="2149902858" sldId="300"/>
@@ -396,7 +400,7 @@
           </ac:spMkLst>
         </pc:spChg>
         <pc:spChg chg="del mod">
-          <ac:chgData name="Tabetha Hopke" userId="5e7e88d54752368c" providerId="LiveId" clId="{B69FBC0F-C8DF-445E-96C2-0ADFC96B4505}" dt="2018-07-30T19:20:42.883" v="293"/>
+          <ac:chgData name="Tabetha Hopke" userId="5e7e88d54752368c" providerId="LiveId" clId="{B69FBC0F-C8DF-445E-96C2-0ADFC96B4505}" dt="2018-07-30T19:20:42.883" v="293" actId="113"/>
           <ac:spMkLst>
             <pc:docMk/>
             <pc:sldMk cId="2149902858" sldId="300"/>
@@ -468,13 +472,13 @@
         </pc:spChg>
       </pc:sldChg>
       <pc:sldChg chg="addSp delSp modSp">
-        <pc:chgData name="Tabetha Hopke" userId="5e7e88d54752368c" providerId="LiveId" clId="{B69FBC0F-C8DF-445E-96C2-0ADFC96B4505}" dt="2018-07-30T19:00:31.948" v="69"/>
+        <pc:chgData name="Tabetha Hopke" userId="5e7e88d54752368c" providerId="LiveId" clId="{B69FBC0F-C8DF-445E-96C2-0ADFC96B4505}" dt="2018-07-30T19:00:31.948" v="69" actId="113"/>
         <pc:sldMkLst>
           <pc:docMk/>
           <pc:sldMk cId="1823627459" sldId="305"/>
         </pc:sldMkLst>
         <pc:spChg chg="add mod">
-          <ac:chgData name="Tabetha Hopke" userId="5e7e88d54752368c" providerId="LiveId" clId="{B69FBC0F-C8DF-445E-96C2-0ADFC96B4505}" dt="2018-07-30T19:00:31.948" v="69"/>
+          <ac:chgData name="Tabetha Hopke" userId="5e7e88d54752368c" providerId="LiveId" clId="{B69FBC0F-C8DF-445E-96C2-0ADFC96B4505}" dt="2018-07-30T19:00:31.948" v="69" actId="113"/>
           <ac:spMkLst>
             <pc:docMk/>
             <pc:sldMk cId="1823627459" sldId="305"/>
@@ -482,7 +486,7 @@
           </ac:spMkLst>
         </pc:spChg>
         <pc:spChg chg="del mod">
-          <ac:chgData name="Tabetha Hopke" userId="5e7e88d54752368c" providerId="LiveId" clId="{B69FBC0F-C8DF-445E-96C2-0ADFC96B4505}" dt="2018-07-30T19:00:30.026" v="68"/>
+          <ac:chgData name="Tabetha Hopke" userId="5e7e88d54752368c" providerId="LiveId" clId="{B69FBC0F-C8DF-445E-96C2-0ADFC96B4505}" dt="2018-07-30T19:00:30.026" v="68" actId="113"/>
           <ac:spMkLst>
             <pc:docMk/>
             <pc:sldMk cId="1823627459" sldId="305"/>
@@ -506,7 +510,7 @@
         </pc:spChg>
       </pc:sldChg>
       <pc:sldChg chg="addSp delSp modSp">
-        <pc:chgData name="Tabetha Hopke" userId="5e7e88d54752368c" providerId="LiveId" clId="{B69FBC0F-C8DF-445E-96C2-0ADFC96B4505}" dt="2018-07-30T19:00:17.433" v="66"/>
+        <pc:chgData name="Tabetha Hopke" userId="5e7e88d54752368c" providerId="LiveId" clId="{B69FBC0F-C8DF-445E-96C2-0ADFC96B4505}" dt="2018-07-30T19:00:17.433" v="66" actId="113"/>
         <pc:sldMkLst>
           <pc:docMk/>
           <pc:sldMk cId="2150289191" sldId="311"/>
@@ -520,7 +524,7 @@
           </ac:spMkLst>
         </pc:spChg>
         <pc:spChg chg="add del mod">
-          <ac:chgData name="Tabetha Hopke" userId="5e7e88d54752368c" providerId="LiveId" clId="{B69FBC0F-C8DF-445E-96C2-0ADFC96B4505}" dt="2018-07-30T19:00:17.433" v="66"/>
+          <ac:chgData name="Tabetha Hopke" userId="5e7e88d54752368c" providerId="LiveId" clId="{B69FBC0F-C8DF-445E-96C2-0ADFC96B4505}" dt="2018-07-30T19:00:17.433" v="66" actId="113"/>
           <ac:spMkLst>
             <pc:docMk/>
             <pc:sldMk cId="2150289191" sldId="311"/>
@@ -536,7 +540,7 @@
           </ac:spMkLst>
         </pc:spChg>
         <pc:picChg chg="add">
-          <ac:chgData name="Tabetha Hopke" userId="5e7e88d54752368c" providerId="LiveId" clId="{B69FBC0F-C8DF-445E-96C2-0ADFC96B4505}" dt="2018-07-30T19:00:17.433" v="66"/>
+          <ac:chgData name="Tabetha Hopke" userId="5e7e88d54752368c" providerId="LiveId" clId="{B69FBC0F-C8DF-445E-96C2-0ADFC96B4505}" dt="2018-07-30T19:00:17.433" v="66" actId="113"/>
           <ac:picMkLst>
             <pc:docMk/>
             <pc:sldMk cId="2150289191" sldId="311"/>
@@ -544,7 +548,7 @@
           </ac:picMkLst>
         </pc:picChg>
         <pc:picChg chg="del mod">
-          <ac:chgData name="Tabetha Hopke" userId="5e7e88d54752368c" providerId="LiveId" clId="{B69FBC0F-C8DF-445E-96C2-0ADFC96B4505}" dt="2018-07-30T19:00:15.777" v="65"/>
+          <ac:chgData name="Tabetha Hopke" userId="5e7e88d54752368c" providerId="LiveId" clId="{B69FBC0F-C8DF-445E-96C2-0ADFC96B4505}" dt="2018-07-30T19:00:15.777" v="65" actId="113"/>
           <ac:picMkLst>
             <pc:docMk/>
             <pc:sldMk cId="2150289191" sldId="311"/>
@@ -710,44 +714,6 @@
           </ac:spMkLst>
         </pc:spChg>
       </pc:sldChg>
-      <pc:sldChg chg="modSp">
-        <pc:chgData name="Tabetha Hopke" userId="5e7e88d54752368c" providerId="LiveId" clId="{B69FBC0F-C8DF-445E-96C2-0ADFC96B4505}" dt="2018-07-30T19:36:53.249" v="769" actId="114"/>
-        <pc:sldMkLst>
-          <pc:docMk/>
-          <pc:sldMk cId="386625108" sldId="329"/>
-        </pc:sldMkLst>
-        <pc:spChg chg="mod">
-          <ac:chgData name="Tabetha Hopke" userId="5e7e88d54752368c" providerId="LiveId" clId="{B69FBC0F-C8DF-445E-96C2-0ADFC96B4505}" dt="2018-07-30T19:36:33.863" v="768" actId="114"/>
-          <ac:spMkLst>
-            <pc:docMk/>
-            <pc:sldMk cId="386625108" sldId="329"/>
-            <ac:spMk id="2" creationId="{00000000-0000-0000-0000-000000000000}"/>
-          </ac:spMkLst>
-        </pc:spChg>
-        <pc:spChg chg="mod">
-          <ac:chgData name="Tabetha Hopke" userId="5e7e88d54752368c" providerId="LiveId" clId="{B69FBC0F-C8DF-445E-96C2-0ADFC96B4505}" dt="2018-07-30T19:36:53.249" v="769" actId="114"/>
-          <ac:spMkLst>
-            <pc:docMk/>
-            <pc:sldMk cId="386625108" sldId="329"/>
-            <ac:spMk id="3" creationId="{00000000-0000-0000-0000-000000000000}"/>
-          </ac:spMkLst>
-        </pc:spChg>
-      </pc:sldChg>
-      <pc:sldChg chg="modSp">
-        <pc:chgData name="Tabetha Hopke" userId="5e7e88d54752368c" providerId="LiveId" clId="{B69FBC0F-C8DF-445E-96C2-0ADFC96B4505}" dt="2018-07-30T19:37:32.497" v="770" actId="1076"/>
-        <pc:sldMkLst>
-          <pc:docMk/>
-          <pc:sldMk cId="2625797665" sldId="330"/>
-        </pc:sldMkLst>
-        <pc:picChg chg="mod">
-          <ac:chgData name="Tabetha Hopke" userId="5e7e88d54752368c" providerId="LiveId" clId="{B69FBC0F-C8DF-445E-96C2-0ADFC96B4505}" dt="2018-07-30T19:37:32.497" v="770" actId="1076"/>
-          <ac:picMkLst>
-            <pc:docMk/>
-            <pc:sldMk cId="2625797665" sldId="330"/>
-            <ac:picMk id="4" creationId="{00000000-0000-0000-0000-000000000000}"/>
-          </ac:picMkLst>
-        </pc:picChg>
-      </pc:sldChg>
       <pc:sldMasterChg chg="modSp modSldLayout">
         <pc:chgData name="Tabetha Hopke" userId="5e7e88d54752368c" providerId="LiveId" clId="{B69FBC0F-C8DF-445E-96C2-0ADFC96B4505}" dt="2018-07-30T19:57:00.049" v="780" actId="255"/>
         <pc:sldMasterMkLst>
@@ -793,6 +759,930 @@
               <pc:sldMasterMk cId="2656702968" sldId="2147483663"/>
               <pc:sldLayoutMk cId="3453630580" sldId="2147483666"/>
               <ac:spMk id="2" creationId="{00000000-0000-0000-0000-000000000000}"/>
+            </ac:spMkLst>
+          </pc:spChg>
+        </pc:sldLayoutChg>
+      </pc:sldMasterChg>
+    </pc:docChg>
+  </pc:docChgLst>
+  <pc:docChgLst>
+    <pc:chgData name="Tabetha Hopke" userId="5e7e88d54752368c" providerId="LiveId" clId="{6AF47CA9-FC11-4CA1-90AF-68AE9540EB25}"/>
+    <pc:docChg chg="undo custSel addSld delSld modSld sldOrd modMainMaster">
+      <pc:chgData name="Tabetha Hopke" userId="5e7e88d54752368c" providerId="LiveId" clId="{6AF47CA9-FC11-4CA1-90AF-68AE9540EB25}" dt="2018-08-08T16:50:44.790" v="4484" actId="313"/>
+      <pc:docMkLst>
+        <pc:docMk/>
+      </pc:docMkLst>
+      <pc:sldChg chg="modSp modNotesTx">
+        <pc:chgData name="Tabetha Hopke" userId="5e7e88d54752368c" providerId="LiveId" clId="{6AF47CA9-FC11-4CA1-90AF-68AE9540EB25}" dt="2018-07-31T20:18:38.013" v="211" actId="114"/>
+        <pc:sldMkLst>
+          <pc:docMk/>
+          <pc:sldMk cId="0" sldId="263"/>
+        </pc:sldMkLst>
+        <pc:spChg chg="mod">
+          <ac:chgData name="Tabetha Hopke" userId="5e7e88d54752368c" providerId="LiveId" clId="{6AF47CA9-FC11-4CA1-90AF-68AE9540EB25}" dt="2018-07-31T19:01:26.509" v="37" actId="114"/>
+          <ac:spMkLst>
+            <pc:docMk/>
+            <pc:sldMk cId="0" sldId="263"/>
+            <ac:spMk id="2" creationId="{6F1F828B-EF51-4301-A11F-67E9B44FE93B}"/>
+          </ac:spMkLst>
+        </pc:spChg>
+      </pc:sldChg>
+      <pc:sldChg chg="ord">
+        <pc:chgData name="Tabetha Hopke" userId="5e7e88d54752368c" providerId="LiveId" clId="{6AF47CA9-FC11-4CA1-90AF-68AE9540EB25}" dt="2018-08-08T16:01:54.517" v="3963" actId="1076"/>
+        <pc:sldMkLst>
+          <pc:docMk/>
+          <pc:sldMk cId="0" sldId="293"/>
+        </pc:sldMkLst>
+      </pc:sldChg>
+      <pc:sldChg chg="modSp modNotesTx">
+        <pc:chgData name="Tabetha Hopke" userId="5e7e88d54752368c" providerId="LiveId" clId="{6AF47CA9-FC11-4CA1-90AF-68AE9540EB25}" dt="2018-07-31T20:53:20.442" v="249" actId="20577"/>
+        <pc:sldMkLst>
+          <pc:docMk/>
+          <pc:sldMk cId="2149902858" sldId="300"/>
+        </pc:sldMkLst>
+        <pc:spChg chg="mod">
+          <ac:chgData name="Tabetha Hopke" userId="5e7e88d54752368c" providerId="LiveId" clId="{6AF47CA9-FC11-4CA1-90AF-68AE9540EB25}" dt="2018-07-31T20:17:43.152" v="188" actId="20577"/>
+          <ac:spMkLst>
+            <pc:docMk/>
+            <pc:sldMk cId="2149902858" sldId="300"/>
+            <ac:spMk id="3" creationId="{2C711505-5649-4AE5-9C61-B7A0B4D43A64}"/>
+          </ac:spMkLst>
+        </pc:spChg>
+        <pc:graphicFrameChg chg="mod">
+          <ac:chgData name="Tabetha Hopke" userId="5e7e88d54752368c" providerId="LiveId" clId="{6AF47CA9-FC11-4CA1-90AF-68AE9540EB25}" dt="2018-07-31T18:57:29.903" v="35" actId="1076"/>
+          <ac:graphicFrameMkLst>
+            <pc:docMk/>
+            <pc:sldMk cId="2149902858" sldId="300"/>
+            <ac:graphicFrameMk id="4" creationId="{00000000-0000-0000-0000-000000000000}"/>
+          </ac:graphicFrameMkLst>
+        </pc:graphicFrameChg>
+        <pc:graphicFrameChg chg="mod">
+          <ac:chgData name="Tabetha Hopke" userId="5e7e88d54752368c" providerId="LiveId" clId="{6AF47CA9-FC11-4CA1-90AF-68AE9540EB25}" dt="2018-07-31T18:57:15.199" v="31" actId="1076"/>
+          <ac:graphicFrameMkLst>
+            <pc:docMk/>
+            <pc:sldMk cId="2149902858" sldId="300"/>
+            <ac:graphicFrameMk id="5" creationId="{00000000-0000-0000-0000-000000000000}"/>
+          </ac:graphicFrameMkLst>
+        </pc:graphicFrameChg>
+      </pc:sldChg>
+      <pc:sldChg chg="modSp">
+        <pc:chgData name="Tabetha Hopke" userId="5e7e88d54752368c" providerId="LiveId" clId="{6AF47CA9-FC11-4CA1-90AF-68AE9540EB25}" dt="2018-07-31T20:16:56.406" v="182" actId="207"/>
+        <pc:sldMkLst>
+          <pc:docMk/>
+          <pc:sldMk cId="3632945636" sldId="303"/>
+        </pc:sldMkLst>
+        <pc:spChg chg="mod">
+          <ac:chgData name="Tabetha Hopke" userId="5e7e88d54752368c" providerId="LiveId" clId="{6AF47CA9-FC11-4CA1-90AF-68AE9540EB25}" dt="2018-07-31T20:16:56.406" v="182" actId="207"/>
+          <ac:spMkLst>
+            <pc:docMk/>
+            <pc:sldMk cId="3632945636" sldId="303"/>
+            <ac:spMk id="52225" creationId="{00000000-0000-0000-0000-000000000000}"/>
+          </ac:spMkLst>
+        </pc:spChg>
+      </pc:sldChg>
+      <pc:sldChg chg="modSp">
+        <pc:chgData name="Tabetha Hopke" userId="5e7e88d54752368c" providerId="LiveId" clId="{6AF47CA9-FC11-4CA1-90AF-68AE9540EB25}" dt="2018-07-31T18:46:07.143" v="2" actId="115"/>
+        <pc:sldMkLst>
+          <pc:docMk/>
+          <pc:sldMk cId="3281973702" sldId="306"/>
+        </pc:sldMkLst>
+        <pc:spChg chg="mod">
+          <ac:chgData name="Tabetha Hopke" userId="5e7e88d54752368c" providerId="LiveId" clId="{6AF47CA9-FC11-4CA1-90AF-68AE9540EB25}" dt="2018-07-31T18:46:07.143" v="2" actId="115"/>
+          <ac:spMkLst>
+            <pc:docMk/>
+            <pc:sldMk cId="3281973702" sldId="306"/>
+            <ac:spMk id="3" creationId="{00000000-0000-0000-0000-000000000000}"/>
+          </ac:spMkLst>
+        </pc:spChg>
+      </pc:sldChg>
+      <pc:sldChg chg="modSp">
+        <pc:chgData name="Tabetha Hopke" userId="5e7e88d54752368c" providerId="LiveId" clId="{6AF47CA9-FC11-4CA1-90AF-68AE9540EB25}" dt="2018-07-31T18:45:47.384" v="0" actId="114"/>
+        <pc:sldMkLst>
+          <pc:docMk/>
+          <pc:sldMk cId="2150289191" sldId="311"/>
+        </pc:sldMkLst>
+        <pc:spChg chg="mod">
+          <ac:chgData name="Tabetha Hopke" userId="5e7e88d54752368c" providerId="LiveId" clId="{6AF47CA9-FC11-4CA1-90AF-68AE9540EB25}" dt="2018-07-31T18:45:47.384" v="0" actId="114"/>
+          <ac:spMkLst>
+            <pc:docMk/>
+            <pc:sldMk cId="2150289191" sldId="311"/>
+            <ac:spMk id="2" creationId="{F843B6FB-EB6A-46FC-8B37-A93D62297455}"/>
+          </ac:spMkLst>
+        </pc:spChg>
+      </pc:sldChg>
+      <pc:sldChg chg="modSp del">
+        <pc:chgData name="Tabetha Hopke" userId="5e7e88d54752368c" providerId="LiveId" clId="{6AF47CA9-FC11-4CA1-90AF-68AE9540EB25}" dt="2018-08-08T11:43:19.167" v="1643" actId="2696"/>
+        <pc:sldMkLst>
+          <pc:docMk/>
+          <pc:sldMk cId="3876640845" sldId="313"/>
+        </pc:sldMkLst>
+        <pc:spChg chg="mod">
+          <ac:chgData name="Tabetha Hopke" userId="5e7e88d54752368c" providerId="LiveId" clId="{6AF47CA9-FC11-4CA1-90AF-68AE9540EB25}" dt="2018-07-31T19:05:43.742" v="143" actId="20577"/>
+          <ac:spMkLst>
+            <pc:docMk/>
+            <pc:sldMk cId="3876640845" sldId="313"/>
+            <ac:spMk id="2" creationId="{00000000-0000-0000-0000-000000000000}"/>
+          </ac:spMkLst>
+        </pc:spChg>
+        <pc:spChg chg="mod">
+          <ac:chgData name="Tabetha Hopke" userId="5e7e88d54752368c" providerId="LiveId" clId="{6AF47CA9-FC11-4CA1-90AF-68AE9540EB25}" dt="2018-07-31T19:05:20.360" v="117" actId="20577"/>
+          <ac:spMkLst>
+            <pc:docMk/>
+            <pc:sldMk cId="3876640845" sldId="313"/>
+            <ac:spMk id="3" creationId="{00000000-0000-0000-0000-000000000000}"/>
+          </ac:spMkLst>
+        </pc:spChg>
+      </pc:sldChg>
+      <pc:sldChg chg="modSp">
+        <pc:chgData name="Tabetha Hopke" userId="5e7e88d54752368c" providerId="LiveId" clId="{6AF47CA9-FC11-4CA1-90AF-68AE9540EB25}" dt="2018-08-08T10:47:37.690" v="250" actId="15"/>
+        <pc:sldMkLst>
+          <pc:docMk/>
+          <pc:sldMk cId="282839733" sldId="317"/>
+        </pc:sldMkLst>
+        <pc:spChg chg="mod">
+          <ac:chgData name="Tabetha Hopke" userId="5e7e88d54752368c" providerId="LiveId" clId="{6AF47CA9-FC11-4CA1-90AF-68AE9540EB25}" dt="2018-08-08T10:47:37.690" v="250" actId="15"/>
+          <ac:spMkLst>
+            <pc:docMk/>
+            <pc:sldMk cId="282839733" sldId="317"/>
+            <ac:spMk id="62465" creationId="{00000000-0000-0000-0000-000000000000}"/>
+          </ac:spMkLst>
+        </pc:spChg>
+      </pc:sldChg>
+      <pc:sldChg chg="modSp">
+        <pc:chgData name="Tabetha Hopke" userId="5e7e88d54752368c" providerId="LiveId" clId="{6AF47CA9-FC11-4CA1-90AF-68AE9540EB25}" dt="2018-08-08T11:14:34.595" v="697" actId="20577"/>
+        <pc:sldMkLst>
+          <pc:docMk/>
+          <pc:sldMk cId="826437145" sldId="318"/>
+        </pc:sldMkLst>
+        <pc:spChg chg="mod">
+          <ac:chgData name="Tabetha Hopke" userId="5e7e88d54752368c" providerId="LiveId" clId="{6AF47CA9-FC11-4CA1-90AF-68AE9540EB25}" dt="2018-08-08T11:14:34.595" v="697" actId="20577"/>
+          <ac:spMkLst>
+            <pc:docMk/>
+            <pc:sldMk cId="826437145" sldId="318"/>
+            <ac:spMk id="3" creationId="{00000000-0000-0000-0000-000000000000}"/>
+          </ac:spMkLst>
+        </pc:spChg>
+      </pc:sldChg>
+      <pc:sldChg chg="modSp">
+        <pc:chgData name="Tabetha Hopke" userId="5e7e88d54752368c" providerId="LiveId" clId="{6AF47CA9-FC11-4CA1-90AF-68AE9540EB25}" dt="2018-08-08T11:02:03.110" v="420" actId="20577"/>
+        <pc:sldMkLst>
+          <pc:docMk/>
+          <pc:sldMk cId="3417713140" sldId="320"/>
+        </pc:sldMkLst>
+        <pc:spChg chg="mod">
+          <ac:chgData name="Tabetha Hopke" userId="5e7e88d54752368c" providerId="LiveId" clId="{6AF47CA9-FC11-4CA1-90AF-68AE9540EB25}" dt="2018-08-08T11:02:03.110" v="420" actId="20577"/>
+          <ac:spMkLst>
+            <pc:docMk/>
+            <pc:sldMk cId="3417713140" sldId="320"/>
+            <ac:spMk id="3" creationId="{00000000-0000-0000-0000-000000000000}"/>
+          </ac:spMkLst>
+        </pc:spChg>
+      </pc:sldChg>
+      <pc:sldChg chg="modSp">
+        <pc:chgData name="Tabetha Hopke" userId="5e7e88d54752368c" providerId="LiveId" clId="{6AF47CA9-FC11-4CA1-90AF-68AE9540EB25}" dt="2018-08-08T16:33:25.889" v="4475" actId="20577"/>
+        <pc:sldMkLst>
+          <pc:docMk/>
+          <pc:sldMk cId="3307736757" sldId="322"/>
+        </pc:sldMkLst>
+        <pc:spChg chg="mod">
+          <ac:chgData name="Tabetha Hopke" userId="5e7e88d54752368c" providerId="LiveId" clId="{6AF47CA9-FC11-4CA1-90AF-68AE9540EB25}" dt="2018-08-08T16:33:25.889" v="4475" actId="20577"/>
+          <ac:spMkLst>
+            <pc:docMk/>
+            <pc:sldMk cId="3307736757" sldId="322"/>
+            <ac:spMk id="3" creationId="{00000000-0000-0000-0000-000000000000}"/>
+          </ac:spMkLst>
+        </pc:spChg>
+      </pc:sldChg>
+      <pc:sldChg chg="modSp modNotesTx">
+        <pc:chgData name="Tabetha Hopke" userId="5e7e88d54752368c" providerId="LiveId" clId="{6AF47CA9-FC11-4CA1-90AF-68AE9540EB25}" dt="2018-08-08T16:33:15.159" v="4463" actId="20577"/>
+        <pc:sldMkLst>
+          <pc:docMk/>
+          <pc:sldMk cId="1176146041" sldId="323"/>
+        </pc:sldMkLst>
+        <pc:spChg chg="mod">
+          <ac:chgData name="Tabetha Hopke" userId="5e7e88d54752368c" providerId="LiveId" clId="{6AF47CA9-FC11-4CA1-90AF-68AE9540EB25}" dt="2018-08-08T16:33:15.159" v="4463" actId="20577"/>
+          <ac:spMkLst>
+            <pc:docMk/>
+            <pc:sldMk cId="1176146041" sldId="323"/>
+            <ac:spMk id="3" creationId="{00000000-0000-0000-0000-000000000000}"/>
+          </ac:spMkLst>
+        </pc:spChg>
+      </pc:sldChg>
+      <pc:sldChg chg="addSp delSp modSp del">
+        <pc:chgData name="Tabetha Hopke" userId="5e7e88d54752368c" providerId="LiveId" clId="{6AF47CA9-FC11-4CA1-90AF-68AE9540EB25}" dt="2018-08-08T11:50:28.529" v="1646" actId="2696"/>
+        <pc:sldMkLst>
+          <pc:docMk/>
+          <pc:sldMk cId="952873866" sldId="324"/>
+        </pc:sldMkLst>
+        <pc:spChg chg="mod">
+          <ac:chgData name="Tabetha Hopke" userId="5e7e88d54752368c" providerId="LiveId" clId="{6AF47CA9-FC11-4CA1-90AF-68AE9540EB25}" dt="2018-08-08T10:51:51.965" v="271" actId="20577"/>
+          <ac:spMkLst>
+            <pc:docMk/>
+            <pc:sldMk cId="952873866" sldId="324"/>
+            <ac:spMk id="2" creationId="{00000000-0000-0000-0000-000000000000}"/>
+          </ac:spMkLst>
+        </pc:spChg>
+        <pc:spChg chg="mod">
+          <ac:chgData name="Tabetha Hopke" userId="5e7e88d54752368c" providerId="LiveId" clId="{6AF47CA9-FC11-4CA1-90AF-68AE9540EB25}" dt="2018-08-08T10:51:32.753" v="260" actId="20577"/>
+          <ac:spMkLst>
+            <pc:docMk/>
+            <pc:sldMk cId="952873866" sldId="324"/>
+            <ac:spMk id="3" creationId="{00000000-0000-0000-0000-000000000000}"/>
+          </ac:spMkLst>
+        </pc:spChg>
+        <pc:graphicFrameChg chg="add del mod">
+          <ac:chgData name="Tabetha Hopke" userId="5e7e88d54752368c" providerId="LiveId" clId="{6AF47CA9-FC11-4CA1-90AF-68AE9540EB25}" dt="2018-08-08T10:51:35.112" v="262" actId="478"/>
+          <ac:graphicFrameMkLst>
+            <pc:docMk/>
+            <pc:sldMk cId="952873866" sldId="324"/>
+            <ac:graphicFrameMk id="4" creationId="{3F44B118-72AF-4484-A6D2-46FCCFFC674A}"/>
+          </ac:graphicFrameMkLst>
+        </pc:graphicFrameChg>
+      </pc:sldChg>
+      <pc:sldChg chg="del">
+        <pc:chgData name="Tabetha Hopke" userId="5e7e88d54752368c" providerId="LiveId" clId="{6AF47CA9-FC11-4CA1-90AF-68AE9540EB25}" dt="2018-08-08T11:49:54.378" v="1644" actId="2696"/>
+        <pc:sldMkLst>
+          <pc:docMk/>
+          <pc:sldMk cId="3651249269" sldId="325"/>
+        </pc:sldMkLst>
+      </pc:sldChg>
+      <pc:sldChg chg="modSp ord">
+        <pc:chgData name="Tabetha Hopke" userId="5e7e88d54752368c" providerId="LiveId" clId="{6AF47CA9-FC11-4CA1-90AF-68AE9540EB25}" dt="2018-08-08T16:08:27.706" v="3990" actId="20577"/>
+        <pc:sldMkLst>
+          <pc:docMk/>
+          <pc:sldMk cId="1011661018" sldId="327"/>
+        </pc:sldMkLst>
+        <pc:spChg chg="mod">
+          <ac:chgData name="Tabetha Hopke" userId="5e7e88d54752368c" providerId="LiveId" clId="{6AF47CA9-FC11-4CA1-90AF-68AE9540EB25}" dt="2018-08-08T16:08:27.706" v="3990" actId="20577"/>
+          <ac:spMkLst>
+            <pc:docMk/>
+            <pc:sldMk cId="1011661018" sldId="327"/>
+            <ac:spMk id="3" creationId="{00000000-0000-0000-0000-000000000000}"/>
+          </ac:spMkLst>
+        </pc:spChg>
+      </pc:sldChg>
+      <pc:sldChg chg="modSp ord modNotesTx">
+        <pc:chgData name="Tabetha Hopke" userId="5e7e88d54752368c" providerId="LiveId" clId="{6AF47CA9-FC11-4CA1-90AF-68AE9540EB25}" dt="2018-08-08T16:08:11.956" v="3989" actId="114"/>
+        <pc:sldMkLst>
+          <pc:docMk/>
+          <pc:sldMk cId="1284795313" sldId="328"/>
+        </pc:sldMkLst>
+        <pc:spChg chg="mod">
+          <ac:chgData name="Tabetha Hopke" userId="5e7e88d54752368c" providerId="LiveId" clId="{6AF47CA9-FC11-4CA1-90AF-68AE9540EB25}" dt="2018-08-08T16:08:11.956" v="3989" actId="114"/>
+          <ac:spMkLst>
+            <pc:docMk/>
+            <pc:sldMk cId="1284795313" sldId="328"/>
+            <ac:spMk id="3" creationId="{00000000-0000-0000-0000-000000000000}"/>
+          </ac:spMkLst>
+        </pc:spChg>
+      </pc:sldChg>
+      <pc:sldChg chg="addSp delSp modSp add modNotesTx">
+        <pc:chgData name="Tabetha Hopke" userId="5e7e88d54752368c" providerId="LiveId" clId="{6AF47CA9-FC11-4CA1-90AF-68AE9540EB25}" dt="2018-08-08T16:17:02.441" v="4432" actId="20577"/>
+        <pc:sldMkLst>
+          <pc:docMk/>
+          <pc:sldMk cId="1899103140" sldId="329"/>
+        </pc:sldMkLst>
+        <pc:spChg chg="mod">
+          <ac:chgData name="Tabetha Hopke" userId="5e7e88d54752368c" providerId="LiveId" clId="{6AF47CA9-FC11-4CA1-90AF-68AE9540EB25}" dt="2018-08-08T11:04:19.083" v="432" actId="20577"/>
+          <ac:spMkLst>
+            <pc:docMk/>
+            <pc:sldMk cId="1899103140" sldId="329"/>
+            <ac:spMk id="2" creationId="{2ABB5607-6CAD-4BF9-AE7C-822F6619C90B}"/>
+          </ac:spMkLst>
+        </pc:spChg>
+        <pc:spChg chg="del">
+          <ac:chgData name="Tabetha Hopke" userId="5e7e88d54752368c" providerId="LiveId" clId="{6AF47CA9-FC11-4CA1-90AF-68AE9540EB25}" dt="2018-08-08T15:55:56.972" v="3537" actId="20577"/>
+          <ac:spMkLst>
+            <pc:docMk/>
+            <pc:sldMk cId="1899103140" sldId="329"/>
+            <ac:spMk id="3" creationId="{569BA540-6D31-4076-9E5C-7C4F8EA59784}"/>
+          </ac:spMkLst>
+        </pc:spChg>
+        <pc:spChg chg="add mod">
+          <ac:chgData name="Tabetha Hopke" userId="5e7e88d54752368c" providerId="LiveId" clId="{6AF47CA9-FC11-4CA1-90AF-68AE9540EB25}" dt="2018-08-08T16:17:02.441" v="4432" actId="20577"/>
+          <ac:spMkLst>
+            <pc:docMk/>
+            <pc:sldMk cId="1899103140" sldId="329"/>
+            <ac:spMk id="5" creationId="{FB53D088-31F2-4F0B-BB4E-0EE3D5680031}"/>
+          </ac:spMkLst>
+        </pc:spChg>
+        <pc:picChg chg="add mod">
+          <ac:chgData name="Tabetha Hopke" userId="5e7e88d54752368c" providerId="LiveId" clId="{6AF47CA9-FC11-4CA1-90AF-68AE9540EB25}" dt="2018-08-08T16:09:27.989" v="3996" actId="1076"/>
+          <ac:picMkLst>
+            <pc:docMk/>
+            <pc:sldMk cId="1899103140" sldId="329"/>
+            <ac:picMk id="3" creationId="{1542BB86-30A2-442C-A6A9-7EA43E7DB62A}"/>
+          </ac:picMkLst>
+        </pc:picChg>
+        <pc:picChg chg="add del mod modCrop">
+          <ac:chgData name="Tabetha Hopke" userId="5e7e88d54752368c" providerId="LiveId" clId="{6AF47CA9-FC11-4CA1-90AF-68AE9540EB25}" dt="2018-08-08T15:56:18.025" v="3542" actId="20577"/>
+          <ac:picMkLst>
+            <pc:docMk/>
+            <pc:sldMk cId="1899103140" sldId="329"/>
+            <ac:picMk id="4" creationId="{D9301843-7D05-417A-90B4-3732975FA5E9}"/>
+          </ac:picMkLst>
+        </pc:picChg>
+        <pc:picChg chg="add del mod">
+          <ac:chgData name="Tabetha Hopke" userId="5e7e88d54752368c" providerId="LiveId" clId="{6AF47CA9-FC11-4CA1-90AF-68AE9540EB25}" dt="2018-08-08T16:09:12.034" v="3991" actId="478"/>
+          <ac:picMkLst>
+            <pc:docMk/>
+            <pc:sldMk cId="1899103140" sldId="329"/>
+            <ac:picMk id="6" creationId="{41B36F44-B1E3-4297-8A8F-2842B2EE7745}"/>
+          </ac:picMkLst>
+        </pc:picChg>
+      </pc:sldChg>
+      <pc:sldChg chg="addSp modSp add ord">
+        <pc:chgData name="Tabetha Hopke" userId="5e7e88d54752368c" providerId="LiveId" clId="{6AF47CA9-FC11-4CA1-90AF-68AE9540EB25}" dt="2018-08-08T11:21:11.537" v="1135" actId="1076"/>
+        <pc:sldMkLst>
+          <pc:docMk/>
+          <pc:sldMk cId="264072522" sldId="330"/>
+        </pc:sldMkLst>
+        <pc:spChg chg="mod">
+          <ac:chgData name="Tabetha Hopke" userId="5e7e88d54752368c" providerId="LiveId" clId="{6AF47CA9-FC11-4CA1-90AF-68AE9540EB25}" dt="2018-08-08T11:13:28.395" v="567" actId="20577"/>
+          <ac:spMkLst>
+            <pc:docMk/>
+            <pc:sldMk cId="264072522" sldId="330"/>
+            <ac:spMk id="2" creationId="{4FFF6797-D177-46AC-9D43-FF3CAFB7D66D}"/>
+          </ac:spMkLst>
+        </pc:spChg>
+        <pc:spChg chg="mod">
+          <ac:chgData name="Tabetha Hopke" userId="5e7e88d54752368c" providerId="LiveId" clId="{6AF47CA9-FC11-4CA1-90AF-68AE9540EB25}" dt="2018-08-08T11:21:00.461" v="1133" actId="20577"/>
+          <ac:spMkLst>
+            <pc:docMk/>
+            <pc:sldMk cId="264072522" sldId="330"/>
+            <ac:spMk id="3" creationId="{4D8366BE-A0AE-48B6-8A53-9526F1CFFE7E}"/>
+          </ac:spMkLst>
+        </pc:spChg>
+        <pc:picChg chg="add mod">
+          <ac:chgData name="Tabetha Hopke" userId="5e7e88d54752368c" providerId="LiveId" clId="{6AF47CA9-FC11-4CA1-90AF-68AE9540EB25}" dt="2018-08-08T11:21:11.537" v="1135" actId="1076"/>
+          <ac:picMkLst>
+            <pc:docMk/>
+            <pc:sldMk cId="264072522" sldId="330"/>
+            <ac:picMk id="4" creationId="{0B1654C5-7ADE-426C-895C-A6809EB684DE}"/>
+          </ac:picMkLst>
+        </pc:picChg>
+      </pc:sldChg>
+      <pc:sldChg chg="modSp add del">
+        <pc:chgData name="Tabetha Hopke" userId="5e7e88d54752368c" providerId="LiveId" clId="{6AF47CA9-FC11-4CA1-90AF-68AE9540EB25}" dt="2018-08-08T11:26:52.152" v="1257" actId="2696"/>
+        <pc:sldMkLst>
+          <pc:docMk/>
+          <pc:sldMk cId="2033167057" sldId="331"/>
+        </pc:sldMkLst>
+        <pc:spChg chg="mod">
+          <ac:chgData name="Tabetha Hopke" userId="5e7e88d54752368c" providerId="LiveId" clId="{6AF47CA9-FC11-4CA1-90AF-68AE9540EB25}" dt="2018-08-08T11:15:09.375" v="718" actId="20577"/>
+          <ac:spMkLst>
+            <pc:docMk/>
+            <pc:sldMk cId="2033167057" sldId="331"/>
+            <ac:spMk id="2" creationId="{3F2BB978-E303-4924-9E22-67E3E8044358}"/>
+          </ac:spMkLst>
+        </pc:spChg>
+        <pc:spChg chg="mod">
+          <ac:chgData name="Tabetha Hopke" userId="5e7e88d54752368c" providerId="LiveId" clId="{6AF47CA9-FC11-4CA1-90AF-68AE9540EB25}" dt="2018-08-08T11:25:44.344" v="1171" actId="20577"/>
+          <ac:spMkLst>
+            <pc:docMk/>
+            <pc:sldMk cId="2033167057" sldId="331"/>
+            <ac:spMk id="3" creationId="{06E0BB0D-1C04-428E-9624-294234C8E452}"/>
+          </ac:spMkLst>
+        </pc:spChg>
+      </pc:sldChg>
+      <pc:sldChg chg="addSp modSp add">
+        <pc:chgData name="Tabetha Hopke" userId="5e7e88d54752368c" providerId="LiveId" clId="{6AF47CA9-FC11-4CA1-90AF-68AE9540EB25}" dt="2018-08-08T11:35:50.084" v="1534" actId="1076"/>
+        <pc:sldMkLst>
+          <pc:docMk/>
+          <pc:sldMk cId="3836479174" sldId="332"/>
+        </pc:sldMkLst>
+        <pc:spChg chg="mod">
+          <ac:chgData name="Tabetha Hopke" userId="5e7e88d54752368c" providerId="LiveId" clId="{6AF47CA9-FC11-4CA1-90AF-68AE9540EB25}" dt="2018-08-08T11:21:28.967" v="1137" actId="1076"/>
+          <ac:spMkLst>
+            <pc:docMk/>
+            <pc:sldMk cId="3836479174" sldId="332"/>
+            <ac:spMk id="2" creationId="{ED271F18-BA53-441E-ADDF-EB36D4416AE7}"/>
+          </ac:spMkLst>
+        </pc:spChg>
+        <pc:spChg chg="mod">
+          <ac:chgData name="Tabetha Hopke" userId="5e7e88d54752368c" providerId="LiveId" clId="{6AF47CA9-FC11-4CA1-90AF-68AE9540EB25}" dt="2018-08-08T11:35:25.190" v="1532" actId="313"/>
+          <ac:spMkLst>
+            <pc:docMk/>
+            <pc:sldMk cId="3836479174" sldId="332"/>
+            <ac:spMk id="3" creationId="{82C9B825-4A12-4313-8D34-BDD5A4C9DF55}"/>
+          </ac:spMkLst>
+        </pc:spChg>
+        <pc:picChg chg="add mod">
+          <ac:chgData name="Tabetha Hopke" userId="5e7e88d54752368c" providerId="LiveId" clId="{6AF47CA9-FC11-4CA1-90AF-68AE9540EB25}" dt="2018-08-08T11:35:50.084" v="1534" actId="1076"/>
+          <ac:picMkLst>
+            <pc:docMk/>
+            <pc:sldMk cId="3836479174" sldId="332"/>
+            <ac:picMk id="4" creationId="{6695FE1A-80F0-44C0-8974-3D027BB30C77}"/>
+          </ac:picMkLst>
+        </pc:picChg>
+      </pc:sldChg>
+      <pc:sldChg chg="addSp delSp modSp add modNotesTx">
+        <pc:chgData name="Tabetha Hopke" userId="5e7e88d54752368c" providerId="LiveId" clId="{6AF47CA9-FC11-4CA1-90AF-68AE9540EB25}" dt="2018-08-08T11:41:05.976" v="1642" actId="20577"/>
+        <pc:sldMkLst>
+          <pc:docMk/>
+          <pc:sldMk cId="3375920490" sldId="333"/>
+        </pc:sldMkLst>
+        <pc:spChg chg="del mod">
+          <ac:chgData name="Tabetha Hopke" userId="5e7e88d54752368c" providerId="LiveId" clId="{6AF47CA9-FC11-4CA1-90AF-68AE9540EB25}" dt="2018-08-08T11:36:49.086" v="1538" actId="20577"/>
+          <ac:spMkLst>
+            <pc:docMk/>
+            <pc:sldMk cId="3375920490" sldId="333"/>
+            <ac:spMk id="3" creationId="{82C9B825-4A12-4313-8D34-BDD5A4C9DF55}"/>
+          </ac:spMkLst>
+        </pc:spChg>
+        <pc:spChg chg="add del mod">
+          <ac:chgData name="Tabetha Hopke" userId="5e7e88d54752368c" providerId="LiveId" clId="{6AF47CA9-FC11-4CA1-90AF-68AE9540EB25}" dt="2018-08-08T11:40:36.924" v="1601" actId="20577"/>
+          <ac:spMkLst>
+            <pc:docMk/>
+            <pc:sldMk cId="3375920490" sldId="333"/>
+            <ac:spMk id="7" creationId="{BE9C527A-7D86-4090-BAB4-58C8CF1FDB2C}"/>
+          </ac:spMkLst>
+        </pc:spChg>
+        <pc:picChg chg="del">
+          <ac:chgData name="Tabetha Hopke" userId="5e7e88d54752368c" providerId="LiveId" clId="{6AF47CA9-FC11-4CA1-90AF-68AE9540EB25}" dt="2018-08-08T11:36:09.604" v="1536" actId="478"/>
+          <ac:picMkLst>
+            <pc:docMk/>
+            <pc:sldMk cId="3375920490" sldId="333"/>
+            <ac:picMk id="4" creationId="{6695FE1A-80F0-44C0-8974-3D027BB30C77}"/>
+          </ac:picMkLst>
+        </pc:picChg>
+        <pc:picChg chg="add del mod">
+          <ac:chgData name="Tabetha Hopke" userId="5e7e88d54752368c" providerId="LiveId" clId="{6AF47CA9-FC11-4CA1-90AF-68AE9540EB25}" dt="2018-08-08T11:40:34.120" v="1600" actId="478"/>
+          <ac:picMkLst>
+            <pc:docMk/>
+            <pc:sldMk cId="3375920490" sldId="333"/>
+            <ac:picMk id="5" creationId="{29A2F4F3-35AC-4BA9-9A8C-96244D148A64}"/>
+          </ac:picMkLst>
+        </pc:picChg>
+        <pc:picChg chg="add mod">
+          <ac:chgData name="Tabetha Hopke" userId="5e7e88d54752368c" providerId="LiveId" clId="{6AF47CA9-FC11-4CA1-90AF-68AE9540EB25}" dt="2018-08-08T11:40:39.438" v="1602" actId="1076"/>
+          <ac:picMkLst>
+            <pc:docMk/>
+            <pc:sldMk cId="3375920490" sldId="333"/>
+            <ac:picMk id="8" creationId="{06B08677-9500-4562-B88C-CA698C06D58E}"/>
+          </ac:picMkLst>
+        </pc:picChg>
+      </pc:sldChg>
+      <pc:sldChg chg="addSp delSp modSp add modNotesTx">
+        <pc:chgData name="Tabetha Hopke" userId="5e7e88d54752368c" providerId="LiveId" clId="{6AF47CA9-FC11-4CA1-90AF-68AE9540EB25}" dt="2018-08-08T16:32:43.489" v="4457" actId="1076"/>
+        <pc:sldMkLst>
+          <pc:docMk/>
+          <pc:sldMk cId="141736489" sldId="334"/>
+        </pc:sldMkLst>
+        <pc:spChg chg="mod">
+          <ac:chgData name="Tabetha Hopke" userId="5e7e88d54752368c" providerId="LiveId" clId="{6AF47CA9-FC11-4CA1-90AF-68AE9540EB25}" dt="2018-08-08T11:53:11.259" v="1706" actId="20577"/>
+          <ac:spMkLst>
+            <pc:docMk/>
+            <pc:sldMk cId="141736489" sldId="334"/>
+            <ac:spMk id="2" creationId="{E33A10D4-2CD0-4D1A-93F3-D46B27858BC5}"/>
+          </ac:spMkLst>
+        </pc:spChg>
+        <pc:spChg chg="mod">
+          <ac:chgData name="Tabetha Hopke" userId="5e7e88d54752368c" providerId="LiveId" clId="{6AF47CA9-FC11-4CA1-90AF-68AE9540EB25}" dt="2018-08-08T15:42:17.920" v="2906" actId="1076"/>
+          <ac:spMkLst>
+            <pc:docMk/>
+            <pc:sldMk cId="141736489" sldId="334"/>
+            <ac:spMk id="3" creationId="{9AABAB63-EA9D-4665-8C35-75392069C90E}"/>
+          </ac:spMkLst>
+        </pc:spChg>
+        <pc:spChg chg="add mod">
+          <ac:chgData name="Tabetha Hopke" userId="5e7e88d54752368c" providerId="LiveId" clId="{6AF47CA9-FC11-4CA1-90AF-68AE9540EB25}" dt="2018-08-08T15:42:54.735" v="2911" actId="1076"/>
+          <ac:spMkLst>
+            <pc:docMk/>
+            <pc:sldMk cId="141736489" sldId="334"/>
+            <ac:spMk id="7" creationId="{1211A7C9-8F0D-4E42-A0E1-4C49BD81F958}"/>
+          </ac:spMkLst>
+        </pc:spChg>
+        <pc:picChg chg="add mod">
+          <ac:chgData name="Tabetha Hopke" userId="5e7e88d54752368c" providerId="LiveId" clId="{6AF47CA9-FC11-4CA1-90AF-68AE9540EB25}" dt="2018-08-08T16:32:43.489" v="4457" actId="1076"/>
+          <ac:picMkLst>
+            <pc:docMk/>
+            <pc:sldMk cId="141736489" sldId="334"/>
+            <ac:picMk id="4" creationId="{D8C2AB7B-CB4C-43B6-BA26-78B104541040}"/>
+          </ac:picMkLst>
+        </pc:picChg>
+        <pc:picChg chg="add del mod">
+          <ac:chgData name="Tabetha Hopke" userId="5e7e88d54752368c" providerId="LiveId" clId="{6AF47CA9-FC11-4CA1-90AF-68AE9540EB25}" dt="2018-08-08T15:41:40.534" v="2895" actId="478"/>
+          <ac:picMkLst>
+            <pc:docMk/>
+            <pc:sldMk cId="141736489" sldId="334"/>
+            <ac:picMk id="5" creationId="{5289C222-80F3-4A7C-8869-D46F8426ABB4}"/>
+          </ac:picMkLst>
+        </pc:picChg>
+        <pc:picChg chg="add mod modCrop">
+          <ac:chgData name="Tabetha Hopke" userId="5e7e88d54752368c" providerId="LiveId" clId="{6AF47CA9-FC11-4CA1-90AF-68AE9540EB25}" dt="2018-08-08T16:32:39.110" v="4456" actId="1076"/>
+          <ac:picMkLst>
+            <pc:docMk/>
+            <pc:sldMk cId="141736489" sldId="334"/>
+            <ac:picMk id="6" creationId="{4A4299D1-0B8D-4A81-8BFA-C044BC5A3E83}"/>
+          </ac:picMkLst>
+        </pc:picChg>
+      </pc:sldChg>
+      <pc:sldChg chg="addSp delSp modSp add">
+        <pc:chgData name="Tabetha Hopke" userId="5e7e88d54752368c" providerId="LiveId" clId="{6AF47CA9-FC11-4CA1-90AF-68AE9540EB25}" dt="2018-08-08T15:43:41.130" v="2920" actId="1076"/>
+        <pc:sldMkLst>
+          <pc:docMk/>
+          <pc:sldMk cId="1983077318" sldId="335"/>
+        </pc:sldMkLst>
+        <pc:spChg chg="mod">
+          <ac:chgData name="Tabetha Hopke" userId="5e7e88d54752368c" providerId="LiveId" clId="{6AF47CA9-FC11-4CA1-90AF-68AE9540EB25}" dt="2018-08-08T12:06:56.561" v="2234" actId="20577"/>
+          <ac:spMkLst>
+            <pc:docMk/>
+            <pc:sldMk cId="1983077318" sldId="335"/>
+            <ac:spMk id="3" creationId="{9AABAB63-EA9D-4665-8C35-75392069C90E}"/>
+          </ac:spMkLst>
+        </pc:spChg>
+        <pc:spChg chg="add del">
+          <ac:chgData name="Tabetha Hopke" userId="5e7e88d54752368c" providerId="LiveId" clId="{6AF47CA9-FC11-4CA1-90AF-68AE9540EB25}" dt="2018-08-08T11:56:59.322" v="1807" actId="1076"/>
+          <ac:spMkLst>
+            <pc:docMk/>
+            <pc:sldMk cId="1983077318" sldId="335"/>
+            <ac:spMk id="5" creationId="{3C3C561F-2482-41C8-A027-0C17F5EB72CA}"/>
+          </ac:spMkLst>
+        </pc:spChg>
+        <pc:spChg chg="add del">
+          <ac:chgData name="Tabetha Hopke" userId="5e7e88d54752368c" providerId="LiveId" clId="{6AF47CA9-FC11-4CA1-90AF-68AE9540EB25}" dt="2018-08-08T11:56:59.322" v="1807" actId="1076"/>
+          <ac:spMkLst>
+            <pc:docMk/>
+            <pc:sldMk cId="1983077318" sldId="335"/>
+            <ac:spMk id="6" creationId="{E88E3A0E-FBA5-49DF-B39A-BA7EF3DB6FE7}"/>
+          </ac:spMkLst>
+        </pc:spChg>
+        <pc:spChg chg="add del">
+          <ac:chgData name="Tabetha Hopke" userId="5e7e88d54752368c" providerId="LiveId" clId="{6AF47CA9-FC11-4CA1-90AF-68AE9540EB25}" dt="2018-08-08T11:56:59.322" v="1807" actId="1076"/>
+          <ac:spMkLst>
+            <pc:docMk/>
+            <pc:sldMk cId="1983077318" sldId="335"/>
+            <ac:spMk id="7" creationId="{ADB5F6E5-4BAD-4DAD-9044-7DC8F38B6A38}"/>
+          </ac:spMkLst>
+        </pc:spChg>
+        <pc:spChg chg="add mod">
+          <ac:chgData name="Tabetha Hopke" userId="5e7e88d54752368c" providerId="LiveId" clId="{6AF47CA9-FC11-4CA1-90AF-68AE9540EB25}" dt="2018-08-08T12:07:03.234" v="2236" actId="1076"/>
+          <ac:spMkLst>
+            <pc:docMk/>
+            <pc:sldMk cId="1983077318" sldId="335"/>
+            <ac:spMk id="12" creationId="{2A165310-0463-4826-BA01-48CA87B5A57B}"/>
+          </ac:spMkLst>
+        </pc:spChg>
+        <pc:spChg chg="add mod">
+          <ac:chgData name="Tabetha Hopke" userId="5e7e88d54752368c" providerId="LiveId" clId="{6AF47CA9-FC11-4CA1-90AF-68AE9540EB25}" dt="2018-08-08T15:43:41.130" v="2920" actId="1076"/>
+          <ac:spMkLst>
+            <pc:docMk/>
+            <pc:sldMk cId="1983077318" sldId="335"/>
+            <ac:spMk id="14" creationId="{A8118AB3-6596-4BB7-B87B-1519C079D64E}"/>
+          </ac:spMkLst>
+        </pc:spChg>
+        <pc:picChg chg="del mod">
+          <ac:chgData name="Tabetha Hopke" userId="5e7e88d54752368c" providerId="LiveId" clId="{6AF47CA9-FC11-4CA1-90AF-68AE9540EB25}" dt="2018-08-08T11:55:59.947" v="1804" actId="478"/>
+          <ac:picMkLst>
+            <pc:docMk/>
+            <pc:sldMk cId="1983077318" sldId="335"/>
+            <ac:picMk id="4" creationId="{D8C2AB7B-CB4C-43B6-BA26-78B104541040}"/>
+          </ac:picMkLst>
+        </pc:picChg>
+        <pc:picChg chg="add del mod">
+          <ac:chgData name="Tabetha Hopke" userId="5e7e88d54752368c" providerId="LiveId" clId="{6AF47CA9-FC11-4CA1-90AF-68AE9540EB25}" dt="2018-08-08T15:43:04.700" v="2912" actId="478"/>
+          <ac:picMkLst>
+            <pc:docMk/>
+            <pc:sldMk cId="1983077318" sldId="335"/>
+            <ac:picMk id="10" creationId="{D5E861B9-8E23-4741-AE58-492C22F385ED}"/>
+          </ac:picMkLst>
+        </pc:picChg>
+        <pc:picChg chg="add mod">
+          <ac:chgData name="Tabetha Hopke" userId="5e7e88d54752368c" providerId="LiveId" clId="{6AF47CA9-FC11-4CA1-90AF-68AE9540EB25}" dt="2018-08-08T12:06:59.578" v="2235" actId="1076"/>
+          <ac:picMkLst>
+            <pc:docMk/>
+            <pc:sldMk cId="1983077318" sldId="335"/>
+            <ac:picMk id="11" creationId="{F81F5402-DE4C-4B5C-9E6B-D95585CE195E}"/>
+          </ac:picMkLst>
+        </pc:picChg>
+        <pc:picChg chg="add mod">
+          <ac:chgData name="Tabetha Hopke" userId="5e7e88d54752368c" providerId="LiveId" clId="{6AF47CA9-FC11-4CA1-90AF-68AE9540EB25}" dt="2018-08-08T15:43:27.557" v="2918" actId="1076"/>
+          <ac:picMkLst>
+            <pc:docMk/>
+            <pc:sldMk cId="1983077318" sldId="335"/>
+            <ac:picMk id="13" creationId="{07F8C535-68B0-4E7B-8BC9-FCCAB8D6F3AF}"/>
+          </ac:picMkLst>
+        </pc:picChg>
+        <pc:picChg chg="add del">
+          <ac:chgData name="Tabetha Hopke" userId="5e7e88d54752368c" providerId="LiveId" clId="{6AF47CA9-FC11-4CA1-90AF-68AE9540EB25}" dt="2018-08-08T11:56:59.322" v="1807" actId="1076"/>
+          <ac:picMkLst>
+            <pc:docMk/>
+            <pc:sldMk cId="1983077318" sldId="335"/>
+            <ac:picMk id="5121" creationId="{0C05B726-1311-412A-AE89-B4F6335635DC}"/>
+          </ac:picMkLst>
+        </pc:picChg>
+        <pc:picChg chg="add del">
+          <ac:chgData name="Tabetha Hopke" userId="5e7e88d54752368c" providerId="LiveId" clId="{6AF47CA9-FC11-4CA1-90AF-68AE9540EB25}" dt="2018-08-08T11:56:59.322" v="1807" actId="1076"/>
+          <ac:picMkLst>
+            <pc:docMk/>
+            <pc:sldMk cId="1983077318" sldId="335"/>
+            <ac:picMk id="5122" creationId="{F787520F-DA81-4BC8-B902-F322079FE27E}"/>
+          </ac:picMkLst>
+        </pc:picChg>
+      </pc:sldChg>
+      <pc:sldChg chg="addSp delSp modSp add modNotesTx">
+        <pc:chgData name="Tabetha Hopke" userId="5e7e88d54752368c" providerId="LiveId" clId="{6AF47CA9-FC11-4CA1-90AF-68AE9540EB25}" dt="2018-08-08T15:49:03.563" v="3304" actId="20577"/>
+        <pc:sldMkLst>
+          <pc:docMk/>
+          <pc:sldMk cId="917270577" sldId="336"/>
+        </pc:sldMkLst>
+        <pc:spChg chg="mod">
+          <ac:chgData name="Tabetha Hopke" userId="5e7e88d54752368c" providerId="LiveId" clId="{6AF47CA9-FC11-4CA1-90AF-68AE9540EB25}" dt="2018-08-08T12:08:38.759" v="2239" actId="20577"/>
+          <ac:spMkLst>
+            <pc:docMk/>
+            <pc:sldMk cId="917270577" sldId="336"/>
+            <ac:spMk id="2" creationId="{A63E1069-128D-4A90-AC0B-191F99273C3F}"/>
+          </ac:spMkLst>
+        </pc:spChg>
+        <pc:spChg chg="mod">
+          <ac:chgData name="Tabetha Hopke" userId="5e7e88d54752368c" providerId="LiveId" clId="{6AF47CA9-FC11-4CA1-90AF-68AE9540EB25}" dt="2018-08-08T15:45:09.649" v="2938" actId="27636"/>
+          <ac:spMkLst>
+            <pc:docMk/>
+            <pc:sldMk cId="917270577" sldId="336"/>
+            <ac:spMk id="3" creationId="{96EEBBE8-5A09-481D-97EB-9021ACE891B5}"/>
+          </ac:spMkLst>
+        </pc:spChg>
+        <pc:spChg chg="add mod ord">
+          <ac:chgData name="Tabetha Hopke" userId="5e7e88d54752368c" providerId="LiveId" clId="{6AF47CA9-FC11-4CA1-90AF-68AE9540EB25}" dt="2018-08-08T15:44:44.854" v="2932" actId="1076"/>
+          <ac:spMkLst>
+            <pc:docMk/>
+            <pc:sldMk cId="917270577" sldId="336"/>
+            <ac:spMk id="5" creationId="{F5BD1334-89EB-4AAA-9C80-6B6867842034}"/>
+          </ac:spMkLst>
+        </pc:spChg>
+        <pc:spChg chg="add del">
+          <ac:chgData name="Tabetha Hopke" userId="5e7e88d54752368c" providerId="LiveId" clId="{6AF47CA9-FC11-4CA1-90AF-68AE9540EB25}" dt="2018-08-08T15:35:50.907" v="2517" actId="20577"/>
+          <ac:spMkLst>
+            <pc:docMk/>
+            <pc:sldMk cId="917270577" sldId="336"/>
+            <ac:spMk id="8" creationId="{2BA637EB-0688-4A13-AE25-2B477CD8F2BE}"/>
+          </ac:spMkLst>
+        </pc:spChg>
+        <pc:spChg chg="add mod">
+          <ac:chgData name="Tabetha Hopke" userId="5e7e88d54752368c" providerId="LiveId" clId="{6AF47CA9-FC11-4CA1-90AF-68AE9540EB25}" dt="2018-08-08T15:48:13.905" v="3266" actId="1076"/>
+          <ac:spMkLst>
+            <pc:docMk/>
+            <pc:sldMk cId="917270577" sldId="336"/>
+            <ac:spMk id="12" creationId="{5F5356B5-1BC3-45D3-92DE-F5ECA8E580F3}"/>
+          </ac:spMkLst>
+        </pc:spChg>
+        <pc:spChg chg="add mod">
+          <ac:chgData name="Tabetha Hopke" userId="5e7e88d54752368c" providerId="LiveId" clId="{6AF47CA9-FC11-4CA1-90AF-68AE9540EB25}" dt="2018-08-08T15:49:03.563" v="3304" actId="20577"/>
+          <ac:spMkLst>
+            <pc:docMk/>
+            <pc:sldMk cId="917270577" sldId="336"/>
+            <ac:spMk id="13" creationId="{F9DAD693-B411-496E-8F7F-92999B7B195A}"/>
+          </ac:spMkLst>
+        </pc:spChg>
+        <pc:graphicFrameChg chg="add del">
+          <ac:chgData name="Tabetha Hopke" userId="5e7e88d54752368c" providerId="LiveId" clId="{6AF47CA9-FC11-4CA1-90AF-68AE9540EB25}" dt="2018-08-08T15:35:50.907" v="2517" actId="20577"/>
+          <ac:graphicFrameMkLst>
+            <pc:docMk/>
+            <pc:sldMk cId="917270577" sldId="336"/>
+            <ac:graphicFrameMk id="7" creationId="{275C1B34-7138-4033-9F17-C8CF73336EF1}"/>
+          </ac:graphicFrameMkLst>
+        </pc:graphicFrameChg>
+        <pc:graphicFrameChg chg="add del">
+          <ac:chgData name="Tabetha Hopke" userId="5e7e88d54752368c" providerId="LiveId" clId="{6AF47CA9-FC11-4CA1-90AF-68AE9540EB25}" dt="2018-08-08T15:36:07.741" v="2521" actId="20577"/>
+          <ac:graphicFrameMkLst>
+            <pc:docMk/>
+            <pc:sldMk cId="917270577" sldId="336"/>
+            <ac:graphicFrameMk id="9" creationId="{F0E88321-0EA9-45F2-B56A-4FB46696D6FD}"/>
+          </ac:graphicFrameMkLst>
+        </pc:graphicFrameChg>
+        <pc:picChg chg="add del mod">
+          <ac:chgData name="Tabetha Hopke" userId="5e7e88d54752368c" providerId="LiveId" clId="{6AF47CA9-FC11-4CA1-90AF-68AE9540EB25}" dt="2018-08-08T15:34:48.813" v="2509" actId="478"/>
+          <ac:picMkLst>
+            <pc:docMk/>
+            <pc:sldMk cId="917270577" sldId="336"/>
+            <ac:picMk id="4" creationId="{C10D10AC-0CF5-484B-A303-407C804E31D8}"/>
+          </ac:picMkLst>
+        </pc:picChg>
+        <pc:picChg chg="add del mod">
+          <ac:chgData name="Tabetha Hopke" userId="5e7e88d54752368c" providerId="LiveId" clId="{6AF47CA9-FC11-4CA1-90AF-68AE9540EB25}" dt="2018-08-08T15:36:34.802" v="2527" actId="478"/>
+          <ac:picMkLst>
+            <pc:docMk/>
+            <pc:sldMk cId="917270577" sldId="336"/>
+            <ac:picMk id="6" creationId="{112F0FC1-7B7F-4E83-82F1-534147C5219B}"/>
+          </ac:picMkLst>
+        </pc:picChg>
+        <pc:picChg chg="add mod modCrop">
+          <ac:chgData name="Tabetha Hopke" userId="5e7e88d54752368c" providerId="LiveId" clId="{6AF47CA9-FC11-4CA1-90AF-68AE9540EB25}" dt="2018-08-08T15:44:55.140" v="2935" actId="1076"/>
+          <ac:picMkLst>
+            <pc:docMk/>
+            <pc:sldMk cId="917270577" sldId="336"/>
+            <ac:picMk id="10" creationId="{B888CE0D-DAD6-48A0-81C7-0063B7A0CDCC}"/>
+          </ac:picMkLst>
+        </pc:picChg>
+        <pc:picChg chg="add del mod modCrop">
+          <ac:chgData name="Tabetha Hopke" userId="5e7e88d54752368c" providerId="LiveId" clId="{6AF47CA9-FC11-4CA1-90AF-68AE9540EB25}" dt="2018-08-08T15:44:41.935" v="2931" actId="1076"/>
+          <ac:picMkLst>
+            <pc:docMk/>
+            <pc:sldMk cId="917270577" sldId="336"/>
+            <ac:picMk id="11" creationId="{5AEF4FE5-7223-46A9-AED8-9A87555D674D}"/>
+          </ac:picMkLst>
+        </pc:picChg>
+      </pc:sldChg>
+      <pc:sldChg chg="addSp modSp add">
+        <pc:chgData name="Tabetha Hopke" userId="5e7e88d54752368c" providerId="LiveId" clId="{6AF47CA9-FC11-4CA1-90AF-68AE9540EB25}" dt="2018-08-08T16:50:44.790" v="4484" actId="313"/>
+        <pc:sldMkLst>
+          <pc:docMk/>
+          <pc:sldMk cId="3419715744" sldId="337"/>
+        </pc:sldMkLst>
+        <pc:spChg chg="mod">
+          <ac:chgData name="Tabetha Hopke" userId="5e7e88d54752368c" providerId="LiveId" clId="{6AF47CA9-FC11-4CA1-90AF-68AE9540EB25}" dt="2018-08-08T15:27:57.433" v="2262" actId="20577"/>
+          <ac:spMkLst>
+            <pc:docMk/>
+            <pc:sldMk cId="3419715744" sldId="337"/>
+            <ac:spMk id="2" creationId="{6E50A13E-7F48-46F3-A4EC-016A72A3AFF2}"/>
+          </ac:spMkLst>
+        </pc:spChg>
+        <pc:spChg chg="mod">
+          <ac:chgData name="Tabetha Hopke" userId="5e7e88d54752368c" providerId="LiveId" clId="{6AF47CA9-FC11-4CA1-90AF-68AE9540EB25}" dt="2018-08-08T16:50:44.790" v="4484" actId="313"/>
+          <ac:spMkLst>
+            <pc:docMk/>
+            <pc:sldMk cId="3419715744" sldId="337"/>
+            <ac:spMk id="3" creationId="{6901A659-B4E8-4EBE-8676-96B8F050B191}"/>
+          </ac:spMkLst>
+        </pc:spChg>
+        <pc:picChg chg="add mod">
+          <ac:chgData name="Tabetha Hopke" userId="5e7e88d54752368c" providerId="LiveId" clId="{6AF47CA9-FC11-4CA1-90AF-68AE9540EB25}" dt="2018-08-08T15:29:10.221" v="2342" actId="1076"/>
+          <ac:picMkLst>
+            <pc:docMk/>
+            <pc:sldMk cId="3419715744" sldId="337"/>
+            <ac:picMk id="4" creationId="{EAEF58C9-5A57-46E2-A4B7-3A851E550210}"/>
+          </ac:picMkLst>
+        </pc:picChg>
+      </pc:sldChg>
+      <pc:sldChg chg="modSp add del">
+        <pc:chgData name="Tabetha Hopke" userId="5e7e88d54752368c" providerId="LiveId" clId="{6AF47CA9-FC11-4CA1-90AF-68AE9540EB25}" dt="2018-08-08T15:51:02.581" v="3318" actId="2696"/>
+        <pc:sldMkLst>
+          <pc:docMk/>
+          <pc:sldMk cId="614107193" sldId="338"/>
+        </pc:sldMkLst>
+        <pc:spChg chg="mod">
+          <ac:chgData name="Tabetha Hopke" userId="5e7e88d54752368c" providerId="LiveId" clId="{6AF47CA9-FC11-4CA1-90AF-68AE9540EB25}" dt="2018-08-08T15:50:47.384" v="3317" actId="20577"/>
+          <ac:spMkLst>
+            <pc:docMk/>
+            <pc:sldMk cId="614107193" sldId="338"/>
+            <ac:spMk id="2" creationId="{A374CE21-A3EE-403C-9985-91EF79F15D1A}"/>
+          </ac:spMkLst>
+        </pc:spChg>
+      </pc:sldChg>
+      <pc:sldChg chg="modSp add del">
+        <pc:chgData name="Tabetha Hopke" userId="5e7e88d54752368c" providerId="LiveId" clId="{6AF47CA9-FC11-4CA1-90AF-68AE9540EB25}" dt="2018-08-08T15:53:16.519" v="3433" actId="2696"/>
+        <pc:sldMkLst>
+          <pc:docMk/>
+          <pc:sldMk cId="2517223608" sldId="338"/>
+        </pc:sldMkLst>
+        <pc:spChg chg="mod">
+          <ac:chgData name="Tabetha Hopke" userId="5e7e88d54752368c" providerId="LiveId" clId="{6AF47CA9-FC11-4CA1-90AF-68AE9540EB25}" dt="2018-08-08T15:51:12.305" v="3330" actId="20577"/>
+          <ac:spMkLst>
+            <pc:docMk/>
+            <pc:sldMk cId="2517223608" sldId="338"/>
+            <ac:spMk id="2" creationId="{70788A5D-9A58-475D-916B-2CD6D6E4C2FD}"/>
+          </ac:spMkLst>
+        </pc:spChg>
+        <pc:spChg chg="mod">
+          <ac:chgData name="Tabetha Hopke" userId="5e7e88d54752368c" providerId="LiveId" clId="{6AF47CA9-FC11-4CA1-90AF-68AE9540EB25}" dt="2018-08-08T15:53:09.695" v="3432" actId="20577"/>
+          <ac:spMkLst>
+            <pc:docMk/>
+            <pc:sldMk cId="2517223608" sldId="338"/>
+            <ac:spMk id="3" creationId="{8A2B57A2-7E6A-4ACD-9B31-BE9B09C7FFC9}"/>
+          </ac:spMkLst>
+        </pc:spChg>
+      </pc:sldChg>
+      <pc:sldChg chg="addSp delSp modSp add">
+        <pc:chgData name="Tabetha Hopke" userId="5e7e88d54752368c" providerId="LiveId" clId="{6AF47CA9-FC11-4CA1-90AF-68AE9540EB25}" dt="2018-08-08T16:15:55.329" v="4335" actId="20577"/>
+        <pc:sldMkLst>
+          <pc:docMk/>
+          <pc:sldMk cId="2637084610" sldId="338"/>
+        </pc:sldMkLst>
+        <pc:spChg chg="mod">
+          <ac:chgData name="Tabetha Hopke" userId="5e7e88d54752368c" providerId="LiveId" clId="{6AF47CA9-FC11-4CA1-90AF-68AE9540EB25}" dt="2018-08-08T16:09:59.701" v="4023" actId="20577"/>
+          <ac:spMkLst>
+            <pc:docMk/>
+            <pc:sldMk cId="2637084610" sldId="338"/>
+            <ac:spMk id="2" creationId="{6A1C89DC-3605-44DE-923B-4B8F131B6D6E}"/>
+          </ac:spMkLst>
+        </pc:spChg>
+        <pc:spChg chg="mod">
+          <ac:chgData name="Tabetha Hopke" userId="5e7e88d54752368c" providerId="LiveId" clId="{6AF47CA9-FC11-4CA1-90AF-68AE9540EB25}" dt="2018-08-08T16:15:55.329" v="4335" actId="20577"/>
+          <ac:spMkLst>
+            <pc:docMk/>
+            <pc:sldMk cId="2637084610" sldId="338"/>
+            <ac:spMk id="3" creationId="{5D641DD0-0D1A-4C35-8931-3CA8D43C57D9}"/>
+          </ac:spMkLst>
+        </pc:spChg>
+        <pc:picChg chg="add mod">
+          <ac:chgData name="Tabetha Hopke" userId="5e7e88d54752368c" providerId="LiveId" clId="{6AF47CA9-FC11-4CA1-90AF-68AE9540EB25}" dt="2018-08-08T16:12:39.164" v="4156" actId="1076"/>
+          <ac:picMkLst>
+            <pc:docMk/>
+            <pc:sldMk cId="2637084610" sldId="338"/>
+            <ac:picMk id="4" creationId="{B008979E-6AD3-4F4C-A14C-153575F65313}"/>
+          </ac:picMkLst>
+        </pc:picChg>
+        <pc:picChg chg="add del mod">
+          <ac:chgData name="Tabetha Hopke" userId="5e7e88d54752368c" providerId="LiveId" clId="{6AF47CA9-FC11-4CA1-90AF-68AE9540EB25}" dt="2018-08-08T16:13:39.214" v="4159" actId="20577"/>
+          <ac:picMkLst>
+            <pc:docMk/>
+            <pc:sldMk cId="2637084610" sldId="338"/>
+            <ac:picMk id="5" creationId="{07AB0DD3-9530-40CB-B274-CE4B75603E8E}"/>
+          </ac:picMkLst>
+        </pc:picChg>
+        <pc:picChg chg="add mod">
+          <ac:chgData name="Tabetha Hopke" userId="5e7e88d54752368c" providerId="LiveId" clId="{6AF47CA9-FC11-4CA1-90AF-68AE9540EB25}" dt="2018-08-08T16:15:51.667" v="4333" actId="1076"/>
+          <ac:picMkLst>
+            <pc:docMk/>
+            <pc:sldMk cId="2637084610" sldId="338"/>
+            <ac:picMk id="6" creationId="{4F35222E-7E5C-4E25-9F1F-3658BBBF0BC0}"/>
+          </ac:picMkLst>
+        </pc:picChg>
+      </pc:sldChg>
+      <pc:sldChg chg="modSp add del">
+        <pc:chgData name="Tabetha Hopke" userId="5e7e88d54752368c" providerId="LiveId" clId="{6AF47CA9-FC11-4CA1-90AF-68AE9540EB25}" dt="2018-08-08T15:50:17.156" v="3305" actId="2696"/>
+        <pc:sldMkLst>
+          <pc:docMk/>
+          <pc:sldMk cId="4039511038" sldId="338"/>
+        </pc:sldMkLst>
+        <pc:spChg chg="mod">
+          <ac:chgData name="Tabetha Hopke" userId="5e7e88d54752368c" providerId="LiveId" clId="{6AF47CA9-FC11-4CA1-90AF-68AE9540EB25}" dt="2018-08-08T15:33:58.149" v="2508" actId="20577"/>
+          <ac:spMkLst>
+            <pc:docMk/>
+            <pc:sldMk cId="4039511038" sldId="338"/>
+            <ac:spMk id="2" creationId="{BEA16117-A544-4F8D-826F-8670A1045B58}"/>
+          </ac:spMkLst>
+        </pc:spChg>
+      </pc:sldChg>
+      <pc:sldChg chg="addSp modSp add">
+        <pc:chgData name="Tabetha Hopke" userId="5e7e88d54752368c" providerId="LiveId" clId="{6AF47CA9-FC11-4CA1-90AF-68AE9540EB25}" dt="2018-08-08T16:19:04.590" v="4440" actId="1076"/>
+        <pc:sldMkLst>
+          <pc:docMk/>
+          <pc:sldMk cId="2677582296" sldId="339"/>
+        </pc:sldMkLst>
+        <pc:spChg chg="mod">
+          <ac:chgData name="Tabetha Hopke" userId="5e7e88d54752368c" providerId="LiveId" clId="{6AF47CA9-FC11-4CA1-90AF-68AE9540EB25}" dt="2018-08-08T16:13:48.028" v="4171" actId="20577"/>
+          <ac:spMkLst>
+            <pc:docMk/>
+            <pc:sldMk cId="2677582296" sldId="339"/>
+            <ac:spMk id="2" creationId="{1E7EEB88-2BA4-4A87-8265-3BD73A69D64D}"/>
+          </ac:spMkLst>
+        </pc:spChg>
+        <pc:spChg chg="mod">
+          <ac:chgData name="Tabetha Hopke" userId="5e7e88d54752368c" providerId="LiveId" clId="{6AF47CA9-FC11-4CA1-90AF-68AE9540EB25}" dt="2018-08-08T16:19:00.969" v="4439" actId="20577"/>
+          <ac:spMkLst>
+            <pc:docMk/>
+            <pc:sldMk cId="2677582296" sldId="339"/>
+            <ac:spMk id="3" creationId="{B51252C6-E58B-489D-B9A1-429C302C4DC5}"/>
+          </ac:spMkLst>
+        </pc:spChg>
+        <pc:picChg chg="add mod">
+          <ac:chgData name="Tabetha Hopke" userId="5e7e88d54752368c" providerId="LiveId" clId="{6AF47CA9-FC11-4CA1-90AF-68AE9540EB25}" dt="2018-08-08T16:19:04.590" v="4440" actId="1076"/>
+          <ac:picMkLst>
+            <pc:docMk/>
+            <pc:sldMk cId="2677582296" sldId="339"/>
+            <ac:picMk id="4" creationId="{620B38E7-CCE8-47A8-AB30-CECF111CDFA5}"/>
+          </ac:picMkLst>
+        </pc:picChg>
+      </pc:sldChg>
+      <pc:sldMasterChg chg="modSldLayout">
+        <pc:chgData name="Tabetha Hopke" userId="5e7e88d54752368c" providerId="LiveId" clId="{6AF47CA9-FC11-4CA1-90AF-68AE9540EB25}" dt="2018-07-31T20:15:58.652" v="181" actId="207"/>
+        <pc:sldMasterMkLst>
+          <pc:docMk/>
+          <pc:sldMasterMk cId="2656702968" sldId="2147483663"/>
+        </pc:sldMasterMkLst>
+        <pc:sldLayoutChg chg="modSp">
+          <pc:chgData name="Tabetha Hopke" userId="5e7e88d54752368c" providerId="LiveId" clId="{6AF47CA9-FC11-4CA1-90AF-68AE9540EB25}" dt="2018-07-31T20:15:42.779" v="180" actId="207"/>
+          <pc:sldLayoutMkLst>
+            <pc:docMk/>
+            <pc:sldMasterMk cId="2656702968" sldId="2147483663"/>
+            <pc:sldLayoutMk cId="2737364816" sldId="2147483665"/>
+          </pc:sldLayoutMkLst>
+          <pc:spChg chg="mod">
+            <ac:chgData name="Tabetha Hopke" userId="5e7e88d54752368c" providerId="LiveId" clId="{6AF47CA9-FC11-4CA1-90AF-68AE9540EB25}" dt="2018-07-31T20:15:42.779" v="180" actId="207"/>
+            <ac:spMkLst>
+              <pc:docMk/>
+              <pc:sldMasterMk cId="2656702968" sldId="2147483663"/>
+              <pc:sldLayoutMk cId="2737364816" sldId="2147483665"/>
+              <ac:spMk id="3" creationId="{00000000-0000-0000-0000-000000000000}"/>
+            </ac:spMkLst>
+          </pc:spChg>
+        </pc:sldLayoutChg>
+        <pc:sldLayoutChg chg="modSp">
+          <pc:chgData name="Tabetha Hopke" userId="5e7e88d54752368c" providerId="LiveId" clId="{6AF47CA9-FC11-4CA1-90AF-68AE9540EB25}" dt="2018-07-31T20:15:58.652" v="181" actId="207"/>
+          <pc:sldLayoutMkLst>
+            <pc:docMk/>
+            <pc:sldMasterMk cId="2656702968" sldId="2147483663"/>
+            <pc:sldLayoutMk cId="2418781899" sldId="2147483667"/>
+          </pc:sldLayoutMkLst>
+          <pc:spChg chg="mod">
+            <ac:chgData name="Tabetha Hopke" userId="5e7e88d54752368c" providerId="LiveId" clId="{6AF47CA9-FC11-4CA1-90AF-68AE9540EB25}" dt="2018-07-31T20:15:58.652" v="181" actId="207"/>
+            <ac:spMkLst>
+              <pc:docMk/>
+              <pc:sldMasterMk cId="2656702968" sldId="2147483663"/>
+              <pc:sldLayoutMk cId="2418781899" sldId="2147483667"/>
+              <ac:spMk id="3" creationId="{00000000-0000-0000-0000-000000000000}"/>
             </ac:spMkLst>
           </pc:spChg>
         </pc:sldLayoutChg>
@@ -1386,19 +2276,21 @@
       </p:grpSpPr>
       <p:sp>
         <p:nvSpPr>
-          <p:cNvPr id="2" name="Slide Image Placeholder 1"/>
-          <p:cNvSpPr>
-            <a:spLocks noGrp="1" noRot="1" noChangeAspect="1"/>
+          <p:cNvPr id="29697" name="Slide Image Placeholder 1"/>
+          <p:cNvSpPr>
+            <a:spLocks noGrp="1" noRot="1" noChangeAspect="1" noTextEdit="1"/>
           </p:cNvSpPr>
           <p:nvPr>
             <p:ph type="sldImg"/>
           </p:nvPr>
         </p:nvSpPr>
-        <p:spPr/>
-      </p:sp>
-      <p:sp>
-        <p:nvSpPr>
-          <p:cNvPr id="3" name="Notes Placeholder 2"/>
+        <p:spPr>
+          <a:ln/>
+        </p:spPr>
+      </p:sp>
+      <p:sp>
+        <p:nvSpPr>
+          <p:cNvPr id="29698" name="Notes Placeholder 2"/>
           <p:cNvSpPr>
             <a:spLocks noGrp="1"/>
           </p:cNvSpPr>
@@ -1406,59 +2298,89 @@
             <p:ph type="body" idx="1"/>
           </p:nvPr>
         </p:nvSpPr>
-        <p:spPr/>
-        <p:txBody>
-          <a:bodyPr/>
-          <a:lstStyle/>
-          <a:p>
-            <a:r>
-              <a:rPr lang="en-US" i="1" dirty="0"/>
+        <p:spPr>
+          <a:noFill/>
+          <a:ln/>
+        </p:spPr>
+        <p:txBody>
+          <a:bodyPr/>
+          <a:lstStyle/>
+          <a:p>
+            <a:r>
+              <a:rPr lang="en-US" i="1" dirty="0">
+                <a:latin typeface="Lucida Grande"/>
+                <a:ea typeface="Geneva"/>
+                <a:cs typeface="Geneva"/>
+              </a:rPr>
               <a:t>S</a:t>
             </a:r>
             <a:r>
-              <a:rPr lang="en-US" i="1" baseline="-25000" dirty="0"/>
+              <a:rPr lang="en-US" i="1" baseline="-25000" dirty="0">
+                <a:latin typeface="Lucida Grande"/>
+                <a:ea typeface="Geneva"/>
+                <a:cs typeface="Geneva"/>
+              </a:rPr>
               <a:t>M</a:t>
             </a:r>
             <a:r>
-              <a:rPr lang="en-US" dirty="0"/>
-              <a:t>  = standard deviation of the sample </a:t>
-            </a:r>
-          </a:p>
-        </p:txBody>
-      </p:sp>
-      <p:sp>
-        <p:nvSpPr>
-          <p:cNvPr id="4" name="Slide Number Placeholder 3"/>
-          <p:cNvSpPr>
-            <a:spLocks noGrp="1"/>
-          </p:cNvSpPr>
-          <p:nvPr>
-            <p:ph type="sldNum" sz="quarter" idx="10"/>
-          </p:nvPr>
-        </p:nvSpPr>
-        <p:spPr/>
-        <p:txBody>
-          <a:bodyPr/>
-          <a:lstStyle/>
-          <a:p>
-            <a:pPr>
-              <a:defRPr/>
-            </a:pPr>
-            <a:fld id="{01229EF6-C3AB-4830-BB90-696EFB00E3CF}" type="slidenum">
-              <a:rPr lang="en-US" smtClean="0"/>
-              <a:pPr>
-                <a:defRPr/>
-              </a:pPr>
-              <a:t>20</a:t>
+              <a:rPr lang="en-US" i="1" dirty="0">
+                <a:latin typeface="Lucida Grande"/>
+                <a:ea typeface="Geneva"/>
+                <a:cs typeface="Geneva"/>
+              </a:rPr>
+              <a:t> = SE</a:t>
+            </a:r>
+          </a:p>
+          <a:p>
+            <a:r>
+              <a:rPr lang="en-US" i="1" dirty="0">
+                <a:latin typeface="Lucida Grande"/>
+                <a:ea typeface="Geneva"/>
+                <a:cs typeface="Geneva"/>
+              </a:rPr>
+              <a:t>s = SD</a:t>
+            </a:r>
+          </a:p>
+        </p:txBody>
+      </p:sp>
+      <p:sp>
+        <p:nvSpPr>
+          <p:cNvPr id="29699" name="Slide Number Placeholder 3"/>
+          <p:cNvSpPr>
+            <a:spLocks noGrp="1"/>
+          </p:cNvSpPr>
+          <p:nvPr>
+            <p:ph type="sldNum" sz="quarter" idx="5"/>
+          </p:nvPr>
+        </p:nvSpPr>
+        <p:spPr>
+          <a:noFill/>
+        </p:spPr>
+        <p:txBody>
+          <a:bodyPr/>
+          <a:lstStyle/>
+          <a:p>
+            <a:fld id="{0EE01D74-D3E6-4138-8AB2-61F21389CDB5}" type="slidenum">
+              <a:rPr lang="en-US" smtClean="0">
+                <a:latin typeface="Lucida Grande"/>
+                <a:ea typeface="Geneva"/>
+                <a:cs typeface="Geneva"/>
+              </a:rPr>
+              <a:pPr/>
+              <a:t>18</a:t>
             </a:fld>
-            <a:endParaRPr lang="en-US"/>
+            <a:endParaRPr lang="en-US">
+              <a:latin typeface="Lucida Grande"/>
+              <a:ea typeface="Geneva"/>
+              <a:cs typeface="Geneva"/>
+            </a:endParaRPr>
           </a:p>
         </p:txBody>
       </p:sp>
     </p:spTree>
     <p:extLst>
       <p:ext uri="{BB962C8B-B14F-4D97-AF65-F5344CB8AC3E}">
-        <p14:creationId xmlns:p14="http://schemas.microsoft.com/office/powerpoint/2010/main" val="1025136145"/>
+        <p14:creationId xmlns:p14="http://schemas.microsoft.com/office/powerpoint/2010/main" val="2999648236"/>
       </p:ext>
     </p:extLst>
   </p:cSld>
@@ -1487,6 +2409,487 @@
       </p:grpSpPr>
       <p:sp>
         <p:nvSpPr>
+          <p:cNvPr id="61441" name="Slide Image Placeholder 1"/>
+          <p:cNvSpPr>
+            <a:spLocks noGrp="1" noRot="1" noChangeAspect="1" noTextEdit="1"/>
+          </p:cNvSpPr>
+          <p:nvPr>
+            <p:ph type="sldImg"/>
+          </p:nvPr>
+        </p:nvSpPr>
+        <p:spPr>
+          <a:ln/>
+        </p:spPr>
+      </p:sp>
+      <p:sp>
+        <p:nvSpPr>
+          <p:cNvPr id="61442" name="Notes Placeholder 2"/>
+          <p:cNvSpPr>
+            <a:spLocks noGrp="1"/>
+          </p:cNvSpPr>
+          <p:nvPr>
+            <p:ph type="body" idx="1"/>
+          </p:nvPr>
+        </p:nvSpPr>
+        <p:spPr>
+          <a:noFill/>
+          <a:ln/>
+        </p:spPr>
+        <p:txBody>
+          <a:bodyPr/>
+          <a:lstStyle/>
+          <a:p>
+            <a:endParaRPr lang="en-US">
+              <a:latin typeface="Lucida Grande"/>
+              <a:ea typeface="Geneva"/>
+              <a:cs typeface="Geneva"/>
+            </a:endParaRPr>
+          </a:p>
+        </p:txBody>
+      </p:sp>
+      <p:sp>
+        <p:nvSpPr>
+          <p:cNvPr id="61443" name="Slide Number Placeholder 3"/>
+          <p:cNvSpPr>
+            <a:spLocks noGrp="1"/>
+          </p:cNvSpPr>
+          <p:nvPr>
+            <p:ph type="sldNum" sz="quarter" idx="5"/>
+          </p:nvPr>
+        </p:nvSpPr>
+        <p:spPr>
+          <a:noFill/>
+        </p:spPr>
+        <p:txBody>
+          <a:bodyPr/>
+          <a:lstStyle/>
+          <a:p>
+            <a:fld id="{6ABAED5E-68E3-4E6C-8B7A-0064624C4083}" type="slidenum">
+              <a:rPr lang="en-US" smtClean="0">
+                <a:latin typeface="Lucida Grande"/>
+                <a:ea typeface="Geneva"/>
+                <a:cs typeface="Geneva"/>
+              </a:rPr>
+              <a:pPr/>
+              <a:t>21</a:t>
+            </a:fld>
+            <a:endParaRPr lang="en-US">
+              <a:latin typeface="Lucida Grande"/>
+              <a:ea typeface="Geneva"/>
+              <a:cs typeface="Geneva"/>
+            </a:endParaRPr>
+          </a:p>
+        </p:txBody>
+      </p:sp>
+    </p:spTree>
+    <p:extLst>
+      <p:ext uri="{BB962C8B-B14F-4D97-AF65-F5344CB8AC3E}">
+        <p14:creationId xmlns:p14="http://schemas.microsoft.com/office/powerpoint/2010/main" val="3428495295"/>
+      </p:ext>
+    </p:extLst>
+  </p:cSld>
+  <p:clrMapOvr>
+    <a:masterClrMapping/>
+  </p:clrMapOvr>
+</p:notes>
+</file>
+
+<file path=ppt/notesSlides/notesSlide12.xml><?xml version="1.0" encoding="utf-8"?>
+<p:notes xmlns:a="http://schemas.openxmlformats.org/drawingml/2006/main" xmlns:r="http://schemas.openxmlformats.org/officeDocument/2006/relationships" xmlns:p="http://schemas.openxmlformats.org/presentationml/2006/main">
+  <p:cSld>
+    <p:spTree>
+      <p:nvGrpSpPr>
+        <p:cNvPr id="1" name=""/>
+        <p:cNvGrpSpPr/>
+        <p:nvPr/>
+      </p:nvGrpSpPr>
+      <p:grpSpPr>
+        <a:xfrm>
+          <a:off x="0" y="0"/>
+          <a:ext cx="0" cy="0"/>
+          <a:chOff x="0" y="0"/>
+          <a:chExt cx="0" cy="0"/>
+        </a:xfrm>
+      </p:grpSpPr>
+      <p:sp>
+        <p:nvSpPr>
+          <p:cNvPr id="2" name="Slide Image Placeholder 1"/>
+          <p:cNvSpPr>
+            <a:spLocks noGrp="1" noRot="1" noChangeAspect="1"/>
+          </p:cNvSpPr>
+          <p:nvPr>
+            <p:ph type="sldImg"/>
+          </p:nvPr>
+        </p:nvSpPr>
+        <p:spPr/>
+      </p:sp>
+      <p:sp>
+        <p:nvSpPr>
+          <p:cNvPr id="3" name="Notes Placeholder 2"/>
+          <p:cNvSpPr>
+            <a:spLocks noGrp="1"/>
+          </p:cNvSpPr>
+          <p:nvPr>
+            <p:ph type="body" idx="1"/>
+          </p:nvPr>
+        </p:nvSpPr>
+        <p:spPr/>
+        <p:txBody>
+          <a:bodyPr/>
+          <a:lstStyle/>
+          <a:p>
+            <a:r>
+              <a:rPr lang="en-US" i="1" dirty="0"/>
+              <a:t>S</a:t>
+            </a:r>
+            <a:r>
+              <a:rPr lang="en-US" i="1" baseline="-25000" dirty="0"/>
+              <a:t>M</a:t>
+            </a:r>
+            <a:r>
+              <a:rPr lang="en-US" dirty="0"/>
+              <a:t>  = standard error </a:t>
+            </a:r>
+          </a:p>
+        </p:txBody>
+      </p:sp>
+      <p:sp>
+        <p:nvSpPr>
+          <p:cNvPr id="4" name="Slide Number Placeholder 3"/>
+          <p:cNvSpPr>
+            <a:spLocks noGrp="1"/>
+          </p:cNvSpPr>
+          <p:nvPr>
+            <p:ph type="sldNum" sz="quarter" idx="10"/>
+          </p:nvPr>
+        </p:nvSpPr>
+        <p:spPr/>
+        <p:txBody>
+          <a:bodyPr/>
+          <a:lstStyle/>
+          <a:p>
+            <a:pPr>
+              <a:defRPr/>
+            </a:pPr>
+            <a:fld id="{01229EF6-C3AB-4830-BB90-696EFB00E3CF}" type="slidenum">
+              <a:rPr lang="en-US" smtClean="0"/>
+              <a:pPr>
+                <a:defRPr/>
+              </a:pPr>
+              <a:t>22</a:t>
+            </a:fld>
+            <a:endParaRPr lang="en-US"/>
+          </a:p>
+        </p:txBody>
+      </p:sp>
+    </p:spTree>
+    <p:extLst>
+      <p:ext uri="{BB962C8B-B14F-4D97-AF65-F5344CB8AC3E}">
+        <p14:creationId xmlns:p14="http://schemas.microsoft.com/office/powerpoint/2010/main" val="1025136145"/>
+      </p:ext>
+    </p:extLst>
+  </p:cSld>
+  <p:clrMapOvr>
+    <a:masterClrMapping/>
+  </p:clrMapOvr>
+</p:notes>
+</file>
+
+<file path=ppt/notesSlides/notesSlide13.xml><?xml version="1.0" encoding="utf-8"?>
+<p:notes xmlns:a="http://schemas.openxmlformats.org/drawingml/2006/main" xmlns:r="http://schemas.openxmlformats.org/officeDocument/2006/relationships" xmlns:p="http://schemas.openxmlformats.org/presentationml/2006/main">
+  <p:cSld>
+    <p:spTree>
+      <p:nvGrpSpPr>
+        <p:cNvPr id="1" name=""/>
+        <p:cNvGrpSpPr/>
+        <p:nvPr/>
+      </p:nvGrpSpPr>
+      <p:grpSpPr>
+        <a:xfrm>
+          <a:off x="0" y="0"/>
+          <a:ext cx="0" cy="0"/>
+          <a:chOff x="0" y="0"/>
+          <a:chExt cx="0" cy="0"/>
+        </a:xfrm>
+      </p:grpSpPr>
+      <p:sp>
+        <p:nvSpPr>
+          <p:cNvPr id="2" name="Slide Image Placeholder 1"/>
+          <p:cNvSpPr>
+            <a:spLocks noGrp="1" noRot="1" noChangeAspect="1"/>
+          </p:cNvSpPr>
+          <p:nvPr>
+            <p:ph type="sldImg"/>
+          </p:nvPr>
+        </p:nvSpPr>
+        <p:spPr/>
+      </p:sp>
+      <p:sp>
+        <p:nvSpPr>
+          <p:cNvPr id="3" name="Notes Placeholder 2"/>
+          <p:cNvSpPr>
+            <a:spLocks noGrp="1"/>
+          </p:cNvSpPr>
+          <p:nvPr>
+            <p:ph type="body" idx="1"/>
+          </p:nvPr>
+        </p:nvSpPr>
+        <p:spPr/>
+        <p:txBody>
+          <a:bodyPr/>
+          <a:lstStyle/>
+          <a:p>
+            <a:r>
+              <a:rPr lang="en-US" dirty="0"/>
+              <a:t>**if you don’t change the Test value from zero your results will be wrong! </a:t>
+            </a:r>
+          </a:p>
+        </p:txBody>
+      </p:sp>
+      <p:sp>
+        <p:nvSpPr>
+          <p:cNvPr id="4" name="Slide Number Placeholder 3"/>
+          <p:cNvSpPr>
+            <a:spLocks noGrp="1"/>
+          </p:cNvSpPr>
+          <p:nvPr>
+            <p:ph type="sldNum" sz="quarter" idx="10"/>
+          </p:nvPr>
+        </p:nvSpPr>
+        <p:spPr/>
+        <p:txBody>
+          <a:bodyPr/>
+          <a:lstStyle/>
+          <a:p>
+            <a:pPr>
+              <a:defRPr/>
+            </a:pPr>
+            <a:fld id="{01229EF6-C3AB-4830-BB90-696EFB00E3CF}" type="slidenum">
+              <a:rPr lang="en-US" smtClean="0"/>
+              <a:pPr>
+                <a:defRPr/>
+              </a:pPr>
+              <a:t>23</a:t>
+            </a:fld>
+            <a:endParaRPr lang="en-US"/>
+          </a:p>
+        </p:txBody>
+      </p:sp>
+    </p:spTree>
+    <p:extLst>
+      <p:ext uri="{BB962C8B-B14F-4D97-AF65-F5344CB8AC3E}">
+        <p14:creationId xmlns:p14="http://schemas.microsoft.com/office/powerpoint/2010/main" val="3694353284"/>
+      </p:ext>
+    </p:extLst>
+  </p:cSld>
+  <p:clrMapOvr>
+    <a:masterClrMapping/>
+  </p:clrMapOvr>
+</p:notes>
+</file>
+
+<file path=ppt/notesSlides/notesSlide14.xml><?xml version="1.0" encoding="utf-8"?>
+<p:notes xmlns:a="http://schemas.openxmlformats.org/drawingml/2006/main" xmlns:r="http://schemas.openxmlformats.org/officeDocument/2006/relationships" xmlns:p="http://schemas.openxmlformats.org/presentationml/2006/main">
+  <p:cSld>
+    <p:spTree>
+      <p:nvGrpSpPr>
+        <p:cNvPr id="1" name=""/>
+        <p:cNvGrpSpPr/>
+        <p:nvPr/>
+      </p:nvGrpSpPr>
+      <p:grpSpPr>
+        <a:xfrm>
+          <a:off x="0" y="0"/>
+          <a:ext cx="0" cy="0"/>
+          <a:chOff x="0" y="0"/>
+          <a:chExt cx="0" cy="0"/>
+        </a:xfrm>
+      </p:grpSpPr>
+      <p:sp>
+        <p:nvSpPr>
+          <p:cNvPr id="2" name="Slide Image Placeholder 1"/>
+          <p:cNvSpPr>
+            <a:spLocks noGrp="1" noRot="1" noChangeAspect="1"/>
+          </p:cNvSpPr>
+          <p:nvPr>
+            <p:ph type="sldImg"/>
+          </p:nvPr>
+        </p:nvSpPr>
+        <p:spPr/>
+      </p:sp>
+      <p:sp>
+        <p:nvSpPr>
+          <p:cNvPr id="3" name="Notes Placeholder 2"/>
+          <p:cNvSpPr>
+            <a:spLocks noGrp="1"/>
+          </p:cNvSpPr>
+          <p:nvPr>
+            <p:ph type="body" idx="1"/>
+          </p:nvPr>
+        </p:nvSpPr>
+        <p:spPr/>
+        <p:txBody>
+          <a:bodyPr/>
+          <a:lstStyle/>
+          <a:p>
+            <a:endParaRPr lang="en-US" dirty="0"/>
+          </a:p>
+        </p:txBody>
+      </p:sp>
+      <p:sp>
+        <p:nvSpPr>
+          <p:cNvPr id="4" name="Slide Number Placeholder 3"/>
+          <p:cNvSpPr>
+            <a:spLocks noGrp="1"/>
+          </p:cNvSpPr>
+          <p:nvPr>
+            <p:ph type="sldNum" sz="quarter" idx="10"/>
+          </p:nvPr>
+        </p:nvSpPr>
+        <p:spPr/>
+        <p:txBody>
+          <a:bodyPr/>
+          <a:lstStyle/>
+          <a:p>
+            <a:pPr>
+              <a:defRPr/>
+            </a:pPr>
+            <a:fld id="{01229EF6-C3AB-4830-BB90-696EFB00E3CF}" type="slidenum">
+              <a:rPr lang="en-US" smtClean="0"/>
+              <a:pPr>
+                <a:defRPr/>
+              </a:pPr>
+              <a:t>24</a:t>
+            </a:fld>
+            <a:endParaRPr lang="en-US"/>
+          </a:p>
+        </p:txBody>
+      </p:sp>
+    </p:spTree>
+    <p:extLst>
+      <p:ext uri="{BB962C8B-B14F-4D97-AF65-F5344CB8AC3E}">
+        <p14:creationId xmlns:p14="http://schemas.microsoft.com/office/powerpoint/2010/main" val="4196774197"/>
+      </p:ext>
+    </p:extLst>
+  </p:cSld>
+  <p:clrMapOvr>
+    <a:masterClrMapping/>
+  </p:clrMapOvr>
+</p:notes>
+</file>
+
+<file path=ppt/notesSlides/notesSlide15.xml><?xml version="1.0" encoding="utf-8"?>
+<p:notes xmlns:a="http://schemas.openxmlformats.org/drawingml/2006/main" xmlns:r="http://schemas.openxmlformats.org/officeDocument/2006/relationships" xmlns:p="http://schemas.openxmlformats.org/presentationml/2006/main">
+  <p:cSld>
+    <p:spTree>
+      <p:nvGrpSpPr>
+        <p:cNvPr id="1" name=""/>
+        <p:cNvGrpSpPr/>
+        <p:nvPr/>
+      </p:nvGrpSpPr>
+      <p:grpSpPr>
+        <a:xfrm>
+          <a:off x="0" y="0"/>
+          <a:ext cx="0" cy="0"/>
+          <a:chOff x="0" y="0"/>
+          <a:chExt cx="0" cy="0"/>
+        </a:xfrm>
+      </p:grpSpPr>
+      <p:sp>
+        <p:nvSpPr>
+          <p:cNvPr id="2" name="Slide Image Placeholder 1"/>
+          <p:cNvSpPr>
+            <a:spLocks noGrp="1" noRot="1" noChangeAspect="1"/>
+          </p:cNvSpPr>
+          <p:nvPr>
+            <p:ph type="sldImg"/>
+          </p:nvPr>
+        </p:nvSpPr>
+        <p:spPr/>
+      </p:sp>
+      <p:sp>
+        <p:nvSpPr>
+          <p:cNvPr id="3" name="Notes Placeholder 2"/>
+          <p:cNvSpPr>
+            <a:spLocks noGrp="1"/>
+          </p:cNvSpPr>
+          <p:nvPr>
+            <p:ph type="body" idx="1"/>
+          </p:nvPr>
+        </p:nvSpPr>
+        <p:spPr/>
+        <p:txBody>
+          <a:bodyPr/>
+          <a:lstStyle/>
+          <a:p>
+            <a:r>
+              <a:rPr lang="en-US" dirty="0"/>
+              <a:t>**</a:t>
+            </a:r>
+          </a:p>
+        </p:txBody>
+      </p:sp>
+      <p:sp>
+        <p:nvSpPr>
+          <p:cNvPr id="4" name="Slide Number Placeholder 3"/>
+          <p:cNvSpPr>
+            <a:spLocks noGrp="1"/>
+          </p:cNvSpPr>
+          <p:nvPr>
+            <p:ph type="sldNum" sz="quarter" idx="10"/>
+          </p:nvPr>
+        </p:nvSpPr>
+        <p:spPr/>
+        <p:txBody>
+          <a:bodyPr/>
+          <a:lstStyle/>
+          <a:p>
+            <a:pPr>
+              <a:defRPr/>
+            </a:pPr>
+            <a:fld id="{01229EF6-C3AB-4830-BB90-696EFB00E3CF}" type="slidenum">
+              <a:rPr lang="en-US" smtClean="0"/>
+              <a:pPr>
+                <a:defRPr/>
+              </a:pPr>
+              <a:t>25</a:t>
+            </a:fld>
+            <a:endParaRPr lang="en-US"/>
+          </a:p>
+        </p:txBody>
+      </p:sp>
+    </p:spTree>
+    <p:extLst>
+      <p:ext uri="{BB962C8B-B14F-4D97-AF65-F5344CB8AC3E}">
+        <p14:creationId xmlns:p14="http://schemas.microsoft.com/office/powerpoint/2010/main" val="373606783"/>
+      </p:ext>
+    </p:extLst>
+  </p:cSld>
+  <p:clrMapOvr>
+    <a:masterClrMapping/>
+  </p:clrMapOvr>
+</p:notes>
+</file>
+
+<file path=ppt/notesSlides/notesSlide16.xml><?xml version="1.0" encoding="utf-8"?>
+<p:notes xmlns:a="http://schemas.openxmlformats.org/drawingml/2006/main" xmlns:r="http://schemas.openxmlformats.org/officeDocument/2006/relationships" xmlns:p="http://schemas.openxmlformats.org/presentationml/2006/main">
+  <p:cSld>
+    <p:spTree>
+      <p:nvGrpSpPr>
+        <p:cNvPr id="1" name=""/>
+        <p:cNvGrpSpPr/>
+        <p:nvPr/>
+      </p:nvGrpSpPr>
+      <p:grpSpPr>
+        <a:xfrm>
+          <a:off x="0" y="0"/>
+          <a:ext cx="0" cy="0"/>
+          <a:chOff x="0" y="0"/>
+          <a:chExt cx="0" cy="0"/>
+        </a:xfrm>
+      </p:grpSpPr>
+      <p:sp>
+        <p:nvSpPr>
           <p:cNvPr id="81921" name="Slide Image Placeholder 1"/>
           <p:cNvSpPr>
             <a:spLocks noGrp="1" noRot="1" noChangeAspect="1" noTextEdit="1"/>
@@ -1549,7 +2952,7 @@
                 <a:cs typeface="Geneva"/>
               </a:rPr>
               <a:pPr/>
-              <a:t>24</a:t>
+              <a:t>27</a:t>
             </a:fld>
             <a:endParaRPr lang="en-US">
               <a:latin typeface="Lucida Grande"/>
@@ -1563,6 +2966,192 @@
     <p:extLst>
       <p:ext uri="{BB962C8B-B14F-4D97-AF65-F5344CB8AC3E}">
         <p14:creationId xmlns:p14="http://schemas.microsoft.com/office/powerpoint/2010/main" val="944507781"/>
+      </p:ext>
+    </p:extLst>
+  </p:cSld>
+  <p:clrMapOvr>
+    <a:masterClrMapping/>
+  </p:clrMapOvr>
+</p:notes>
+</file>
+
+<file path=ppt/notesSlides/notesSlide17.xml><?xml version="1.0" encoding="utf-8"?>
+<p:notes xmlns:a="http://schemas.openxmlformats.org/drawingml/2006/main" xmlns:r="http://schemas.openxmlformats.org/officeDocument/2006/relationships" xmlns:p="http://schemas.openxmlformats.org/presentationml/2006/main">
+  <p:cSld>
+    <p:spTree>
+      <p:nvGrpSpPr>
+        <p:cNvPr id="1" name=""/>
+        <p:cNvGrpSpPr/>
+        <p:nvPr/>
+      </p:nvGrpSpPr>
+      <p:grpSpPr>
+        <a:xfrm>
+          <a:off x="0" y="0"/>
+          <a:ext cx="0" cy="0"/>
+          <a:chOff x="0" y="0"/>
+          <a:chExt cx="0" cy="0"/>
+        </a:xfrm>
+      </p:grpSpPr>
+      <p:sp>
+        <p:nvSpPr>
+          <p:cNvPr id="2" name="Slide Image Placeholder 1"/>
+          <p:cNvSpPr>
+            <a:spLocks noGrp="1" noRot="1" noChangeAspect="1"/>
+          </p:cNvSpPr>
+          <p:nvPr>
+            <p:ph type="sldImg"/>
+          </p:nvPr>
+        </p:nvSpPr>
+        <p:spPr/>
+      </p:sp>
+      <p:sp>
+        <p:nvSpPr>
+          <p:cNvPr id="3" name="Notes Placeholder 2"/>
+          <p:cNvSpPr>
+            <a:spLocks noGrp="1"/>
+          </p:cNvSpPr>
+          <p:nvPr>
+            <p:ph type="body" idx="1"/>
+          </p:nvPr>
+        </p:nvSpPr>
+        <p:spPr/>
+        <p:txBody>
+          <a:bodyPr/>
+          <a:lstStyle/>
+          <a:p>
+            <a:r>
+              <a:rPr lang="en-US" dirty="0"/>
+              <a:t>??? Mean or mean difference</a:t>
+            </a:r>
+          </a:p>
+        </p:txBody>
+      </p:sp>
+      <p:sp>
+        <p:nvSpPr>
+          <p:cNvPr id="4" name="Slide Number Placeholder 3"/>
+          <p:cNvSpPr>
+            <a:spLocks noGrp="1"/>
+          </p:cNvSpPr>
+          <p:nvPr>
+            <p:ph type="sldNum" sz="quarter" idx="10"/>
+          </p:nvPr>
+        </p:nvSpPr>
+        <p:spPr/>
+        <p:txBody>
+          <a:bodyPr/>
+          <a:lstStyle/>
+          <a:p>
+            <a:pPr>
+              <a:defRPr/>
+            </a:pPr>
+            <a:fld id="{01229EF6-C3AB-4830-BB90-696EFB00E3CF}" type="slidenum">
+              <a:rPr lang="en-US" smtClean="0"/>
+              <a:pPr>
+                <a:defRPr/>
+              </a:pPr>
+              <a:t>29</a:t>
+            </a:fld>
+            <a:endParaRPr lang="en-US"/>
+          </a:p>
+        </p:txBody>
+      </p:sp>
+    </p:spTree>
+    <p:extLst>
+      <p:ext uri="{BB962C8B-B14F-4D97-AF65-F5344CB8AC3E}">
+        <p14:creationId xmlns:p14="http://schemas.microsoft.com/office/powerpoint/2010/main" val="1373957154"/>
+      </p:ext>
+    </p:extLst>
+  </p:cSld>
+  <p:clrMapOvr>
+    <a:masterClrMapping/>
+  </p:clrMapOvr>
+</p:notes>
+</file>
+
+<file path=ppt/notesSlides/notesSlide18.xml><?xml version="1.0" encoding="utf-8"?>
+<p:notes xmlns:a="http://schemas.openxmlformats.org/drawingml/2006/main" xmlns:r="http://schemas.openxmlformats.org/officeDocument/2006/relationships" xmlns:p="http://schemas.openxmlformats.org/presentationml/2006/main">
+  <p:cSld>
+    <p:spTree>
+      <p:nvGrpSpPr>
+        <p:cNvPr id="1" name=""/>
+        <p:cNvGrpSpPr/>
+        <p:nvPr/>
+      </p:nvGrpSpPr>
+      <p:grpSpPr>
+        <a:xfrm>
+          <a:off x="0" y="0"/>
+          <a:ext cx="0" cy="0"/>
+          <a:chOff x="0" y="0"/>
+          <a:chExt cx="0" cy="0"/>
+        </a:xfrm>
+      </p:grpSpPr>
+      <p:sp>
+        <p:nvSpPr>
+          <p:cNvPr id="2" name="Slide Image Placeholder 1"/>
+          <p:cNvSpPr>
+            <a:spLocks noGrp="1" noRot="1" noChangeAspect="1"/>
+          </p:cNvSpPr>
+          <p:nvPr>
+            <p:ph type="sldImg"/>
+          </p:nvPr>
+        </p:nvSpPr>
+        <p:spPr/>
+      </p:sp>
+      <p:sp>
+        <p:nvSpPr>
+          <p:cNvPr id="3" name="Notes Placeholder 2"/>
+          <p:cNvSpPr>
+            <a:spLocks noGrp="1"/>
+          </p:cNvSpPr>
+          <p:nvPr>
+            <p:ph type="body" idx="1"/>
+          </p:nvPr>
+        </p:nvSpPr>
+        <p:spPr/>
+        <p:txBody>
+          <a:bodyPr/>
+          <a:lstStyle/>
+          <a:p>
+            <a:r>
+              <a:rPr lang="en-US" dirty="0"/>
+              <a:t>??? Mean or mean difference?</a:t>
+            </a:r>
+          </a:p>
+        </p:txBody>
+      </p:sp>
+      <p:sp>
+        <p:nvSpPr>
+          <p:cNvPr id="4" name="Slide Number Placeholder 3"/>
+          <p:cNvSpPr>
+            <a:spLocks noGrp="1"/>
+          </p:cNvSpPr>
+          <p:nvPr>
+            <p:ph type="sldNum" sz="quarter" idx="10"/>
+          </p:nvPr>
+        </p:nvSpPr>
+        <p:spPr/>
+        <p:txBody>
+          <a:bodyPr/>
+          <a:lstStyle/>
+          <a:p>
+            <a:pPr>
+              <a:defRPr/>
+            </a:pPr>
+            <a:fld id="{01229EF6-C3AB-4830-BB90-696EFB00E3CF}" type="slidenum">
+              <a:rPr lang="en-US" smtClean="0"/>
+              <a:pPr>
+                <a:defRPr/>
+              </a:pPr>
+              <a:t>31</a:t>
+            </a:fld>
+            <a:endParaRPr lang="en-US"/>
+          </a:p>
+        </p:txBody>
+      </p:sp>
+    </p:spTree>
+    <p:extLst>
+      <p:ext uri="{BB962C8B-B14F-4D97-AF65-F5344CB8AC3E}">
+        <p14:creationId xmlns:p14="http://schemas.microsoft.com/office/powerpoint/2010/main" val="2359368121"/>
       </p:ext>
     </p:extLst>
   </p:cSld>
@@ -2137,10 +3726,7 @@
           <a:bodyPr/>
           <a:lstStyle/>
           <a:p>
-            <a:r>
-              <a:rPr lang="en-US" dirty="0"/>
-              <a:t>N-1 is how we account for getting at least one person wrong </a:t>
-            </a:r>
+            <a:endParaRPr lang="en-US" dirty="0"/>
           </a:p>
         </p:txBody>
       </p:sp>
@@ -2167,7 +3753,7 @@
               <a:pPr>
                 <a:defRPr/>
               </a:pPr>
-              <a:t>14</a:t>
+              <a:t>10</a:t>
             </a:fld>
             <a:endParaRPr lang="en-US"/>
           </a:p>
@@ -2176,7 +3762,7 @@
     </p:spTree>
     <p:extLst>
       <p:ext uri="{BB962C8B-B14F-4D97-AF65-F5344CB8AC3E}">
-        <p14:creationId xmlns:p14="http://schemas.microsoft.com/office/powerpoint/2010/main" val="2022430112"/>
+        <p14:creationId xmlns:p14="http://schemas.microsoft.com/office/powerpoint/2010/main" val="3868305819"/>
       </p:ext>
     </p:extLst>
   </p:cSld>
@@ -2205,21 +3791,19 @@
       </p:grpSpPr>
       <p:sp>
         <p:nvSpPr>
-          <p:cNvPr id="29697" name="Slide Image Placeholder 1"/>
-          <p:cNvSpPr>
-            <a:spLocks noGrp="1" noRot="1" noChangeAspect="1" noTextEdit="1"/>
+          <p:cNvPr id="2" name="Slide Image Placeholder 1"/>
+          <p:cNvSpPr>
+            <a:spLocks noGrp="1" noRot="1" noChangeAspect="1"/>
           </p:cNvSpPr>
           <p:nvPr>
             <p:ph type="sldImg"/>
           </p:nvPr>
         </p:nvSpPr>
-        <p:spPr>
-          <a:ln/>
-        </p:spPr>
-      </p:sp>
-      <p:sp>
-        <p:nvSpPr>
-          <p:cNvPr id="29698" name="Notes Placeholder 2"/>
+        <p:spPr/>
+      </p:sp>
+      <p:sp>
+        <p:nvSpPr>
+          <p:cNvPr id="3" name="Notes Placeholder 2"/>
           <p:cNvSpPr>
             <a:spLocks noGrp="1"/>
           </p:cNvSpPr>
@@ -2227,60 +3811,51 @@
             <p:ph type="body" idx="1"/>
           </p:nvPr>
         </p:nvSpPr>
-        <p:spPr>
-          <a:noFill/>
-          <a:ln/>
-        </p:spPr>
-        <p:txBody>
-          <a:bodyPr/>
-          <a:lstStyle/>
-          <a:p>
-            <a:endParaRPr lang="en-US">
-              <a:latin typeface="Lucida Grande"/>
-              <a:ea typeface="Geneva"/>
-              <a:cs typeface="Geneva"/>
-            </a:endParaRPr>
-          </a:p>
-        </p:txBody>
-      </p:sp>
-      <p:sp>
-        <p:nvSpPr>
-          <p:cNvPr id="29699" name="Slide Number Placeholder 3"/>
-          <p:cNvSpPr>
-            <a:spLocks noGrp="1"/>
-          </p:cNvSpPr>
-          <p:nvPr>
-            <p:ph type="sldNum" sz="quarter" idx="5"/>
-          </p:nvPr>
-        </p:nvSpPr>
-        <p:spPr>
-          <a:noFill/>
-        </p:spPr>
-        <p:txBody>
-          <a:bodyPr/>
-          <a:lstStyle/>
-          <a:p>
-            <a:fld id="{0EE01D74-D3E6-4138-8AB2-61F21389CDB5}" type="slidenum">
-              <a:rPr lang="en-US" smtClean="0">
-                <a:latin typeface="Lucida Grande"/>
-                <a:ea typeface="Geneva"/>
-                <a:cs typeface="Geneva"/>
-              </a:rPr>
-              <a:pPr/>
-              <a:t>16</a:t>
+        <p:spPr/>
+        <p:txBody>
+          <a:bodyPr/>
+          <a:lstStyle/>
+          <a:p>
+            <a:r>
+              <a:rPr lang="en-US" dirty="0"/>
+              <a:t>If there were outliers, they would be outside of the top or bottom lines and labeled </a:t>
+            </a:r>
+          </a:p>
+        </p:txBody>
+      </p:sp>
+      <p:sp>
+        <p:nvSpPr>
+          <p:cNvPr id="4" name="Slide Number Placeholder 3"/>
+          <p:cNvSpPr>
+            <a:spLocks noGrp="1"/>
+          </p:cNvSpPr>
+          <p:nvPr>
+            <p:ph type="sldNum" sz="quarter" idx="10"/>
+          </p:nvPr>
+        </p:nvSpPr>
+        <p:spPr/>
+        <p:txBody>
+          <a:bodyPr/>
+          <a:lstStyle/>
+          <a:p>
+            <a:pPr>
+              <a:defRPr/>
+            </a:pPr>
+            <a:fld id="{01229EF6-C3AB-4830-BB90-696EFB00E3CF}" type="slidenum">
+              <a:rPr lang="en-US" smtClean="0"/>
+              <a:pPr>
+                <a:defRPr/>
+              </a:pPr>
+              <a:t>13</a:t>
             </a:fld>
-            <a:endParaRPr lang="en-US">
-              <a:latin typeface="Lucida Grande"/>
-              <a:ea typeface="Geneva"/>
-              <a:cs typeface="Geneva"/>
-            </a:endParaRPr>
+            <a:endParaRPr lang="en-US"/>
           </a:p>
         </p:txBody>
       </p:sp>
     </p:spTree>
     <p:extLst>
       <p:ext uri="{BB962C8B-B14F-4D97-AF65-F5344CB8AC3E}">
-        <p14:creationId xmlns:p14="http://schemas.microsoft.com/office/powerpoint/2010/main" val="2999648236"/>
+        <p14:creationId xmlns:p14="http://schemas.microsoft.com/office/powerpoint/2010/main" val="1164117136"/>
       </p:ext>
     </p:extLst>
   </p:cSld>
@@ -2309,21 +3884,19 @@
       </p:grpSpPr>
       <p:sp>
         <p:nvSpPr>
-          <p:cNvPr id="61441" name="Slide Image Placeholder 1"/>
-          <p:cNvSpPr>
-            <a:spLocks noGrp="1" noRot="1" noChangeAspect="1" noTextEdit="1"/>
+          <p:cNvPr id="2" name="Slide Image Placeholder 1"/>
+          <p:cNvSpPr>
+            <a:spLocks noGrp="1" noRot="1" noChangeAspect="1"/>
           </p:cNvSpPr>
           <p:nvPr>
             <p:ph type="sldImg"/>
           </p:nvPr>
         </p:nvSpPr>
-        <p:spPr>
-          <a:ln/>
-        </p:spPr>
-      </p:sp>
-      <p:sp>
-        <p:nvSpPr>
-          <p:cNvPr id="61442" name="Notes Placeholder 2"/>
+        <p:spPr/>
+      </p:sp>
+      <p:sp>
+        <p:nvSpPr>
+          <p:cNvPr id="3" name="Notes Placeholder 2"/>
           <p:cNvSpPr>
             <a:spLocks noGrp="1"/>
           </p:cNvSpPr>
@@ -2331,60 +3904,63 @@
             <p:ph type="body" idx="1"/>
           </p:nvPr>
         </p:nvSpPr>
-        <p:spPr>
-          <a:noFill/>
-          <a:ln/>
-        </p:spPr>
-        <p:txBody>
-          <a:bodyPr/>
-          <a:lstStyle/>
-          <a:p>
-            <a:endParaRPr lang="en-US">
-              <a:latin typeface="Lucida Grande"/>
-              <a:ea typeface="Geneva"/>
-              <a:cs typeface="Geneva"/>
-            </a:endParaRPr>
-          </a:p>
-        </p:txBody>
-      </p:sp>
-      <p:sp>
-        <p:nvSpPr>
-          <p:cNvPr id="61443" name="Slide Number Placeholder 3"/>
-          <p:cNvSpPr>
-            <a:spLocks noGrp="1"/>
-          </p:cNvSpPr>
-          <p:nvPr>
-            <p:ph type="sldNum" sz="quarter" idx="5"/>
-          </p:nvPr>
-        </p:nvSpPr>
-        <p:spPr>
-          <a:noFill/>
-        </p:spPr>
-        <p:txBody>
-          <a:bodyPr/>
-          <a:lstStyle/>
-          <a:p>
-            <a:fld id="{6ABAED5E-68E3-4E6C-8B7A-0064624C4083}" type="slidenum">
-              <a:rPr lang="en-US" smtClean="0">
-                <a:latin typeface="Lucida Grande"/>
-                <a:ea typeface="Geneva"/>
-                <a:cs typeface="Geneva"/>
-              </a:rPr>
-              <a:pPr/>
-              <a:t>19</a:t>
+        <p:spPr/>
+        <p:txBody>
+          <a:bodyPr/>
+          <a:lstStyle/>
+          <a:p>
+            <a:r>
+              <a:rPr lang="en-US" dirty="0"/>
+              <a:t>N-1 is how we account for getting at least one person wrong </a:t>
+            </a:r>
+          </a:p>
+          <a:p>
+            <a:r>
+              <a:rPr lang="en-US" dirty="0"/>
+              <a:t>SD = standard deviation </a:t>
+            </a:r>
+          </a:p>
+          <a:p>
+            <a:r>
+              <a:rPr lang="en-US" dirty="0"/>
+              <a:t>s = standard deviation </a:t>
+            </a:r>
+          </a:p>
+        </p:txBody>
+      </p:sp>
+      <p:sp>
+        <p:nvSpPr>
+          <p:cNvPr id="4" name="Slide Number Placeholder 3"/>
+          <p:cNvSpPr>
+            <a:spLocks noGrp="1"/>
+          </p:cNvSpPr>
+          <p:nvPr>
+            <p:ph type="sldNum" sz="quarter" idx="10"/>
+          </p:nvPr>
+        </p:nvSpPr>
+        <p:spPr/>
+        <p:txBody>
+          <a:bodyPr/>
+          <a:lstStyle/>
+          <a:p>
+            <a:pPr>
+              <a:defRPr/>
+            </a:pPr>
+            <a:fld id="{01229EF6-C3AB-4830-BB90-696EFB00E3CF}" type="slidenum">
+              <a:rPr lang="en-US" smtClean="0"/>
+              <a:pPr>
+                <a:defRPr/>
+              </a:pPr>
+              <a:t>17</a:t>
             </a:fld>
-            <a:endParaRPr lang="en-US">
-              <a:latin typeface="Lucida Grande"/>
-              <a:ea typeface="Geneva"/>
-              <a:cs typeface="Geneva"/>
-            </a:endParaRPr>
+            <a:endParaRPr lang="en-US"/>
           </a:p>
         </p:txBody>
       </p:sp>
     </p:spTree>
     <p:extLst>
       <p:ext uri="{BB962C8B-B14F-4D97-AF65-F5344CB8AC3E}">
-        <p14:creationId xmlns:p14="http://schemas.microsoft.com/office/powerpoint/2010/main" val="3428495295"/>
+        <p14:creationId xmlns:p14="http://schemas.microsoft.com/office/powerpoint/2010/main" val="2022430112"/>
       </p:ext>
     </p:extLst>
   </p:cSld>
@@ -2595,10 +4171,9 @@
           </a:lstStyle>
           <a:p>
             <a:r>
-              <a:rPr lang="en-US"/>
+              <a:rPr lang="en-US" dirty="0"/>
               <a:t>Click to edit Master subtitle style</a:t>
             </a:r>
-            <a:endParaRPr lang="en-US" dirty="0"/>
           </a:p>
         </p:txBody>
       </p:sp>
@@ -3201,10 +4776,9 @@
           <a:lstStyle/>
           <a:p>
             <a:r>
-              <a:rPr lang="en-US"/>
+              <a:rPr lang="en-US" dirty="0"/>
               <a:t>Click to edit Master title style</a:t>
             </a:r>
-            <a:endParaRPr lang="en-US" dirty="0"/>
           </a:p>
         </p:txBody>
       </p:sp>
@@ -3221,42 +4795,92 @@
         <p:spPr/>
         <p:txBody>
           <a:bodyPr/>
-          <a:lstStyle/>
+          <a:lstStyle>
+            <a:lvl1pPr>
+              <a:defRPr>
+                <a:solidFill>
+                  <a:schemeClr val="tx1">
+                    <a:lumMod val="75000"/>
+                    <a:lumOff val="25000"/>
+                  </a:schemeClr>
+                </a:solidFill>
+              </a:defRPr>
+            </a:lvl1pPr>
+            <a:lvl2pPr>
+              <a:defRPr>
+                <a:solidFill>
+                  <a:schemeClr val="tx1">
+                    <a:lumMod val="75000"/>
+                    <a:lumOff val="25000"/>
+                  </a:schemeClr>
+                </a:solidFill>
+              </a:defRPr>
+            </a:lvl2pPr>
+            <a:lvl3pPr>
+              <a:defRPr>
+                <a:solidFill>
+                  <a:schemeClr val="tx1">
+                    <a:lumMod val="75000"/>
+                    <a:lumOff val="25000"/>
+                  </a:schemeClr>
+                </a:solidFill>
+              </a:defRPr>
+            </a:lvl3pPr>
+            <a:lvl4pPr>
+              <a:defRPr>
+                <a:solidFill>
+                  <a:schemeClr val="tx1">
+                    <a:lumMod val="75000"/>
+                    <a:lumOff val="25000"/>
+                  </a:schemeClr>
+                </a:solidFill>
+              </a:defRPr>
+            </a:lvl4pPr>
+            <a:lvl5pPr>
+              <a:defRPr>
+                <a:solidFill>
+                  <a:schemeClr val="tx1">
+                    <a:lumMod val="75000"/>
+                    <a:lumOff val="25000"/>
+                  </a:schemeClr>
+                </a:solidFill>
+              </a:defRPr>
+            </a:lvl5pPr>
+          </a:lstStyle>
           <a:p>
             <a:pPr lvl="0"/>
             <a:r>
-              <a:rPr lang="en-US"/>
+              <a:rPr lang="en-US" dirty="0"/>
               <a:t>Edit Master text styles</a:t>
             </a:r>
           </a:p>
           <a:p>
             <a:pPr lvl="1"/>
             <a:r>
-              <a:rPr lang="en-US"/>
+              <a:rPr lang="en-US" dirty="0"/>
               <a:t>Second level</a:t>
             </a:r>
           </a:p>
           <a:p>
             <a:pPr lvl="2"/>
             <a:r>
-              <a:rPr lang="en-US"/>
+              <a:rPr lang="en-US" dirty="0"/>
               <a:t>Third level</a:t>
             </a:r>
           </a:p>
           <a:p>
             <a:pPr lvl="3"/>
             <a:r>
-              <a:rPr lang="en-US"/>
+              <a:rPr lang="en-US" dirty="0"/>
               <a:t>Fourth level</a:t>
             </a:r>
           </a:p>
           <a:p>
             <a:pPr lvl="4"/>
             <a:r>
-              <a:rPr lang="en-US"/>
+              <a:rPr lang="en-US" dirty="0"/>
               <a:t>Fifth level</a:t>
             </a:r>
-            <a:endParaRPr lang="en-US" dirty="0"/>
           </a:p>
         </p:txBody>
       </p:sp>
@@ -3796,7 +5420,58 @@
         </p:spPr>
         <p:txBody>
           <a:bodyPr/>
-          <a:lstStyle/>
+          <a:lstStyle>
+            <a:lvl1pPr>
+              <a:defRPr>
+                <a:solidFill>
+                  <a:schemeClr val="tx1">
+                    <a:lumMod val="75000"/>
+                    <a:lumOff val="25000"/>
+                  </a:schemeClr>
+                </a:solidFill>
+              </a:defRPr>
+            </a:lvl1pPr>
+            <a:lvl2pPr>
+              <a:defRPr>
+                <a:solidFill>
+                  <a:schemeClr val="tx1">
+                    <a:lumMod val="75000"/>
+                    <a:lumOff val="25000"/>
+                  </a:schemeClr>
+                </a:solidFill>
+              </a:defRPr>
+            </a:lvl2pPr>
+            <a:lvl3pPr>
+              <a:defRPr>
+                <a:solidFill>
+                  <a:schemeClr val="tx1">
+                    <a:lumMod val="75000"/>
+                    <a:lumOff val="25000"/>
+                  </a:schemeClr>
+                </a:solidFill>
+              </a:defRPr>
+            </a:lvl3pPr>
+            <a:lvl4pPr>
+              <a:defRPr>
+                <a:solidFill>
+                  <a:schemeClr val="tx1">
+                    <a:lumMod val="75000"/>
+                    <a:lumOff val="25000"/>
+                  </a:schemeClr>
+                </a:solidFill>
+              </a:defRPr>
+            </a:lvl4pPr>
+            <a:lvl5pPr>
+              <a:defRPr>
+                <a:solidFill>
+                  <a:schemeClr val="tx1">
+                    <a:lumMod val="75000"/>
+                    <a:lumOff val="25000"/>
+                  </a:schemeClr>
+                </a:solidFill>
+              </a:defRPr>
+            </a:lvl5pPr>
+          </a:lstStyle>
           <a:p>
             <a:pPr lvl="0"/>
             <a:r>
@@ -6337,9 +8012,83 @@
               <a:rPr lang="en-US" dirty="0">
                 <a:sym typeface="Wingdings"/>
               </a:rPr>
-              <a:t>Normal  N &gt; 30?</a:t>
-            </a:r>
-            <a:endParaRPr lang="en-US" dirty="0"/>
+              <a:t>Outliers? </a:t>
+            </a:r>
+          </a:p>
+          <a:p>
+            <a:pPr lvl="2"/>
+            <a:r>
+              <a:rPr lang="en-US" dirty="0">
+                <a:sym typeface="Wingdings"/>
+              </a:rPr>
+              <a:t>We will check for this using </a:t>
+            </a:r>
+            <a:r>
+              <a:rPr lang="en-US" dirty="0" err="1">
+                <a:sym typeface="Wingdings"/>
+              </a:rPr>
+              <a:t>JASP</a:t>
+            </a:r>
+            <a:r>
+              <a:rPr lang="en-US" dirty="0">
+                <a:sym typeface="Wingdings"/>
+              </a:rPr>
+              <a:t> before running the test</a:t>
+            </a:r>
+          </a:p>
+          <a:p>
+            <a:pPr lvl="1"/>
+            <a:r>
+              <a:rPr lang="en-US" dirty="0">
+                <a:sym typeface="Wingdings"/>
+              </a:rPr>
+              <a:t>Normal? (okay if it’s not normal since we’re using a robust test as long as </a:t>
+            </a:r>
+            <a:r>
+              <a:rPr lang="en-US" i="1" dirty="0">
+                <a:sym typeface="Wingdings"/>
+              </a:rPr>
+              <a:t>N</a:t>
+            </a:r>
+            <a:r>
+              <a:rPr lang="en-US" dirty="0">
+                <a:sym typeface="Wingdings"/>
+              </a:rPr>
+              <a:t> &gt; 30)</a:t>
+            </a:r>
+          </a:p>
+          <a:p>
+            <a:pPr lvl="2"/>
+            <a:r>
+              <a:rPr lang="en-US" dirty="0">
+                <a:sym typeface="Wingdings"/>
+              </a:rPr>
+              <a:t>We will check for this using </a:t>
+            </a:r>
+            <a:r>
+              <a:rPr lang="en-US" dirty="0" err="1">
+                <a:sym typeface="Wingdings"/>
+              </a:rPr>
+              <a:t>JASP</a:t>
+            </a:r>
+            <a:r>
+              <a:rPr lang="en-US" dirty="0">
+                <a:sym typeface="Wingdings"/>
+              </a:rPr>
+              <a:t> which running the </a:t>
+            </a:r>
+            <a:r>
+              <a:rPr lang="en-US" i="1" dirty="0">
+                <a:sym typeface="Wingdings"/>
+              </a:rPr>
+              <a:t>t</a:t>
+            </a:r>
+            <a:r>
+              <a:rPr lang="en-US" dirty="0">
+                <a:sym typeface="Wingdings"/>
+              </a:rPr>
+              <a:t> test</a:t>
+            </a:r>
           </a:p>
         </p:txBody>
       </p:sp>
@@ -6375,7 +8124,13 @@
       </p:grpSpPr>
       <p:sp>
         <p:nvSpPr>
-          <p:cNvPr id="2" name="Title 1"/>
+          <p:cNvPr id="2" name="Title 1">
+            <a:extLst>
+              <a:ext uri="{FF2B5EF4-FFF2-40B4-BE49-F238E27FC236}">
+                <a16:creationId xmlns:a16="http://schemas.microsoft.com/office/drawing/2014/main" id="{4FFF6797-D177-46AC-9D43-FF3CAFB7D66D}"/>
+              </a:ext>
+            </a:extLst>
+          </p:cNvPr>
           <p:cNvSpPr>
             <a:spLocks noGrp="1"/>
           </p:cNvSpPr>
@@ -6390,14 +8145,28 @@
           <a:p>
             <a:r>
               <a:rPr lang="en-US" dirty="0"/>
-              <a:t>Hypothesis Testing: Step 2</a:t>
-            </a:r>
-          </a:p>
-        </p:txBody>
-      </p:sp>
-      <p:sp>
-        <p:nvSpPr>
-          <p:cNvPr id="3" name="Content Placeholder 2"/>
+              <a:t>How to </a:t>
+            </a:r>
+            <a:r>
+              <a:rPr lang="en-US" dirty="0" err="1"/>
+              <a:t>JASP</a:t>
+            </a:r>
+            <a:r>
+              <a:rPr lang="en-US" dirty="0"/>
+              <a:t>: Checking for Outliers</a:t>
+            </a:r>
+          </a:p>
+        </p:txBody>
+      </p:sp>
+      <p:sp>
+        <p:nvSpPr>
+          <p:cNvPr id="3" name="Content Placeholder 2">
+            <a:extLst>
+              <a:ext uri="{FF2B5EF4-FFF2-40B4-BE49-F238E27FC236}">
+                <a16:creationId xmlns:a16="http://schemas.microsoft.com/office/drawing/2014/main" id="{4D8366BE-A0AE-48B6-8A53-9526F1CFFE7E}"/>
+              </a:ext>
+            </a:extLst>
+          </p:cNvPr>
           <p:cNvSpPr>
             <a:spLocks noGrp="1"/>
           </p:cNvSpPr>
@@ -6412,49 +8181,92 @@
           <a:p>
             <a:r>
               <a:rPr lang="en-US" dirty="0"/>
-              <a:t>Label the sample and the population</a:t>
-            </a:r>
-          </a:p>
-          <a:p>
-            <a:r>
-              <a:rPr lang="en-US" dirty="0"/>
-              <a:t>Pick a null and research</a:t>
-            </a:r>
-          </a:p>
-          <a:p>
-            <a:pPr lvl="1"/>
-            <a:r>
-              <a:rPr lang="en-US" dirty="0"/>
-              <a:t>Remember the combinations are:</a:t>
-            </a:r>
-          </a:p>
-          <a:p>
-            <a:pPr lvl="2"/>
-            <a:r>
-              <a:rPr lang="en-US" dirty="0"/>
-              <a:t>Greater</a:t>
-            </a:r>
-          </a:p>
-          <a:p>
-            <a:pPr lvl="2"/>
-            <a:r>
-              <a:rPr lang="en-US" dirty="0"/>
-              <a:t>Lesser</a:t>
-            </a:r>
-          </a:p>
-          <a:p>
-            <a:pPr lvl="2"/>
-            <a:r>
-              <a:rPr lang="en-US" dirty="0"/>
-              <a:t>Two Tailed = Different</a:t>
-            </a:r>
-          </a:p>
-        </p:txBody>
-      </p:sp>
+              <a:t>Download the “single sample t data” from blackboard</a:t>
+            </a:r>
+          </a:p>
+          <a:p>
+            <a:r>
+              <a:rPr lang="en-US" dirty="0"/>
+              <a:t>File </a:t>
+            </a:r>
+            <a:r>
+              <a:rPr lang="en-US" dirty="0">
+                <a:sym typeface="Wingdings" panose="05000000000000000000" pitchFamily="2" charset="2"/>
+              </a:rPr>
+              <a:t></a:t>
+            </a:r>
+            <a:r>
+              <a:rPr lang="en-US" dirty="0"/>
+              <a:t> Open </a:t>
+            </a:r>
+            <a:r>
+              <a:rPr lang="en-US" dirty="0">
+                <a:sym typeface="Wingdings" panose="05000000000000000000" pitchFamily="2" charset="2"/>
+              </a:rPr>
+              <a:t></a:t>
+            </a:r>
+            <a:r>
+              <a:rPr lang="en-US" dirty="0"/>
+              <a:t> Computer </a:t>
+            </a:r>
+            <a:r>
+              <a:rPr lang="en-US" dirty="0">
+                <a:sym typeface="Wingdings" panose="05000000000000000000" pitchFamily="2" charset="2"/>
+              </a:rPr>
+              <a:t></a:t>
+            </a:r>
+            <a:r>
+              <a:rPr lang="en-US" dirty="0"/>
+              <a:t> Browse </a:t>
+            </a:r>
+            <a:r>
+              <a:rPr lang="en-US" dirty="0">
+                <a:sym typeface="Wingdings" panose="05000000000000000000" pitchFamily="2" charset="2"/>
+              </a:rPr>
+              <a:t></a:t>
+            </a:r>
+            <a:r>
+              <a:rPr lang="en-US" dirty="0"/>
+              <a:t> Find your “single sample t data” file</a:t>
+            </a:r>
+          </a:p>
+          <a:p>
+            <a:endParaRPr lang="en-US" dirty="0"/>
+          </a:p>
+        </p:txBody>
+      </p:sp>
+      <p:pic>
+        <p:nvPicPr>
+          <p:cNvPr id="4" name="Picture 3">
+            <a:extLst>
+              <a:ext uri="{FF2B5EF4-FFF2-40B4-BE49-F238E27FC236}">
+                <a16:creationId xmlns:a16="http://schemas.microsoft.com/office/drawing/2014/main" id="{0B1654C5-7ADE-426C-895C-A6809EB684DE}"/>
+              </a:ext>
+            </a:extLst>
+          </p:cNvPr>
+          <p:cNvPicPr/>
+          <p:nvPr/>
+        </p:nvPicPr>
+        <p:blipFill>
+          <a:blip r:embed="rId2"/>
+          <a:stretch>
+            <a:fillRect/>
+          </a:stretch>
+        </p:blipFill>
+        <p:spPr>
+          <a:xfrm>
+            <a:off x="1649729" y="3124200"/>
+            <a:ext cx="5844541" cy="2963545"/>
+          </a:xfrm>
+          <a:prstGeom prst="rect">
+            <a:avLst/>
+          </a:prstGeom>
+        </p:spPr>
+      </p:pic>
     </p:spTree>
     <p:extLst>
       <p:ext uri="{BB962C8B-B14F-4D97-AF65-F5344CB8AC3E}">
-        <p14:creationId xmlns:p14="http://schemas.microsoft.com/office/powerpoint/2010/main" val="2174043473"/>
+        <p14:creationId xmlns:p14="http://schemas.microsoft.com/office/powerpoint/2010/main" val="264072522"/>
       </p:ext>
     </p:extLst>
   </p:cSld>
@@ -6483,7 +8295,13 @@
       </p:grpSpPr>
       <p:sp>
         <p:nvSpPr>
-          <p:cNvPr id="2" name="Title 1"/>
+          <p:cNvPr id="2" name="Title 1">
+            <a:extLst>
+              <a:ext uri="{FF2B5EF4-FFF2-40B4-BE49-F238E27FC236}">
+                <a16:creationId xmlns:a16="http://schemas.microsoft.com/office/drawing/2014/main" id="{ED271F18-BA53-441E-ADDF-EB36D4416AE7}"/>
+              </a:ext>
+            </a:extLst>
+          </p:cNvPr>
           <p:cNvSpPr>
             <a:spLocks noGrp="1"/>
           </p:cNvSpPr>
@@ -6498,14 +8316,28 @@
           <a:p>
             <a:r>
               <a:rPr lang="en-US" dirty="0"/>
-              <a:t>Hypothesis Testing: Step 3</a:t>
-            </a:r>
-          </a:p>
-        </p:txBody>
-      </p:sp>
-      <p:sp>
-        <p:nvSpPr>
-          <p:cNvPr id="3" name="Content Placeholder 2"/>
+              <a:t>How to </a:t>
+            </a:r>
+            <a:r>
+              <a:rPr lang="en-US" dirty="0" err="1"/>
+              <a:t>JASP</a:t>
+            </a:r>
+            <a:r>
+              <a:rPr lang="en-US" dirty="0"/>
+              <a:t>: Checking for Outliers</a:t>
+            </a:r>
+          </a:p>
+        </p:txBody>
+      </p:sp>
+      <p:sp>
+        <p:nvSpPr>
+          <p:cNvPr id="3" name="Content Placeholder 2">
+            <a:extLst>
+              <a:ext uri="{FF2B5EF4-FFF2-40B4-BE49-F238E27FC236}">
+                <a16:creationId xmlns:a16="http://schemas.microsoft.com/office/drawing/2014/main" id="{82C9B825-4A12-4313-8D34-BDD5A4C9DF55}"/>
+              </a:ext>
+            </a:extLst>
+          </p:cNvPr>
           <p:cNvSpPr>
             <a:spLocks noGrp="1"/>
           </p:cNvSpPr>
@@ -6520,79 +8352,88 @@
           <a:p>
             <a:r>
               <a:rPr lang="en-US" dirty="0"/>
-              <a:t>Label:</a:t>
+              <a:t>Make a distribution plot</a:t>
             </a:r>
           </a:p>
           <a:p>
             <a:pPr lvl="1"/>
             <a:r>
               <a:rPr lang="en-US" dirty="0"/>
-              <a:t>Sample mean (</a:t>
-            </a:r>
-            <a:r>
-              <a:rPr lang="en-US" i="1" dirty="0"/>
-              <a:t>M</a:t>
-            </a:r>
-            <a:r>
-              <a:rPr lang="en-US" dirty="0"/>
-              <a:t>) </a:t>
+              <a:t>Does it look like a bell curve? </a:t>
+            </a:r>
+          </a:p>
+          <a:p>
+            <a:r>
+              <a:rPr lang="en-US" dirty="0"/>
+              <a:t>Make a box plot and label outliers</a:t>
             </a:r>
           </a:p>
           <a:p>
             <a:pPr lvl="1"/>
             <a:r>
-              <a:rPr lang="en-US" dirty="0"/>
-              <a:t>Sample standard deviation (</a:t>
-            </a:r>
-            <a:r>
-              <a:rPr lang="en-US" i="1" dirty="0"/>
-              <a:t>SD)</a:t>
+              <a:rPr lang="en-US" dirty="0" err="1"/>
+              <a:t>Descriptives</a:t>
+            </a:r>
+            <a:r>
+              <a:rPr lang="en-US" dirty="0"/>
+              <a:t> </a:t>
+            </a:r>
+            <a:r>
+              <a:rPr lang="en-US" dirty="0">
+                <a:sym typeface="Wingdings" panose="05000000000000000000" pitchFamily="2" charset="2"/>
+              </a:rPr>
+              <a:t> Descriptive Statistics  Plots  select “Distribution plots” and “Boxplots” </a:t>
             </a:r>
           </a:p>
           <a:p>
             <a:pPr lvl="1"/>
             <a:r>
-              <a:rPr lang="en-US" dirty="0"/>
-              <a:t>Sample standard error (</a:t>
-            </a:r>
-            <a:r>
-              <a:rPr lang="en-US" i="1" dirty="0"/>
-              <a:t>SE)</a:t>
-            </a:r>
-          </a:p>
-          <a:p>
-            <a:pPr lvl="1"/>
-            <a:r>
-              <a:rPr lang="en-US" dirty="0"/>
-              <a:t>Sample size (</a:t>
-            </a:r>
-            <a:r>
-              <a:rPr lang="en-US" i="1" dirty="0"/>
-              <a:t>N)</a:t>
+              <a:rPr lang="en-US" dirty="0">
+                <a:sym typeface="Wingdings" panose="05000000000000000000" pitchFamily="2" charset="2"/>
+              </a:rPr>
+              <a:t>Under Boxplots select “Label Outliers” and “Jitter Element”</a:t>
             </a:r>
             <a:endParaRPr lang="en-US" dirty="0"/>
           </a:p>
           <a:p>
-            <a:pPr lvl="1"/>
-            <a:r>
-              <a:rPr lang="en-US" dirty="0"/>
-              <a:t>Population mean (</a:t>
-            </a:r>
-            <a:r>
-              <a:rPr lang="el-GR" dirty="0"/>
-              <a:t>μ</a:t>
-            </a:r>
-            <a:r>
-              <a:rPr lang="en-US" dirty="0"/>
-              <a:t>)</a:t>
-            </a:r>
-          </a:p>
-        </p:txBody>
-      </p:sp>
+            <a:endParaRPr lang="en-US" dirty="0"/>
+          </a:p>
+        </p:txBody>
+      </p:sp>
+      <p:pic>
+        <p:nvPicPr>
+          <p:cNvPr id="4" name="Picture 3">
+            <a:extLst>
+              <a:ext uri="{FF2B5EF4-FFF2-40B4-BE49-F238E27FC236}">
+                <a16:creationId xmlns:a16="http://schemas.microsoft.com/office/drawing/2014/main" id="{6695FE1A-80F0-44C0-8974-3D027BB30C77}"/>
+              </a:ext>
+            </a:extLst>
+          </p:cNvPr>
+          <p:cNvPicPr>
+            <a:picLocks noChangeAspect="1"/>
+          </p:cNvPicPr>
+          <p:nvPr/>
+        </p:nvPicPr>
+        <p:blipFill>
+          <a:blip r:embed="rId2"/>
+          <a:stretch>
+            <a:fillRect/>
+          </a:stretch>
+        </p:blipFill>
+        <p:spPr>
+          <a:xfrm>
+            <a:off x="3124200" y="4191000"/>
+            <a:ext cx="2895600" cy="2099962"/>
+          </a:xfrm>
+          <a:prstGeom prst="rect">
+            <a:avLst/>
+          </a:prstGeom>
+        </p:spPr>
+      </p:pic>
     </p:spTree>
     <p:extLst>
       <p:ext uri="{BB962C8B-B14F-4D97-AF65-F5344CB8AC3E}">
-        <p14:creationId xmlns:p14="http://schemas.microsoft.com/office/powerpoint/2010/main" val="3417713140"/>
+        <p14:creationId xmlns:p14="http://schemas.microsoft.com/office/powerpoint/2010/main" val="3836479174"/>
       </p:ext>
     </p:extLst>
   </p:cSld>
@@ -6621,7 +8462,13 @@
       </p:grpSpPr>
       <p:sp>
         <p:nvSpPr>
-          <p:cNvPr id="2" name="Title 1"/>
+          <p:cNvPr id="2" name="Title 1">
+            <a:extLst>
+              <a:ext uri="{FF2B5EF4-FFF2-40B4-BE49-F238E27FC236}">
+                <a16:creationId xmlns:a16="http://schemas.microsoft.com/office/drawing/2014/main" id="{ED271F18-BA53-441E-ADDF-EB36D4416AE7}"/>
+              </a:ext>
+            </a:extLst>
+          </p:cNvPr>
           <p:cNvSpPr>
             <a:spLocks noGrp="1"/>
           </p:cNvSpPr>
@@ -6636,103 +8483,55 @@
           <a:p>
             <a:r>
               <a:rPr lang="en-US" dirty="0"/>
-              <a:t>Hypothesis Testing: Step 3</a:t>
-            </a:r>
-          </a:p>
-        </p:txBody>
-      </p:sp>
-      <p:sp>
-        <p:nvSpPr>
-          <p:cNvPr id="3" name="Content Placeholder 2"/>
-          <p:cNvSpPr>
-            <a:spLocks noGrp="1"/>
-          </p:cNvSpPr>
+              <a:t>How to </a:t>
+            </a:r>
+            <a:r>
+              <a:rPr lang="en-US" dirty="0" err="1"/>
+              <a:t>JASP</a:t>
+            </a:r>
+            <a:r>
+              <a:rPr lang="en-US" dirty="0"/>
+              <a:t>: Checking for Outliers</a:t>
+            </a:r>
+          </a:p>
+        </p:txBody>
+      </p:sp>
+      <p:pic>
+        <p:nvPicPr>
+          <p:cNvPr id="8" name="Content Placeholder 7">
+            <a:extLst>
+              <a:ext uri="{FF2B5EF4-FFF2-40B4-BE49-F238E27FC236}">
+                <a16:creationId xmlns:a16="http://schemas.microsoft.com/office/drawing/2014/main" id="{06B08677-9500-4562-B88C-CA698C06D58E}"/>
+              </a:ext>
+            </a:extLst>
+          </p:cNvPr>
+          <p:cNvPicPr>
+            <a:picLocks noGrp="1" noChangeAspect="1"/>
+          </p:cNvPicPr>
           <p:nvPr>
             <p:ph idx="1"/>
           </p:nvPr>
-        </p:nvSpPr>
-        <p:spPr/>
-        <p:txBody>
-          <a:bodyPr/>
-          <a:lstStyle/>
-          <a:p>
-            <a:pPr eaLnBrk="1" hangingPunct="1"/>
-            <a:r>
-              <a:rPr lang="en-US" dirty="0"/>
-              <a:t>Something new:</a:t>
-            </a:r>
-          </a:p>
-          <a:p>
-            <a:pPr lvl="1" eaLnBrk="1" hangingPunct="1"/>
-            <a:r>
-              <a:rPr lang="en-US" dirty="0"/>
-              <a:t>Degrees of freedom </a:t>
-            </a:r>
-          </a:p>
-          <a:p>
-            <a:pPr lvl="1" eaLnBrk="1" hangingPunct="1">
-              <a:buNone/>
-            </a:pPr>
-            <a:r>
-              <a:rPr lang="en-US" i="1" dirty="0"/>
-              <a:t>		</a:t>
-            </a:r>
-            <a:r>
-              <a:rPr lang="en-US" i="1" dirty="0" err="1"/>
-              <a:t>df</a:t>
-            </a:r>
-            <a:r>
-              <a:rPr lang="en-US" dirty="0"/>
-              <a:t>  = </a:t>
-            </a:r>
-            <a:r>
-              <a:rPr lang="en-US" i="1" dirty="0"/>
-              <a:t>N </a:t>
-            </a:r>
-            <a:r>
-              <a:rPr lang="en-US" dirty="0"/>
-              <a:t>- 1 where </a:t>
-            </a:r>
-            <a:r>
-              <a:rPr lang="en-US" i="1" dirty="0"/>
-              <a:t>N</a:t>
-            </a:r>
-            <a:r>
-              <a:rPr lang="en-US" dirty="0"/>
-              <a:t> is sample size</a:t>
-            </a:r>
-          </a:p>
-          <a:p>
-            <a:pPr eaLnBrk="1" hangingPunct="1"/>
-            <a:r>
-              <a:rPr lang="en-US" dirty="0"/>
-              <a:t>This number is used in two ways:</a:t>
-            </a:r>
-          </a:p>
-          <a:p>
-            <a:pPr lvl="1" eaLnBrk="1" hangingPunct="1"/>
-            <a:r>
-              <a:rPr lang="en-US" dirty="0"/>
-              <a:t>Estimation of </a:t>
-            </a:r>
-            <a:r>
-              <a:rPr lang="en-US" i="1" dirty="0"/>
-              <a:t>SD</a:t>
-            </a:r>
-          </a:p>
-          <a:p>
-            <a:pPr lvl="1" eaLnBrk="1" hangingPunct="1"/>
-            <a:r>
-              <a:rPr lang="en-US" dirty="0"/>
-              <a:t>Calculating the cut off score</a:t>
-            </a:r>
-          </a:p>
-        </p:txBody>
-      </p:sp>
+        </p:nvPicPr>
+        <p:blipFill>
+          <a:blip r:embed="rId3"/>
+          <a:stretch>
+            <a:fillRect/>
+          </a:stretch>
+        </p:blipFill>
+        <p:spPr>
+          <a:xfrm>
+            <a:off x="1787333" y="1981200"/>
+            <a:ext cx="5615053" cy="4022725"/>
+          </a:xfrm>
+          <a:prstGeom prst="rect">
+            <a:avLst/>
+          </a:prstGeom>
+        </p:spPr>
+      </p:pic>
     </p:spTree>
     <p:extLst>
       <p:ext uri="{BB962C8B-B14F-4D97-AF65-F5344CB8AC3E}">
-        <p14:creationId xmlns:p14="http://schemas.microsoft.com/office/powerpoint/2010/main" val="4130823208"/>
+        <p14:creationId xmlns:p14="http://schemas.microsoft.com/office/powerpoint/2010/main" val="3375920490"/>
       </p:ext>
     </p:extLst>
   </p:cSld>
@@ -6775,6 +8574,412 @@
           <a:lstStyle/>
           <a:p>
             <a:r>
+              <a:rPr lang="en-US" dirty="0"/>
+              <a:t>Hypothesis Testing: Step 2</a:t>
+            </a:r>
+          </a:p>
+        </p:txBody>
+      </p:sp>
+      <p:sp>
+        <p:nvSpPr>
+          <p:cNvPr id="3" name="Content Placeholder 2"/>
+          <p:cNvSpPr>
+            <a:spLocks noGrp="1"/>
+          </p:cNvSpPr>
+          <p:nvPr>
+            <p:ph idx="1"/>
+          </p:nvPr>
+        </p:nvSpPr>
+        <p:spPr/>
+        <p:txBody>
+          <a:bodyPr/>
+          <a:lstStyle/>
+          <a:p>
+            <a:r>
+              <a:rPr lang="en-US" dirty="0"/>
+              <a:t>Label the sample and the population</a:t>
+            </a:r>
+          </a:p>
+          <a:p>
+            <a:r>
+              <a:rPr lang="en-US" dirty="0"/>
+              <a:t>Pick a null and research</a:t>
+            </a:r>
+          </a:p>
+          <a:p>
+            <a:pPr lvl="1"/>
+            <a:r>
+              <a:rPr lang="en-US" dirty="0"/>
+              <a:t>Remember the combinations are:</a:t>
+            </a:r>
+          </a:p>
+          <a:p>
+            <a:pPr lvl="2"/>
+            <a:r>
+              <a:rPr lang="en-US" dirty="0"/>
+              <a:t>Greater</a:t>
+            </a:r>
+          </a:p>
+          <a:p>
+            <a:pPr lvl="2"/>
+            <a:r>
+              <a:rPr lang="en-US" dirty="0"/>
+              <a:t>Lesser</a:t>
+            </a:r>
+          </a:p>
+          <a:p>
+            <a:pPr lvl="2"/>
+            <a:r>
+              <a:rPr lang="en-US" dirty="0"/>
+              <a:t>Two Tailed = Different</a:t>
+            </a:r>
+          </a:p>
+        </p:txBody>
+      </p:sp>
+    </p:spTree>
+    <p:extLst>
+      <p:ext uri="{BB962C8B-B14F-4D97-AF65-F5344CB8AC3E}">
+        <p14:creationId xmlns:p14="http://schemas.microsoft.com/office/powerpoint/2010/main" val="2174043473"/>
+      </p:ext>
+    </p:extLst>
+  </p:cSld>
+  <p:clrMapOvr>
+    <a:masterClrMapping/>
+  </p:clrMapOvr>
+</p:sld>
+</file>
+
+<file path=ppt/slides/slide15.xml><?xml version="1.0" encoding="utf-8"?>
+<p:sld xmlns:a="http://schemas.openxmlformats.org/drawingml/2006/main" xmlns:r="http://schemas.openxmlformats.org/officeDocument/2006/relationships" xmlns:p="http://schemas.openxmlformats.org/presentationml/2006/main">
+  <p:cSld>
+    <p:spTree>
+      <p:nvGrpSpPr>
+        <p:cNvPr id="1" name=""/>
+        <p:cNvGrpSpPr/>
+        <p:nvPr/>
+      </p:nvGrpSpPr>
+      <p:grpSpPr>
+        <a:xfrm>
+          <a:off x="0" y="0"/>
+          <a:ext cx="0" cy="0"/>
+          <a:chOff x="0" y="0"/>
+          <a:chExt cx="0" cy="0"/>
+        </a:xfrm>
+      </p:grpSpPr>
+      <p:sp>
+        <p:nvSpPr>
+          <p:cNvPr id="2" name="Title 1"/>
+          <p:cNvSpPr>
+            <a:spLocks noGrp="1"/>
+          </p:cNvSpPr>
+          <p:nvPr>
+            <p:ph type="title"/>
+          </p:nvPr>
+        </p:nvSpPr>
+        <p:spPr/>
+        <p:txBody>
+          <a:bodyPr/>
+          <a:lstStyle/>
+          <a:p>
+            <a:r>
+              <a:rPr lang="en-US" dirty="0"/>
+              <a:t>Hypothesis Testing: Step 3</a:t>
+            </a:r>
+          </a:p>
+        </p:txBody>
+      </p:sp>
+      <p:sp>
+        <p:nvSpPr>
+          <p:cNvPr id="3" name="Content Placeholder 2"/>
+          <p:cNvSpPr>
+            <a:spLocks noGrp="1"/>
+          </p:cNvSpPr>
+          <p:nvPr>
+            <p:ph idx="1"/>
+          </p:nvPr>
+        </p:nvSpPr>
+        <p:spPr/>
+        <p:txBody>
+          <a:bodyPr/>
+          <a:lstStyle/>
+          <a:p>
+            <a:r>
+              <a:rPr lang="en-US" dirty="0"/>
+              <a:t>Label:</a:t>
+            </a:r>
+          </a:p>
+          <a:p>
+            <a:pPr lvl="1"/>
+            <a:r>
+              <a:rPr lang="en-US" dirty="0"/>
+              <a:t>Sample mean (</a:t>
+            </a:r>
+            <a:r>
+              <a:rPr lang="en-US" i="1" dirty="0"/>
+              <a:t>M</a:t>
+            </a:r>
+            <a:r>
+              <a:rPr lang="en-US" dirty="0"/>
+              <a:t>) </a:t>
+            </a:r>
+          </a:p>
+          <a:p>
+            <a:pPr lvl="1"/>
+            <a:r>
+              <a:rPr lang="en-US" dirty="0"/>
+              <a:t>Sample standard deviation (</a:t>
+            </a:r>
+            <a:r>
+              <a:rPr lang="en-US" i="1" dirty="0"/>
+              <a:t>SD)</a:t>
+            </a:r>
+          </a:p>
+          <a:p>
+            <a:pPr lvl="1"/>
+            <a:r>
+              <a:rPr lang="en-US" dirty="0"/>
+              <a:t>Sample standard error (</a:t>
+            </a:r>
+            <a:r>
+              <a:rPr lang="en-US" i="1" dirty="0"/>
+              <a:t>SE </a:t>
+            </a:r>
+            <a:r>
+              <a:rPr lang="en-US" dirty="0"/>
+              <a:t>or</a:t>
+            </a:r>
+            <a:r>
+              <a:rPr lang="en-US" i="1" dirty="0"/>
+              <a:t> S</a:t>
+            </a:r>
+            <a:r>
+              <a:rPr lang="en-US" i="1" baseline="-25000" dirty="0"/>
+              <a:t>M</a:t>
+            </a:r>
+            <a:r>
+              <a:rPr lang="en-US" i="1" dirty="0"/>
+              <a:t>)</a:t>
+            </a:r>
+          </a:p>
+          <a:p>
+            <a:pPr lvl="1"/>
+            <a:r>
+              <a:rPr lang="en-US" dirty="0"/>
+              <a:t>Sample size (</a:t>
+            </a:r>
+            <a:r>
+              <a:rPr lang="en-US" i="1" dirty="0"/>
+              <a:t>N)</a:t>
+            </a:r>
+            <a:endParaRPr lang="en-US" dirty="0"/>
+          </a:p>
+          <a:p>
+            <a:pPr lvl="1"/>
+            <a:r>
+              <a:rPr lang="en-US" dirty="0"/>
+              <a:t>Population mean (</a:t>
+            </a:r>
+            <a:r>
+              <a:rPr lang="el-GR" dirty="0"/>
+              <a:t>μ</a:t>
+            </a:r>
+            <a:r>
+              <a:rPr lang="en-US" i="1" baseline="-25000" dirty="0"/>
+              <a:t>M</a:t>
+            </a:r>
+            <a:r>
+              <a:rPr lang="en-US" dirty="0"/>
+              <a:t>)</a:t>
+            </a:r>
+          </a:p>
+        </p:txBody>
+      </p:sp>
+    </p:spTree>
+    <p:extLst>
+      <p:ext uri="{BB962C8B-B14F-4D97-AF65-F5344CB8AC3E}">
+        <p14:creationId xmlns:p14="http://schemas.microsoft.com/office/powerpoint/2010/main" val="3417713140"/>
+      </p:ext>
+    </p:extLst>
+  </p:cSld>
+  <p:clrMapOvr>
+    <a:masterClrMapping/>
+  </p:clrMapOvr>
+</p:sld>
+</file>
+
+<file path=ppt/slides/slide16.xml><?xml version="1.0" encoding="utf-8"?>
+<p:sld xmlns:a="http://schemas.openxmlformats.org/drawingml/2006/main" xmlns:r="http://schemas.openxmlformats.org/officeDocument/2006/relationships" xmlns:p="http://schemas.openxmlformats.org/presentationml/2006/main">
+  <p:cSld>
+    <p:spTree>
+      <p:nvGrpSpPr>
+        <p:cNvPr id="1" name=""/>
+        <p:cNvGrpSpPr/>
+        <p:nvPr/>
+      </p:nvGrpSpPr>
+      <p:grpSpPr>
+        <a:xfrm>
+          <a:off x="0" y="0"/>
+          <a:ext cx="0" cy="0"/>
+          <a:chOff x="0" y="0"/>
+          <a:chExt cx="0" cy="0"/>
+        </a:xfrm>
+      </p:grpSpPr>
+      <p:sp>
+        <p:nvSpPr>
+          <p:cNvPr id="2" name="Title 1"/>
+          <p:cNvSpPr>
+            <a:spLocks noGrp="1"/>
+          </p:cNvSpPr>
+          <p:nvPr>
+            <p:ph type="title"/>
+          </p:nvPr>
+        </p:nvSpPr>
+        <p:spPr/>
+        <p:txBody>
+          <a:bodyPr/>
+          <a:lstStyle/>
+          <a:p>
+            <a:r>
+              <a:rPr lang="en-US" dirty="0"/>
+              <a:t>Hypothesis Testing: Step 3</a:t>
+            </a:r>
+          </a:p>
+        </p:txBody>
+      </p:sp>
+      <p:sp>
+        <p:nvSpPr>
+          <p:cNvPr id="3" name="Content Placeholder 2"/>
+          <p:cNvSpPr>
+            <a:spLocks noGrp="1"/>
+          </p:cNvSpPr>
+          <p:nvPr>
+            <p:ph idx="1"/>
+          </p:nvPr>
+        </p:nvSpPr>
+        <p:spPr/>
+        <p:txBody>
+          <a:bodyPr/>
+          <a:lstStyle/>
+          <a:p>
+            <a:pPr eaLnBrk="1" hangingPunct="1"/>
+            <a:r>
+              <a:rPr lang="en-US" dirty="0"/>
+              <a:t>Something new:</a:t>
+            </a:r>
+          </a:p>
+          <a:p>
+            <a:pPr lvl="1" eaLnBrk="1" hangingPunct="1"/>
+            <a:r>
+              <a:rPr lang="en-US" dirty="0"/>
+              <a:t>Degrees of freedom </a:t>
+            </a:r>
+          </a:p>
+          <a:p>
+            <a:pPr lvl="1" eaLnBrk="1" hangingPunct="1">
+              <a:buNone/>
+            </a:pPr>
+            <a:r>
+              <a:rPr lang="en-US" i="1" dirty="0"/>
+              <a:t>		</a:t>
+            </a:r>
+            <a:r>
+              <a:rPr lang="en-US" i="1" dirty="0" err="1"/>
+              <a:t>df</a:t>
+            </a:r>
+            <a:r>
+              <a:rPr lang="en-US" dirty="0"/>
+              <a:t>  = </a:t>
+            </a:r>
+            <a:r>
+              <a:rPr lang="en-US" i="1" dirty="0"/>
+              <a:t>N </a:t>
+            </a:r>
+            <a:r>
+              <a:rPr lang="en-US" dirty="0"/>
+              <a:t>- 1 where </a:t>
+            </a:r>
+            <a:r>
+              <a:rPr lang="en-US" i="1" dirty="0"/>
+              <a:t>N</a:t>
+            </a:r>
+            <a:r>
+              <a:rPr lang="en-US" dirty="0"/>
+              <a:t> is sample size</a:t>
+            </a:r>
+          </a:p>
+          <a:p>
+            <a:pPr eaLnBrk="1" hangingPunct="1"/>
+            <a:r>
+              <a:rPr lang="en-US" dirty="0"/>
+              <a:t>This number is used in two ways:</a:t>
+            </a:r>
+          </a:p>
+          <a:p>
+            <a:pPr lvl="1" eaLnBrk="1" hangingPunct="1"/>
+            <a:r>
+              <a:rPr lang="en-US" dirty="0"/>
+              <a:t>Estimation of </a:t>
+            </a:r>
+            <a:r>
+              <a:rPr lang="en-US" i="1" dirty="0"/>
+              <a:t>SD</a:t>
+            </a:r>
+          </a:p>
+          <a:p>
+            <a:pPr lvl="1" eaLnBrk="1" hangingPunct="1"/>
+            <a:r>
+              <a:rPr lang="en-US" dirty="0"/>
+              <a:t>Calculating the cut off score</a:t>
+            </a:r>
+          </a:p>
+        </p:txBody>
+      </p:sp>
+    </p:spTree>
+    <p:extLst>
+      <p:ext uri="{BB962C8B-B14F-4D97-AF65-F5344CB8AC3E}">
+        <p14:creationId xmlns:p14="http://schemas.microsoft.com/office/powerpoint/2010/main" val="4130823208"/>
+      </p:ext>
+    </p:extLst>
+  </p:cSld>
+  <p:clrMapOvr>
+    <a:masterClrMapping/>
+  </p:clrMapOvr>
+</p:sld>
+</file>
+
+<file path=ppt/slides/slide17.xml><?xml version="1.0" encoding="utf-8"?>
+<p:sld xmlns:a="http://schemas.openxmlformats.org/drawingml/2006/main" xmlns:r="http://schemas.openxmlformats.org/officeDocument/2006/relationships" xmlns:p="http://schemas.openxmlformats.org/presentationml/2006/main">
+  <p:cSld>
+    <p:spTree>
+      <p:nvGrpSpPr>
+        <p:cNvPr id="1" name=""/>
+        <p:cNvGrpSpPr/>
+        <p:nvPr/>
+      </p:nvGrpSpPr>
+      <p:grpSpPr>
+        <a:xfrm>
+          <a:off x="0" y="0"/>
+          <a:ext cx="0" cy="0"/>
+          <a:chOff x="0" y="0"/>
+          <a:chExt cx="0" cy="0"/>
+        </a:xfrm>
+      </p:grpSpPr>
+      <p:sp>
+        <p:nvSpPr>
+          <p:cNvPr id="2" name="Title 1"/>
+          <p:cNvSpPr>
+            <a:spLocks noGrp="1"/>
+          </p:cNvSpPr>
+          <p:nvPr>
+            <p:ph type="title"/>
+          </p:nvPr>
+        </p:nvSpPr>
+        <p:spPr/>
+        <p:txBody>
+          <a:bodyPr/>
+          <a:lstStyle/>
+          <a:p>
+            <a:r>
               <a:rPr lang="en-US" i="1" dirty="0"/>
               <a:t>t</a:t>
             </a:r>
@@ -6831,7 +9036,7 @@
           <a:p>
             <a:r>
               <a:rPr lang="en-US" dirty="0"/>
-              <a:t>What we did before…</a:t>
+              <a:t>What we did before but…</a:t>
             </a:r>
           </a:p>
           <a:p>
@@ -6923,14 +9128,14 @@
           <p:nvPr>
             <p:extLst>
               <p:ext uri="{D42A27DB-BD31-4B8C-83A1-F6EECF244321}">
-                <p14:modId xmlns:p14="http://schemas.microsoft.com/office/powerpoint/2010/main" val="303887559"/>
+                <p14:modId xmlns:p14="http://schemas.microsoft.com/office/powerpoint/2010/main" val="2806171382"/>
               </p:ext>
             </p:extLst>
           </p:nvPr>
         </p:nvGraphicFramePr>
         <p:xfrm>
-          <a:off x="1243490" y="2943014"/>
-          <a:ext cx="2478087" cy="914400"/>
+          <a:off x="1066800" y="2895601"/>
+          <a:ext cx="2606581" cy="961813"/>
         </p:xfrm>
         <a:graphic>
           <a:graphicData uri="http://schemas.openxmlformats.org/presentationml/2006/ole">
@@ -6966,8 +9171,8 @@
                     </p:blipFill>
                     <p:spPr bwMode="auto">
                       <a:xfrm>
-                        <a:off x="1243490" y="2943014"/>
-                        <a:ext cx="2478087" cy="914400"/>
+                        <a:off x="1066800" y="2895601"/>
+                        <a:ext cx="2606581" cy="961813"/>
                       </a:xfrm>
                       <a:prstGeom prst="rect">
                         <a:avLst/>
@@ -6999,14 +9204,14 @@
           <p:nvPr>
             <p:extLst>
               <p:ext uri="{D42A27DB-BD31-4B8C-83A1-F6EECF244321}">
-                <p14:modId xmlns:p14="http://schemas.microsoft.com/office/powerpoint/2010/main" val="4038572261"/>
+                <p14:modId xmlns:p14="http://schemas.microsoft.com/office/powerpoint/2010/main" val="2255536619"/>
               </p:ext>
             </p:extLst>
           </p:nvPr>
         </p:nvGraphicFramePr>
         <p:xfrm>
-          <a:off x="5181601" y="2925278"/>
-          <a:ext cx="2075688" cy="892105"/>
+          <a:off x="4926028" y="2707031"/>
+          <a:ext cx="2676631" cy="1150383"/>
         </p:xfrm>
         <a:graphic>
           <a:graphicData uri="http://schemas.openxmlformats.org/presentationml/2006/ole">
@@ -7042,8 +9247,8 @@
                     </p:blipFill>
                     <p:spPr bwMode="auto">
                       <a:xfrm>
-                        <a:off x="5181601" y="2925278"/>
-                        <a:ext cx="2075688" cy="892105"/>
+                        <a:off x="4926028" y="2707031"/>
+                        <a:ext cx="2676631" cy="1150383"/>
                       </a:xfrm>
                       <a:prstGeom prst="rect">
                         <a:avLst/>
@@ -7079,7 +9284,7 @@
 </p:sld>
 </file>
 
-<file path=ppt/slides/slide15.xml><?xml version="1.0" encoding="utf-8"?>
+<file path=ppt/slides/slide18.xml><?xml version="1.0" encoding="utf-8"?>
 <p:sld xmlns:a="http://schemas.openxmlformats.org/drawingml/2006/main" xmlns:r="http://schemas.openxmlformats.org/officeDocument/2006/relationships" xmlns:p="http://schemas.openxmlformats.org/presentationml/2006/main">
   <p:cSld>
     <p:spTree>
@@ -7098,170 +9303,6 @@
       </p:grpSpPr>
       <p:sp>
         <p:nvSpPr>
-          <p:cNvPr id="2" name="Title 1"/>
-          <p:cNvSpPr>
-            <a:spLocks noGrp="1"/>
-          </p:cNvSpPr>
-          <p:nvPr>
-            <p:ph type="title"/>
-          </p:nvPr>
-        </p:nvSpPr>
-        <p:spPr/>
-        <p:txBody>
-          <a:bodyPr/>
-          <a:lstStyle/>
-          <a:p>
-            <a:r>
-              <a:rPr lang="en-US" dirty="0"/>
-              <a:t>Calculating in </a:t>
-            </a:r>
-            <a:r>
-              <a:rPr lang="en-US" i="1" dirty="0"/>
-              <a:t>R</a:t>
-            </a:r>
-            <a:endParaRPr lang="en-US" dirty="0"/>
-          </a:p>
-        </p:txBody>
-      </p:sp>
-      <p:sp>
-        <p:nvSpPr>
-          <p:cNvPr id="3" name="Content Placeholder 2"/>
-          <p:cNvSpPr>
-            <a:spLocks noGrp="1"/>
-          </p:cNvSpPr>
-          <p:nvPr>
-            <p:ph idx="1"/>
-          </p:nvPr>
-        </p:nvSpPr>
-        <p:spPr/>
-        <p:txBody>
-          <a:bodyPr/>
-          <a:lstStyle/>
-          <a:p>
-            <a:r>
-              <a:rPr lang="en-US" dirty="0"/>
-              <a:t>summary(</a:t>
-            </a:r>
-            <a:r>
-              <a:rPr lang="en-US" i="1" dirty="0"/>
-              <a:t>dataset</a:t>
-            </a:r>
-            <a:r>
-              <a:rPr lang="en-US" dirty="0"/>
-              <a:t>)</a:t>
-            </a:r>
-          </a:p>
-          <a:p>
-            <a:pPr lvl="1"/>
-            <a:r>
-              <a:rPr lang="en-US" dirty="0"/>
-              <a:t>mean(</a:t>
-            </a:r>
-            <a:r>
-              <a:rPr lang="en-US" i="1" dirty="0"/>
-              <a:t>dataset</a:t>
-            </a:r>
-            <a:r>
-              <a:rPr lang="en-US" dirty="0"/>
-              <a:t>, na.rm = T)</a:t>
-            </a:r>
-          </a:p>
-          <a:p>
-            <a:r>
-              <a:rPr lang="en-US" dirty="0" err="1"/>
-              <a:t>sd</a:t>
-            </a:r>
-            <a:r>
-              <a:rPr lang="en-US" dirty="0"/>
-              <a:t>(</a:t>
-            </a:r>
-            <a:r>
-              <a:rPr lang="en-US" i="1" dirty="0" err="1"/>
-              <a:t>dataset$column</a:t>
-            </a:r>
-            <a:r>
-              <a:rPr lang="en-US" i="1" dirty="0"/>
-              <a:t>, na.rm = T</a:t>
-            </a:r>
-            <a:r>
-              <a:rPr lang="en-US" dirty="0"/>
-              <a:t>)</a:t>
-            </a:r>
-          </a:p>
-          <a:p>
-            <a:r>
-              <a:rPr lang="en-US" dirty="0"/>
-              <a:t>OR you can enter the data:</a:t>
-            </a:r>
-          </a:p>
-          <a:p>
-            <a:pPr lvl="1"/>
-            <a:r>
-              <a:rPr lang="en-US" dirty="0"/>
-              <a:t>data = c(#,#,#,#,#)</a:t>
-            </a:r>
-          </a:p>
-          <a:p>
-            <a:pPr lvl="1"/>
-            <a:r>
-              <a:rPr lang="en-US" dirty="0" err="1"/>
-              <a:t>sd</a:t>
-            </a:r>
-            <a:r>
-              <a:rPr lang="en-US" dirty="0"/>
-              <a:t>(</a:t>
-            </a:r>
-            <a:r>
-              <a:rPr lang="en-US" i="1" dirty="0"/>
-              <a:t>data, </a:t>
-            </a:r>
-            <a:r>
-              <a:rPr lang="en-US" i="1" dirty="0" err="1"/>
-              <a:t>na.rm</a:t>
-            </a:r>
-            <a:r>
-              <a:rPr lang="en-US" i="1" dirty="0"/>
-              <a:t> = T</a:t>
-            </a:r>
-            <a:r>
-              <a:rPr lang="en-US" dirty="0"/>
-              <a:t>)</a:t>
-            </a:r>
-          </a:p>
-        </p:txBody>
-      </p:sp>
-    </p:spTree>
-    <p:extLst>
-      <p:ext uri="{BB962C8B-B14F-4D97-AF65-F5344CB8AC3E}">
-        <p14:creationId xmlns:p14="http://schemas.microsoft.com/office/powerpoint/2010/main" val="2088372633"/>
-      </p:ext>
-    </p:extLst>
-  </p:cSld>
-  <p:clrMapOvr>
-    <a:masterClrMapping/>
-  </p:clrMapOvr>
-</p:sld>
-</file>
-
-<file path=ppt/slides/slide16.xml><?xml version="1.0" encoding="utf-8"?>
-<p:sld xmlns:a="http://schemas.openxmlformats.org/drawingml/2006/main" xmlns:r="http://schemas.openxmlformats.org/officeDocument/2006/relationships" xmlns:p="http://schemas.openxmlformats.org/presentationml/2006/main">
-  <p:cSld>
-    <p:spTree>
-      <p:nvGrpSpPr>
-        <p:cNvPr id="1" name=""/>
-        <p:cNvGrpSpPr/>
-        <p:nvPr/>
-      </p:nvGrpSpPr>
-      <p:grpSpPr>
-        <a:xfrm>
-          <a:off x="0" y="0"/>
-          <a:ext cx="0" cy="0"/>
-          <a:chOff x="0" y="0"/>
-          <a:chExt cx="0" cy="0"/>
-        </a:xfrm>
-      </p:grpSpPr>
-      <p:sp>
-        <p:nvSpPr>
           <p:cNvPr id="2" name="Title 1">
             <a:extLst>
               <a:ext uri="{FF2B5EF4-FFF2-40B4-BE49-F238E27FC236}">
@@ -7283,7 +9324,15 @@
           <a:p>
             <a:r>
               <a:rPr lang="en-US" dirty="0"/>
-              <a:t>Calculating Standard Error for the t Statistic</a:t>
+              <a:t>Calculating Standard Error for the </a:t>
+            </a:r>
+            <a:r>
+              <a:rPr lang="en-US" i="1" dirty="0"/>
+              <a:t>t</a:t>
+            </a:r>
+            <a:r>
+              <a:rPr lang="en-US" dirty="0"/>
+              <a:t> Statistic</a:t>
             </a:r>
           </a:p>
         </p:txBody>
@@ -7403,7 +9452,7 @@
 </p:sld>
 </file>
 
-<file path=ppt/slides/slide17.xml><?xml version="1.0" encoding="utf-8"?>
+<file path=ppt/slides/slide19.xml><?xml version="1.0" encoding="utf-8"?>
 <p:sld xmlns:a="http://schemas.openxmlformats.org/drawingml/2006/main" xmlns:r="http://schemas.openxmlformats.org/officeDocument/2006/relationships" xmlns:p="http://schemas.openxmlformats.org/presentationml/2006/main">
   <p:cSld>
     <p:spTree>
@@ -7422,7 +9471,13 @@
       </p:grpSpPr>
       <p:sp>
         <p:nvSpPr>
-          <p:cNvPr id="2" name="Title 1"/>
+          <p:cNvPr id="2" name="Title 1">
+            <a:extLst>
+              <a:ext uri="{FF2B5EF4-FFF2-40B4-BE49-F238E27FC236}">
+                <a16:creationId xmlns:a16="http://schemas.microsoft.com/office/drawing/2014/main" id="{6E50A13E-7F48-46F3-A4EC-016A72A3AFF2}"/>
+              </a:ext>
+            </a:extLst>
+          </p:cNvPr>
           <p:cNvSpPr>
             <a:spLocks noGrp="1"/>
           </p:cNvSpPr>
@@ -7437,11 +9492,11 @@
           <a:p>
             <a:r>
               <a:rPr lang="en-US" dirty="0"/>
-              <a:t>Calculating in </a:t>
-            </a:r>
-            <a:r>
-              <a:rPr lang="en-US" i="1" dirty="0"/>
-              <a:t>R</a:t>
+              <a:t>Calculating SE in </a:t>
+            </a:r>
+            <a:r>
+              <a:rPr lang="en-US" dirty="0" err="1"/>
+              <a:t>JASP</a:t>
             </a:r>
             <a:endParaRPr lang="en-US" dirty="0"/>
           </a:p>
@@ -7449,7 +9504,13 @@
       </p:sp>
       <p:sp>
         <p:nvSpPr>
-          <p:cNvPr id="3" name="Content Placeholder 2"/>
+          <p:cNvPr id="3" name="Content Placeholder 2">
+            <a:extLst>
+              <a:ext uri="{FF2B5EF4-FFF2-40B4-BE49-F238E27FC236}">
+                <a16:creationId xmlns:a16="http://schemas.microsoft.com/office/drawing/2014/main" id="{6901A659-B4E8-4EBE-8676-96B8F050B191}"/>
+              </a:ext>
+            </a:extLst>
+          </p:cNvPr>
           <p:cNvSpPr>
             <a:spLocks noGrp="1"/>
           </p:cNvSpPr>
@@ -7464,138 +9525,56 @@
           <a:p>
             <a:r>
               <a:rPr lang="en-US" dirty="0"/>
-              <a:t>se = </a:t>
+              <a:t>When you are running </a:t>
             </a:r>
             <a:r>
               <a:rPr lang="en-US" dirty="0" err="1"/>
-              <a:t>sd</a:t>
-            </a:r>
-            <a:r>
-              <a:rPr lang="en-US" dirty="0"/>
-              <a:t> / </a:t>
-            </a:r>
-            <a:r>
-              <a:rPr lang="en-US" dirty="0" err="1"/>
-              <a:t>sqrt</a:t>
-            </a:r>
-            <a:r>
-              <a:rPr lang="en-US" dirty="0"/>
-              <a:t>(</a:t>
-            </a:r>
-            <a:r>
-              <a:rPr lang="en-US" i="1" dirty="0"/>
-              <a:t>N</a:t>
-            </a:r>
-            <a:r>
-              <a:rPr lang="en-US" dirty="0"/>
-              <a:t>)</a:t>
-            </a:r>
-          </a:p>
-          <a:p>
-            <a:pPr lvl="1"/>
-            <a:r>
-              <a:rPr lang="en-US" dirty="0"/>
-              <a:t>If you have all the data in R you can try:</a:t>
-            </a:r>
-          </a:p>
-          <a:p>
-            <a:pPr lvl="1"/>
-            <a:r>
-              <a:rPr lang="en-US" dirty="0" err="1"/>
-              <a:t>sd</a:t>
-            </a:r>
-            <a:r>
-              <a:rPr lang="en-US" dirty="0"/>
-              <a:t>(</a:t>
-            </a:r>
-            <a:r>
-              <a:rPr lang="en-US" i="1" dirty="0"/>
-              <a:t>data</a:t>
-            </a:r>
-            <a:r>
-              <a:rPr lang="en-US" dirty="0"/>
-              <a:t>) / </a:t>
-            </a:r>
-            <a:r>
-              <a:rPr lang="en-US" dirty="0" err="1"/>
-              <a:t>sqrt</a:t>
-            </a:r>
-            <a:r>
-              <a:rPr lang="en-US" dirty="0"/>
-              <a:t>(length(</a:t>
-            </a:r>
-            <a:r>
-              <a:rPr lang="en-US" i="1" dirty="0"/>
-              <a:t>data</a:t>
-            </a:r>
-            <a:r>
-              <a:rPr lang="en-US" dirty="0"/>
-              <a:t>))</a:t>
-            </a:r>
-          </a:p>
-          <a:p>
-            <a:pPr lvl="2"/>
-            <a:r>
-              <a:rPr lang="en-US" dirty="0"/>
-              <a:t>Remember the </a:t>
-            </a:r>
-            <a:r>
-              <a:rPr lang="en-US" dirty="0" err="1"/>
-              <a:t>sd</a:t>
-            </a:r>
-            <a:r>
-              <a:rPr lang="en-US" dirty="0"/>
-              <a:t> function gives you SD</a:t>
-            </a:r>
-          </a:p>
-          <a:p>
-            <a:pPr lvl="2"/>
-            <a:r>
-              <a:rPr lang="en-US" dirty="0"/>
-              <a:t>The </a:t>
-            </a:r>
-            <a:r>
-              <a:rPr lang="en-US" dirty="0" err="1"/>
-              <a:t>sqrt</a:t>
-            </a:r>
-            <a:r>
-              <a:rPr lang="en-US" dirty="0"/>
-              <a:t>() function is square root</a:t>
-            </a:r>
-          </a:p>
-          <a:p>
-            <a:pPr lvl="2"/>
-            <a:r>
-              <a:rPr lang="en-US" dirty="0"/>
-              <a:t>length() calculates the number of items or N</a:t>
-            </a:r>
-          </a:p>
-          <a:p>
-            <a:pPr lvl="2"/>
-            <a:r>
-              <a:rPr lang="en-US" dirty="0"/>
-              <a:t>Remember that </a:t>
-            </a:r>
-            <a:r>
-              <a:rPr lang="en-US" i="1" dirty="0"/>
-              <a:t>data</a:t>
-            </a:r>
-            <a:r>
-              <a:rPr lang="en-US" dirty="0"/>
-              <a:t> can be one column or </a:t>
-            </a:r>
-            <a:r>
-              <a:rPr lang="en-US" i="1" dirty="0" err="1"/>
-              <a:t>dataset$column</a:t>
-            </a:r>
+              <a:t>descriptives</a:t>
+            </a:r>
+            <a:r>
+              <a:rPr lang="en-US" dirty="0"/>
+              <a:t> just select “S.E. mean” under Statistics </a:t>
+            </a:r>
+          </a:p>
+          <a:p>
             <a:endParaRPr lang="en-US" dirty="0"/>
           </a:p>
         </p:txBody>
       </p:sp>
+      <p:pic>
+        <p:nvPicPr>
+          <p:cNvPr id="4" name="Picture 3">
+            <a:extLst>
+              <a:ext uri="{FF2B5EF4-FFF2-40B4-BE49-F238E27FC236}">
+                <a16:creationId xmlns:a16="http://schemas.microsoft.com/office/drawing/2014/main" id="{EAEF58C9-5A57-46E2-A4B7-3A851E550210}"/>
+              </a:ext>
+            </a:extLst>
+          </p:cNvPr>
+          <p:cNvPicPr>
+            <a:picLocks noChangeAspect="1"/>
+          </p:cNvPicPr>
+          <p:nvPr/>
+        </p:nvPicPr>
+        <p:blipFill>
+          <a:blip r:embed="rId2"/>
+          <a:stretch>
+            <a:fillRect/>
+          </a:stretch>
+        </p:blipFill>
+        <p:spPr>
+          <a:xfrm>
+            <a:off x="1976437" y="2649644"/>
+            <a:ext cx="5191125" cy="3219450"/>
+          </a:xfrm>
+          <a:prstGeom prst="rect">
+            <a:avLst/>
+          </a:prstGeom>
+        </p:spPr>
+      </p:pic>
     </p:spTree>
     <p:extLst>
       <p:ext uri="{BB962C8B-B14F-4D97-AF65-F5344CB8AC3E}">
-        <p14:creationId xmlns:p14="http://schemas.microsoft.com/office/powerpoint/2010/main" val="3876640845"/>
+        <p14:creationId xmlns:p14="http://schemas.microsoft.com/office/powerpoint/2010/main" val="3419715744"/>
       </p:ext>
     </p:extLst>
   </p:cSld>
@@ -7605,7 +9584,7 @@
 </p:sld>
 </file>
 
-<file path=ppt/slides/slide18.xml><?xml version="1.0" encoding="utf-8"?>
+<file path=ppt/slides/slide2.xml><?xml version="1.0" encoding="utf-8"?>
 <p:sld xmlns:a="http://schemas.openxmlformats.org/drawingml/2006/main" xmlns:r="http://schemas.openxmlformats.org/officeDocument/2006/relationships" xmlns:p="http://schemas.openxmlformats.org/presentationml/2006/main">
   <p:cSld>
     <p:spTree>
@@ -7638,6 +9617,105 @@
           <a:lstStyle/>
           <a:p>
             <a:r>
+              <a:rPr lang="en-US" i="1" dirty="0"/>
+              <a:t>t</a:t>
+            </a:r>
+            <a:r>
+              <a:rPr lang="en-US" dirty="0"/>
+              <a:t> distributions</a:t>
+            </a:r>
+          </a:p>
+        </p:txBody>
+      </p:sp>
+      <p:sp>
+        <p:nvSpPr>
+          <p:cNvPr id="3" name="Content Placeholder 2"/>
+          <p:cNvSpPr>
+            <a:spLocks noGrp="1"/>
+          </p:cNvSpPr>
+          <p:nvPr>
+            <p:ph idx="1"/>
+          </p:nvPr>
+        </p:nvSpPr>
+        <p:spPr/>
+        <p:txBody>
+          <a:bodyPr/>
+          <a:lstStyle/>
+          <a:p>
+            <a:r>
+              <a:rPr lang="en-US" dirty="0"/>
+              <a:t>Sometimes, we do not have the population standard deviation, </a:t>
+            </a:r>
+            <a:r>
+              <a:rPr lang="el-GR" dirty="0"/>
+              <a:t>σ</a:t>
+            </a:r>
+            <a:r>
+              <a:rPr lang="en-US" dirty="0"/>
+              <a:t>.</a:t>
+            </a:r>
+          </a:p>
+          <a:p>
+            <a:pPr lvl="1"/>
+            <a:r>
+              <a:rPr lang="en-US" dirty="0"/>
+              <a:t>Very common!</a:t>
+            </a:r>
+          </a:p>
+          <a:p>
+            <a:r>
+              <a:rPr lang="en-US" dirty="0"/>
+              <a:t>So what can we do?</a:t>
+            </a:r>
+          </a:p>
+        </p:txBody>
+      </p:sp>
+    </p:spTree>
+    <p:extLst>
+      <p:ext uri="{BB962C8B-B14F-4D97-AF65-F5344CB8AC3E}">
+        <p14:creationId xmlns:p14="http://schemas.microsoft.com/office/powerpoint/2010/main" val="1519068949"/>
+      </p:ext>
+    </p:extLst>
+  </p:cSld>
+  <p:clrMapOvr>
+    <a:masterClrMapping/>
+  </p:clrMapOvr>
+</p:sld>
+</file>
+
+<file path=ppt/slides/slide20.xml><?xml version="1.0" encoding="utf-8"?>
+<p:sld xmlns:a="http://schemas.openxmlformats.org/drawingml/2006/main" xmlns:r="http://schemas.openxmlformats.org/officeDocument/2006/relationships" xmlns:p="http://schemas.openxmlformats.org/presentationml/2006/main">
+  <p:cSld>
+    <p:spTree>
+      <p:nvGrpSpPr>
+        <p:cNvPr id="1" name=""/>
+        <p:cNvGrpSpPr/>
+        <p:nvPr/>
+      </p:nvGrpSpPr>
+      <p:grpSpPr>
+        <a:xfrm>
+          <a:off x="0" y="0"/>
+          <a:ext cx="0" cy="0"/>
+          <a:chOff x="0" y="0"/>
+          <a:chExt cx="0" cy="0"/>
+        </a:xfrm>
+      </p:grpSpPr>
+      <p:sp>
+        <p:nvSpPr>
+          <p:cNvPr id="2" name="Title 1"/>
+          <p:cNvSpPr>
+            <a:spLocks noGrp="1"/>
+          </p:cNvSpPr>
+          <p:nvPr>
+            <p:ph type="title"/>
+          </p:nvPr>
+        </p:nvSpPr>
+        <p:spPr/>
+        <p:txBody>
+          <a:bodyPr/>
+          <a:lstStyle/>
+          <a:p>
+            <a:r>
               <a:rPr lang="en-US" dirty="0"/>
               <a:t>Hypothesis Testing: Step 4</a:t>
             </a:r>
@@ -7669,13 +9747,23 @@
             </a:r>
             <a:r>
               <a:rPr lang="en-US" dirty="0"/>
-              <a:t> to find the cut off score</a:t>
-            </a:r>
-          </a:p>
-          <a:p>
-            <a:r>
-              <a:rPr lang="en-US" dirty="0"/>
-              <a:t>j</a:t>
+              <a:t> to find the </a:t>
+            </a:r>
+            <a:r>
+              <a:rPr lang="en-US" i="1" dirty="0" err="1"/>
+              <a:t>t</a:t>
+            </a:r>
+            <a:r>
+              <a:rPr lang="en-US" baseline="-25000" dirty="0" err="1"/>
+              <a:t>critical</a:t>
+            </a:r>
+            <a:r>
+              <a:rPr lang="en-US" baseline="-25000" dirty="0"/>
+              <a:t> </a:t>
+            </a:r>
+            <a:r>
+              <a:rPr lang="en-US" dirty="0"/>
+              <a:t>score</a:t>
             </a:r>
           </a:p>
           <a:p>
@@ -7692,17 +9780,6 @@
               <a:rPr lang="en-US" dirty="0"/>
               <a:t>) is usually set at .05 or .01</a:t>
             </a:r>
-          </a:p>
-          <a:p>
-            <a:pPr lvl="1"/>
-            <a:r>
-              <a:rPr lang="en-US" dirty="0"/>
-              <a:t>Remember, for a two tailed test, do alpha / 2</a:t>
-            </a:r>
-          </a:p>
-          <a:p>
-            <a:pPr lvl="1"/>
-            <a:endParaRPr lang="en-US" dirty="0"/>
           </a:p>
           <a:p>
             <a:pPr lvl="1"/>
@@ -7723,7 +9800,7 @@
 </p:sld>
 </file>
 
-<file path=ppt/slides/slide19.xml><?xml version="1.0" encoding="utf-8"?>
+<file path=ppt/slides/slide21.xml><?xml version="1.0" encoding="utf-8"?>
 <p:sld xmlns:a="http://schemas.openxmlformats.org/drawingml/2006/main" xmlns:r="http://schemas.openxmlformats.org/officeDocument/2006/relationships" xmlns:p="http://schemas.openxmlformats.org/presentationml/2006/main">
   <p:cSld>
     <p:spTree>
@@ -7816,7 +9893,7 @@
 </p:sld>
 </file>
 
-<file path=ppt/slides/slide2.xml><?xml version="1.0" encoding="utf-8"?>
+<file path=ppt/slides/slide22.xml><?xml version="1.0" encoding="utf-8"?>
 <p:sld xmlns:a="http://schemas.openxmlformats.org/drawingml/2006/main" xmlns:r="http://schemas.openxmlformats.org/officeDocument/2006/relationships" xmlns:p="http://schemas.openxmlformats.org/presentationml/2006/main">
   <p:cSld>
     <p:spTree>
@@ -7849,137 +9926,42 @@
           <a:lstStyle/>
           <a:p>
             <a:r>
+              <a:rPr lang="en-US" dirty="0"/>
+              <a:t>Hypothesis Testing: Step 5</a:t>
+            </a:r>
+          </a:p>
+        </p:txBody>
+      </p:sp>
+      <p:sp>
+        <p:nvSpPr>
+          <p:cNvPr id="3" name="Content Placeholder 2"/>
+          <p:cNvSpPr>
+            <a:spLocks noGrp="1"/>
+          </p:cNvSpPr>
+          <p:nvPr>
+            <p:ph idx="1"/>
+          </p:nvPr>
+        </p:nvSpPr>
+        <p:spPr/>
+        <p:txBody>
+          <a:bodyPr/>
+          <a:lstStyle/>
+          <a:p>
+            <a:r>
+              <a:rPr lang="en-US" dirty="0"/>
+              <a:t>The </a:t>
+            </a:r>
+            <a:r>
               <a:rPr lang="en-US" i="1" dirty="0"/>
               <a:t>t</a:t>
             </a:r>
             <a:r>
-              <a:rPr lang="en-US" dirty="0"/>
-              <a:t> distributions</a:t>
-            </a:r>
-          </a:p>
-        </p:txBody>
-      </p:sp>
-      <p:sp>
-        <p:nvSpPr>
-          <p:cNvPr id="3" name="Content Placeholder 2"/>
-          <p:cNvSpPr>
-            <a:spLocks noGrp="1"/>
-          </p:cNvSpPr>
-          <p:nvPr>
-            <p:ph idx="1"/>
-          </p:nvPr>
-        </p:nvSpPr>
-        <p:spPr/>
-        <p:txBody>
-          <a:bodyPr/>
-          <a:lstStyle/>
-          <a:p>
-            <a:r>
-              <a:rPr lang="en-US" dirty="0"/>
-              <a:t>Sometimes, we do not have the population standard deviation, </a:t>
-            </a:r>
-            <a:r>
-              <a:rPr lang="el-GR" dirty="0"/>
-              <a:t>σ</a:t>
-            </a:r>
-            <a:r>
-              <a:rPr lang="en-US" dirty="0"/>
-              <a:t>.</a:t>
-            </a:r>
-          </a:p>
-          <a:p>
-            <a:pPr lvl="1"/>
-            <a:r>
-              <a:rPr lang="en-US" dirty="0"/>
-              <a:t>Very common!</a:t>
-            </a:r>
-          </a:p>
-          <a:p>
-            <a:r>
-              <a:rPr lang="en-US" dirty="0"/>
-              <a:t>So what can we do?</a:t>
-            </a:r>
-          </a:p>
-        </p:txBody>
-      </p:sp>
-    </p:spTree>
-    <p:extLst>
-      <p:ext uri="{BB962C8B-B14F-4D97-AF65-F5344CB8AC3E}">
-        <p14:creationId xmlns:p14="http://schemas.microsoft.com/office/powerpoint/2010/main" val="1519068949"/>
-      </p:ext>
-    </p:extLst>
-  </p:cSld>
-  <p:clrMapOvr>
-    <a:masterClrMapping/>
-  </p:clrMapOvr>
-</p:sld>
-</file>
-
-<file path=ppt/slides/slide20.xml><?xml version="1.0" encoding="utf-8"?>
-<p:sld xmlns:a="http://schemas.openxmlformats.org/drawingml/2006/main" xmlns:r="http://schemas.openxmlformats.org/officeDocument/2006/relationships" xmlns:p="http://schemas.openxmlformats.org/presentationml/2006/main">
-  <p:cSld>
-    <p:spTree>
-      <p:nvGrpSpPr>
-        <p:cNvPr id="1" name=""/>
-        <p:cNvGrpSpPr/>
-        <p:nvPr/>
-      </p:nvGrpSpPr>
-      <p:grpSpPr>
-        <a:xfrm>
-          <a:off x="0" y="0"/>
-          <a:ext cx="0" cy="0"/>
-          <a:chOff x="0" y="0"/>
-          <a:chExt cx="0" cy="0"/>
-        </a:xfrm>
-      </p:grpSpPr>
-      <p:sp>
-        <p:nvSpPr>
-          <p:cNvPr id="2" name="Title 1"/>
-          <p:cNvSpPr>
-            <a:spLocks noGrp="1"/>
-          </p:cNvSpPr>
-          <p:nvPr>
-            <p:ph type="title"/>
-          </p:nvPr>
-        </p:nvSpPr>
-        <p:spPr/>
-        <p:txBody>
-          <a:bodyPr/>
-          <a:lstStyle/>
-          <a:p>
-            <a:r>
-              <a:rPr lang="en-US" dirty="0"/>
-              <a:t>Hypothesis Testing: Step 5</a:t>
-            </a:r>
-          </a:p>
-        </p:txBody>
-      </p:sp>
-      <p:sp>
-        <p:nvSpPr>
-          <p:cNvPr id="3" name="Content Placeholder 2"/>
-          <p:cNvSpPr>
-            <a:spLocks noGrp="1"/>
-          </p:cNvSpPr>
-          <p:nvPr>
-            <p:ph idx="1"/>
-          </p:nvPr>
-        </p:nvSpPr>
-        <p:spPr/>
-        <p:txBody>
-          <a:bodyPr/>
-          <a:lstStyle/>
-          <a:p>
-            <a:r>
-              <a:rPr lang="en-US" dirty="0"/>
-              <a:t>The </a:t>
-            </a:r>
-            <a:r>
-              <a:rPr lang="en-US" i="1" dirty="0"/>
-              <a:t>t</a:t>
-            </a:r>
-            <a:r>
-              <a:rPr lang="en-US" dirty="0"/>
-              <a:t> found statistic</a:t>
+              <a:rPr lang="en-US" baseline="-25000" dirty="0"/>
+              <a:t>actual</a:t>
+            </a:r>
+            <a:r>
+              <a:rPr lang="en-US" dirty="0"/>
+              <a:t> statistic</a:t>
             </a:r>
           </a:p>
         </p:txBody>
@@ -8073,266 +10055,6 @@
 </p:sld>
 </file>
 
-<file path=ppt/slides/slide21.xml><?xml version="1.0" encoding="utf-8"?>
-<p:sld xmlns:a="http://schemas.openxmlformats.org/drawingml/2006/main" xmlns:r="http://schemas.openxmlformats.org/officeDocument/2006/relationships" xmlns:p="http://schemas.openxmlformats.org/presentationml/2006/main">
-  <p:cSld>
-    <p:spTree>
-      <p:nvGrpSpPr>
-        <p:cNvPr id="1" name=""/>
-        <p:cNvGrpSpPr/>
-        <p:nvPr/>
-      </p:nvGrpSpPr>
-      <p:grpSpPr>
-        <a:xfrm>
-          <a:off x="0" y="0"/>
-          <a:ext cx="0" cy="0"/>
-          <a:chOff x="0" y="0"/>
-          <a:chExt cx="0" cy="0"/>
-        </a:xfrm>
-      </p:grpSpPr>
-      <p:sp>
-        <p:nvSpPr>
-          <p:cNvPr id="2" name="Title 1"/>
-          <p:cNvSpPr>
-            <a:spLocks noGrp="1"/>
-          </p:cNvSpPr>
-          <p:nvPr>
-            <p:ph type="title"/>
-          </p:nvPr>
-        </p:nvSpPr>
-        <p:spPr/>
-        <p:txBody>
-          <a:bodyPr/>
-          <a:lstStyle/>
-          <a:p>
-            <a:r>
-              <a:rPr lang="en-US" dirty="0"/>
-              <a:t>Calculating in </a:t>
-            </a:r>
-            <a:r>
-              <a:rPr lang="en-US" i="1" dirty="0"/>
-              <a:t>R</a:t>
-            </a:r>
-          </a:p>
-        </p:txBody>
-      </p:sp>
-      <p:sp>
-        <p:nvSpPr>
-          <p:cNvPr id="3" name="Content Placeholder 2"/>
-          <p:cNvSpPr>
-            <a:spLocks noGrp="1"/>
-          </p:cNvSpPr>
-          <p:nvPr>
-            <p:ph idx="1"/>
-          </p:nvPr>
-        </p:nvSpPr>
-        <p:spPr/>
-        <p:txBody>
-          <a:bodyPr/>
-          <a:lstStyle/>
-          <a:p>
-            <a:r>
-              <a:rPr lang="en-US" dirty="0"/>
-              <a:t>To get </a:t>
-            </a:r>
-            <a:r>
-              <a:rPr lang="en-US" i="1" dirty="0"/>
-              <a:t>t</a:t>
-            </a:r>
-            <a:endParaRPr lang="en-US" dirty="0"/>
-          </a:p>
-          <a:p>
-            <a:pPr lvl="1"/>
-            <a:r>
-              <a:rPr lang="en-US" dirty="0"/>
-              <a:t>Mean – mu / se</a:t>
-            </a:r>
-          </a:p>
-          <a:p>
-            <a:r>
-              <a:rPr lang="en-US" dirty="0"/>
-              <a:t>If you have the calculated numbers (i.e. you are given M, u, SD, N), then you can fill in the formulas.</a:t>
-            </a:r>
-          </a:p>
-          <a:p>
-            <a:r>
-              <a:rPr lang="en-US" dirty="0"/>
-              <a:t>If you are given the raw numbers, then we can calculate with the </a:t>
-            </a:r>
-            <a:r>
-              <a:rPr lang="en-US" dirty="0" err="1"/>
-              <a:t>t.test</a:t>
-            </a:r>
-            <a:r>
-              <a:rPr lang="en-US" dirty="0"/>
-              <a:t>() function. </a:t>
-            </a:r>
-          </a:p>
-        </p:txBody>
-      </p:sp>
-    </p:spTree>
-    <p:extLst>
-      <p:ext uri="{BB962C8B-B14F-4D97-AF65-F5344CB8AC3E}">
-        <p14:creationId xmlns:p14="http://schemas.microsoft.com/office/powerpoint/2010/main" val="952873866"/>
-      </p:ext>
-    </p:extLst>
-  </p:cSld>
-  <p:clrMapOvr>
-    <a:masterClrMapping/>
-  </p:clrMapOvr>
-</p:sld>
-</file>
-
-<file path=ppt/slides/slide22.xml><?xml version="1.0" encoding="utf-8"?>
-<p:sld xmlns:a="http://schemas.openxmlformats.org/drawingml/2006/main" xmlns:r="http://schemas.openxmlformats.org/officeDocument/2006/relationships" xmlns:p="http://schemas.openxmlformats.org/presentationml/2006/main">
-  <p:cSld>
-    <p:spTree>
-      <p:nvGrpSpPr>
-        <p:cNvPr id="1" name=""/>
-        <p:cNvGrpSpPr/>
-        <p:nvPr/>
-      </p:nvGrpSpPr>
-      <p:grpSpPr>
-        <a:xfrm>
-          <a:off x="0" y="0"/>
-          <a:ext cx="0" cy="0"/>
-          <a:chOff x="0" y="0"/>
-          <a:chExt cx="0" cy="0"/>
-        </a:xfrm>
-      </p:grpSpPr>
-      <p:sp>
-        <p:nvSpPr>
-          <p:cNvPr id="2" name="Title 1"/>
-          <p:cNvSpPr>
-            <a:spLocks noGrp="1"/>
-          </p:cNvSpPr>
-          <p:nvPr>
-            <p:ph type="title"/>
-          </p:nvPr>
-        </p:nvSpPr>
-        <p:spPr/>
-        <p:txBody>
-          <a:bodyPr/>
-          <a:lstStyle/>
-          <a:p>
-            <a:r>
-              <a:rPr lang="en-US" dirty="0"/>
-              <a:t>Calculating in </a:t>
-            </a:r>
-            <a:r>
-              <a:rPr lang="en-US" i="1" dirty="0"/>
-              <a:t>R</a:t>
-            </a:r>
-            <a:endParaRPr lang="en-US" dirty="0"/>
-          </a:p>
-        </p:txBody>
-      </p:sp>
-      <p:sp>
-        <p:nvSpPr>
-          <p:cNvPr id="3" name="Content Placeholder 2"/>
-          <p:cNvSpPr>
-            <a:spLocks noGrp="1"/>
-          </p:cNvSpPr>
-          <p:nvPr>
-            <p:ph idx="1"/>
-          </p:nvPr>
-        </p:nvSpPr>
-        <p:spPr/>
-        <p:txBody>
-          <a:bodyPr/>
-          <a:lstStyle/>
-          <a:p>
-            <a:r>
-              <a:rPr lang="en-US" dirty="0" err="1"/>
-              <a:t>t.test</a:t>
-            </a:r>
-            <a:r>
-              <a:rPr lang="en-US" dirty="0"/>
-              <a:t>(</a:t>
-            </a:r>
-            <a:r>
-              <a:rPr lang="en-US" i="1" dirty="0"/>
-              <a:t>column of y data</a:t>
-            </a:r>
-            <a:r>
-              <a:rPr lang="en-US" dirty="0"/>
-              <a:t>,</a:t>
-            </a:r>
-          </a:p>
-          <a:p>
-            <a:pPr marL="457200" lvl="1" indent="0">
-              <a:buNone/>
-            </a:pPr>
-            <a:r>
-              <a:rPr lang="en-US" dirty="0"/>
-              <a:t>mu = #,</a:t>
-            </a:r>
-          </a:p>
-          <a:p>
-            <a:pPr marL="457200" lvl="1" indent="0">
-              <a:buNone/>
-            </a:pPr>
-            <a:r>
-              <a:rPr lang="en-US" dirty="0"/>
-              <a:t>alternative = “less” OR “greater” OR “</a:t>
-            </a:r>
-            <a:r>
-              <a:rPr lang="en-US"/>
-              <a:t>two.sided”,</a:t>
-            </a:r>
-            <a:endParaRPr lang="en-US" dirty="0"/>
-          </a:p>
-          <a:p>
-            <a:pPr marL="457200" lvl="1" indent="0">
-              <a:buNone/>
-            </a:pPr>
-            <a:r>
-              <a:rPr lang="en-US" dirty="0" err="1"/>
-              <a:t>conf.level</a:t>
-            </a:r>
-            <a:r>
-              <a:rPr lang="en-US" dirty="0"/>
-              <a:t> = .95 OR .99)</a:t>
-            </a:r>
-          </a:p>
-          <a:p>
-            <a:pPr marL="457200" lvl="1" indent="0">
-              <a:buNone/>
-            </a:pPr>
-            <a:endParaRPr lang="en-US" dirty="0"/>
-          </a:p>
-          <a:p>
-            <a:pPr marL="457200" lvl="1" indent="0">
-              <a:buNone/>
-            </a:pPr>
-            <a:r>
-              <a:rPr lang="en-US" dirty="0"/>
-              <a:t>Note: alternative and </a:t>
-            </a:r>
-            <a:r>
-              <a:rPr lang="en-US" dirty="0" err="1"/>
-              <a:t>conf.level</a:t>
-            </a:r>
-            <a:r>
-              <a:rPr lang="en-US" dirty="0"/>
-              <a:t> options. </a:t>
-            </a:r>
-          </a:p>
-        </p:txBody>
-      </p:sp>
-    </p:spTree>
-    <p:extLst>
-      <p:ext uri="{BB962C8B-B14F-4D97-AF65-F5344CB8AC3E}">
-        <p14:creationId xmlns:p14="http://schemas.microsoft.com/office/powerpoint/2010/main" val="3651249269"/>
-      </p:ext>
-    </p:extLst>
-  </p:cSld>
-  <p:clrMapOvr>
-    <a:masterClrMapping/>
-  </p:clrMapOvr>
-</p:sld>
-</file>
-
 <file path=ppt/slides/slide23.xml><?xml version="1.0" encoding="utf-8"?>
 <p:sld xmlns:a="http://schemas.openxmlformats.org/drawingml/2006/main" xmlns:r="http://schemas.openxmlformats.org/officeDocument/2006/relationships" xmlns:p="http://schemas.openxmlformats.org/presentationml/2006/main">
   <p:cSld>
@@ -8352,6 +10074,838 @@
       </p:grpSpPr>
       <p:sp>
         <p:nvSpPr>
+          <p:cNvPr id="2" name="Title 1">
+            <a:extLst>
+              <a:ext uri="{FF2B5EF4-FFF2-40B4-BE49-F238E27FC236}">
+                <a16:creationId xmlns:a16="http://schemas.microsoft.com/office/drawing/2014/main" id="{E33A10D4-2CD0-4D1A-93F3-D46B27858BC5}"/>
+              </a:ext>
+            </a:extLst>
+          </p:cNvPr>
+          <p:cNvSpPr>
+            <a:spLocks noGrp="1"/>
+          </p:cNvSpPr>
+          <p:nvPr>
+            <p:ph type="title"/>
+          </p:nvPr>
+        </p:nvSpPr>
+        <p:spPr/>
+        <p:txBody>
+          <a:bodyPr/>
+          <a:lstStyle/>
+          <a:p>
+            <a:r>
+              <a:rPr lang="en-US" dirty="0"/>
+              <a:t>How to </a:t>
+            </a:r>
+            <a:r>
+              <a:rPr lang="en-US" dirty="0" err="1"/>
+              <a:t>JASP</a:t>
+            </a:r>
+            <a:endParaRPr lang="en-US" dirty="0"/>
+          </a:p>
+        </p:txBody>
+      </p:sp>
+      <p:sp>
+        <p:nvSpPr>
+          <p:cNvPr id="3" name="Content Placeholder 2">
+            <a:extLst>
+              <a:ext uri="{FF2B5EF4-FFF2-40B4-BE49-F238E27FC236}">
+                <a16:creationId xmlns:a16="http://schemas.microsoft.com/office/drawing/2014/main" id="{9AABAB63-EA9D-4665-8C35-75392069C90E}"/>
+              </a:ext>
+            </a:extLst>
+          </p:cNvPr>
+          <p:cNvSpPr>
+            <a:spLocks noGrp="1"/>
+          </p:cNvSpPr>
+          <p:nvPr>
+            <p:ph idx="1"/>
+          </p:nvPr>
+        </p:nvSpPr>
+        <p:spPr>
+          <a:xfrm>
+            <a:off x="822959" y="1828800"/>
+            <a:ext cx="7543801" cy="4023360"/>
+          </a:xfrm>
+        </p:spPr>
+        <p:txBody>
+          <a:bodyPr/>
+          <a:lstStyle/>
+          <a:p>
+            <a:r>
+              <a:rPr lang="en-US" dirty="0"/>
+              <a:t>Select the variable you are testing</a:t>
+            </a:r>
+          </a:p>
+          <a:p>
+            <a:r>
+              <a:rPr lang="en-US" dirty="0"/>
+              <a:t>T-tests </a:t>
+            </a:r>
+            <a:r>
+              <a:rPr lang="en-US" dirty="0">
+                <a:sym typeface="Wingdings" panose="05000000000000000000" pitchFamily="2" charset="2"/>
+              </a:rPr>
+              <a:t> One Sample T-Test</a:t>
+            </a:r>
+          </a:p>
+          <a:p>
+            <a:r>
+              <a:rPr lang="en-US" dirty="0">
+                <a:sym typeface="Wingdings" panose="05000000000000000000" pitchFamily="2" charset="2"/>
+              </a:rPr>
+              <a:t>Change the “Test value” to the population mean (</a:t>
+            </a:r>
+            <a:r>
+              <a:rPr lang="el-GR" dirty="0">
+                <a:sym typeface="Wingdings" panose="05000000000000000000" pitchFamily="2" charset="2"/>
+              </a:rPr>
+              <a:t>μ</a:t>
+            </a:r>
+            <a:r>
+              <a:rPr lang="en-US" i="1" baseline="-25000" dirty="0">
+                <a:sym typeface="Wingdings" panose="05000000000000000000" pitchFamily="2" charset="2"/>
+              </a:rPr>
+              <a:t>M</a:t>
+            </a:r>
+            <a:r>
+              <a:rPr lang="en-US" dirty="0">
+                <a:sym typeface="Wingdings" panose="05000000000000000000" pitchFamily="2" charset="2"/>
+              </a:rPr>
+              <a:t>)**</a:t>
+            </a:r>
+          </a:p>
+          <a:p>
+            <a:endParaRPr lang="en-US" dirty="0">
+              <a:sym typeface="Wingdings" panose="05000000000000000000" pitchFamily="2" charset="2"/>
+            </a:endParaRPr>
+          </a:p>
+          <a:p>
+            <a:endParaRPr lang="en-US" dirty="0"/>
+          </a:p>
+        </p:txBody>
+      </p:sp>
+      <p:pic>
+        <p:nvPicPr>
+          <p:cNvPr id="4" name="Picture 3">
+            <a:extLst>
+              <a:ext uri="{FF2B5EF4-FFF2-40B4-BE49-F238E27FC236}">
+                <a16:creationId xmlns:a16="http://schemas.microsoft.com/office/drawing/2014/main" id="{D8C2AB7B-CB4C-43B6-BA26-78B104541040}"/>
+              </a:ext>
+            </a:extLst>
+          </p:cNvPr>
+          <p:cNvPicPr/>
+          <p:nvPr/>
+        </p:nvPicPr>
+        <p:blipFill>
+          <a:blip r:embed="rId3"/>
+          <a:stretch>
+            <a:fillRect/>
+          </a:stretch>
+        </p:blipFill>
+        <p:spPr>
+          <a:xfrm>
+            <a:off x="918047" y="3505200"/>
+            <a:ext cx="3924300" cy="1854200"/>
+          </a:xfrm>
+          <a:prstGeom prst="rect">
+            <a:avLst/>
+          </a:prstGeom>
+        </p:spPr>
+      </p:pic>
+      <p:pic>
+        <p:nvPicPr>
+          <p:cNvPr id="6" name="Picture 5">
+            <a:extLst>
+              <a:ext uri="{FF2B5EF4-FFF2-40B4-BE49-F238E27FC236}">
+                <a16:creationId xmlns:a16="http://schemas.microsoft.com/office/drawing/2014/main" id="{4A4299D1-0B8D-4A81-8BFA-C044BC5A3E83}"/>
+              </a:ext>
+            </a:extLst>
+          </p:cNvPr>
+          <p:cNvPicPr>
+            <a:picLocks noChangeAspect="1"/>
+          </p:cNvPicPr>
+          <p:nvPr/>
+        </p:nvPicPr>
+        <p:blipFill rotWithShape="1">
+          <a:blip r:embed="rId4"/>
+          <a:srcRect r="59929" b="28901"/>
+          <a:stretch/>
+        </p:blipFill>
+        <p:spPr>
+          <a:xfrm>
+            <a:off x="6019800" y="3276600"/>
+            <a:ext cx="2070440" cy="2884949"/>
+          </a:xfrm>
+          <a:prstGeom prst="rect">
+            <a:avLst/>
+          </a:prstGeom>
+        </p:spPr>
+      </p:pic>
+      <p:sp>
+        <p:nvSpPr>
+          <p:cNvPr id="7" name="Arrow: Down 6">
+            <a:extLst>
+              <a:ext uri="{FF2B5EF4-FFF2-40B4-BE49-F238E27FC236}">
+                <a16:creationId xmlns:a16="http://schemas.microsoft.com/office/drawing/2014/main" id="{1211A7C9-8F0D-4E42-A0E1-4C49BD81F958}"/>
+              </a:ext>
+            </a:extLst>
+          </p:cNvPr>
+          <p:cNvSpPr/>
+          <p:nvPr/>
+        </p:nvSpPr>
+        <p:spPr>
+          <a:xfrm rot="13994829">
+            <a:off x="5307331" y="4613046"/>
+            <a:ext cx="601980" cy="832717"/>
+          </a:xfrm>
+          <a:prstGeom prst="downArrow">
+            <a:avLst/>
+          </a:prstGeom>
+        </p:spPr>
+        <p:style>
+          <a:lnRef idx="2">
+            <a:schemeClr val="accent1">
+              <a:shade val="50000"/>
+            </a:schemeClr>
+          </a:lnRef>
+          <a:fillRef idx="1">
+            <a:schemeClr val="accent1"/>
+          </a:fillRef>
+          <a:effectRef idx="0">
+            <a:schemeClr val="accent1"/>
+          </a:effectRef>
+          <a:fontRef idx="minor">
+            <a:schemeClr val="lt1"/>
+          </a:fontRef>
+        </p:style>
+        <p:txBody>
+          <a:bodyPr rot="0" spcFirstLastPara="0" vert="horz" wrap="square" lIns="91440" tIns="45720" rIns="91440" bIns="45720" numCol="1" spcCol="0" rtlCol="0" fromWordArt="0" anchor="ctr" anchorCtr="0" forceAA="0" compatLnSpc="1">
+            <a:prstTxWarp prst="textNoShape">
+              <a:avLst/>
+            </a:prstTxWarp>
+            <a:noAutofit/>
+          </a:bodyPr>
+          <a:lstStyle/>
+          <a:p>
+            <a:endParaRPr lang="en-US"/>
+          </a:p>
+        </p:txBody>
+      </p:sp>
+    </p:spTree>
+    <p:extLst>
+      <p:ext uri="{BB962C8B-B14F-4D97-AF65-F5344CB8AC3E}">
+        <p14:creationId xmlns:p14="http://schemas.microsoft.com/office/powerpoint/2010/main" val="141736489"/>
+      </p:ext>
+    </p:extLst>
+  </p:cSld>
+  <p:clrMapOvr>
+    <a:masterClrMapping/>
+  </p:clrMapOvr>
+</p:sld>
+</file>
+
+<file path=ppt/slides/slide24.xml><?xml version="1.0" encoding="utf-8"?>
+<p:sld xmlns:a="http://schemas.openxmlformats.org/drawingml/2006/main" xmlns:r="http://schemas.openxmlformats.org/officeDocument/2006/relationships" xmlns:p="http://schemas.openxmlformats.org/presentationml/2006/main">
+  <p:cSld>
+    <p:spTree>
+      <p:nvGrpSpPr>
+        <p:cNvPr id="1" name=""/>
+        <p:cNvGrpSpPr/>
+        <p:nvPr/>
+      </p:nvGrpSpPr>
+      <p:grpSpPr>
+        <a:xfrm>
+          <a:off x="0" y="0"/>
+          <a:ext cx="0" cy="0"/>
+          <a:chOff x="0" y="0"/>
+          <a:chExt cx="0" cy="0"/>
+        </a:xfrm>
+      </p:grpSpPr>
+      <p:sp>
+        <p:nvSpPr>
+          <p:cNvPr id="2" name="Title 1">
+            <a:extLst>
+              <a:ext uri="{FF2B5EF4-FFF2-40B4-BE49-F238E27FC236}">
+                <a16:creationId xmlns:a16="http://schemas.microsoft.com/office/drawing/2014/main" id="{E33A10D4-2CD0-4D1A-93F3-D46B27858BC5}"/>
+              </a:ext>
+            </a:extLst>
+          </p:cNvPr>
+          <p:cNvSpPr>
+            <a:spLocks noGrp="1"/>
+          </p:cNvSpPr>
+          <p:nvPr>
+            <p:ph type="title"/>
+          </p:nvPr>
+        </p:nvSpPr>
+        <p:spPr/>
+        <p:txBody>
+          <a:bodyPr/>
+          <a:lstStyle/>
+          <a:p>
+            <a:r>
+              <a:rPr lang="en-US" dirty="0"/>
+              <a:t>How to </a:t>
+            </a:r>
+            <a:r>
+              <a:rPr lang="en-US" dirty="0" err="1"/>
+              <a:t>JASP</a:t>
+            </a:r>
+            <a:endParaRPr lang="en-US" dirty="0"/>
+          </a:p>
+        </p:txBody>
+      </p:sp>
+      <p:sp>
+        <p:nvSpPr>
+          <p:cNvPr id="3" name="Content Placeholder 2">
+            <a:extLst>
+              <a:ext uri="{FF2B5EF4-FFF2-40B4-BE49-F238E27FC236}">
+                <a16:creationId xmlns:a16="http://schemas.microsoft.com/office/drawing/2014/main" id="{9AABAB63-EA9D-4665-8C35-75392069C90E}"/>
+              </a:ext>
+            </a:extLst>
+          </p:cNvPr>
+          <p:cNvSpPr>
+            <a:spLocks noGrp="1"/>
+          </p:cNvSpPr>
+          <p:nvPr>
+            <p:ph idx="1"/>
+          </p:nvPr>
+        </p:nvSpPr>
+        <p:spPr>
+          <a:xfrm>
+            <a:off x="822959" y="1828800"/>
+            <a:ext cx="7543801" cy="4023360"/>
+          </a:xfrm>
+        </p:spPr>
+        <p:txBody>
+          <a:bodyPr/>
+          <a:lstStyle/>
+          <a:p>
+            <a:r>
+              <a:rPr lang="en-US" dirty="0"/>
+              <a:t>Under “Hypothesis” pick the type of test you decided on (two-tailed/non-directional or one-tailed/directional)</a:t>
+            </a:r>
+          </a:p>
+          <a:p>
+            <a:r>
+              <a:rPr lang="en-US" dirty="0"/>
+              <a:t>We are going to do a two-tailed test, so we are testing if our sample is different from the population </a:t>
+            </a:r>
+          </a:p>
+        </p:txBody>
+      </p:sp>
+      <p:pic>
+        <p:nvPicPr>
+          <p:cNvPr id="11" name="Picture 10">
+            <a:extLst>
+              <a:ext uri="{FF2B5EF4-FFF2-40B4-BE49-F238E27FC236}">
+                <a16:creationId xmlns:a16="http://schemas.microsoft.com/office/drawing/2014/main" id="{F81F5402-DE4C-4B5C-9E6B-D95585CE195E}"/>
+              </a:ext>
+            </a:extLst>
+          </p:cNvPr>
+          <p:cNvPicPr/>
+          <p:nvPr/>
+        </p:nvPicPr>
+        <p:blipFill>
+          <a:blip r:embed="rId3"/>
+          <a:stretch>
+            <a:fillRect/>
+          </a:stretch>
+        </p:blipFill>
+        <p:spPr>
+          <a:xfrm>
+            <a:off x="3810000" y="3778111"/>
+            <a:ext cx="3962400" cy="1917700"/>
+          </a:xfrm>
+          <a:prstGeom prst="rect">
+            <a:avLst/>
+          </a:prstGeom>
+        </p:spPr>
+      </p:pic>
+      <p:sp>
+        <p:nvSpPr>
+          <p:cNvPr id="12" name="Arrow: Down 11">
+            <a:extLst>
+              <a:ext uri="{FF2B5EF4-FFF2-40B4-BE49-F238E27FC236}">
+                <a16:creationId xmlns:a16="http://schemas.microsoft.com/office/drawing/2014/main" id="{2A165310-0463-4826-BA01-48CA87B5A57B}"/>
+              </a:ext>
+            </a:extLst>
+          </p:cNvPr>
+          <p:cNvSpPr/>
+          <p:nvPr/>
+        </p:nvSpPr>
+        <p:spPr>
+          <a:xfrm rot="7551075">
+            <a:off x="7471410" y="5279452"/>
+            <a:ext cx="601980" cy="832717"/>
+          </a:xfrm>
+          <a:prstGeom prst="downArrow">
+            <a:avLst/>
+          </a:prstGeom>
+        </p:spPr>
+        <p:style>
+          <a:lnRef idx="2">
+            <a:schemeClr val="accent1">
+              <a:shade val="50000"/>
+            </a:schemeClr>
+          </a:lnRef>
+          <a:fillRef idx="1">
+            <a:schemeClr val="accent1"/>
+          </a:fillRef>
+          <a:effectRef idx="0">
+            <a:schemeClr val="accent1"/>
+          </a:effectRef>
+          <a:fontRef idx="minor">
+            <a:schemeClr val="lt1"/>
+          </a:fontRef>
+        </p:style>
+        <p:txBody>
+          <a:bodyPr rot="0" spcFirstLastPara="0" vert="horz" wrap="square" lIns="91440" tIns="45720" rIns="91440" bIns="45720" numCol="1" spcCol="0" rtlCol="0" fromWordArt="0" anchor="ctr" anchorCtr="0" forceAA="0" compatLnSpc="1">
+            <a:prstTxWarp prst="textNoShape">
+              <a:avLst/>
+            </a:prstTxWarp>
+            <a:noAutofit/>
+          </a:bodyPr>
+          <a:lstStyle/>
+          <a:p>
+            <a:endParaRPr lang="en-US"/>
+          </a:p>
+        </p:txBody>
+      </p:sp>
+      <p:pic>
+        <p:nvPicPr>
+          <p:cNvPr id="13" name="Picture 12">
+            <a:extLst>
+              <a:ext uri="{FF2B5EF4-FFF2-40B4-BE49-F238E27FC236}">
+                <a16:creationId xmlns:a16="http://schemas.microsoft.com/office/drawing/2014/main" id="{07F8C535-68B0-4E7B-8BC9-FCCAB8D6F3AF}"/>
+              </a:ext>
+            </a:extLst>
+          </p:cNvPr>
+          <p:cNvPicPr>
+            <a:picLocks noChangeAspect="1"/>
+          </p:cNvPicPr>
+          <p:nvPr/>
+        </p:nvPicPr>
+        <p:blipFill rotWithShape="1">
+          <a:blip r:embed="rId4"/>
+          <a:srcRect r="59929" b="28901"/>
+          <a:stretch/>
+        </p:blipFill>
+        <p:spPr>
+          <a:xfrm>
+            <a:off x="1172542" y="3336780"/>
+            <a:ext cx="2043098" cy="2846850"/>
+          </a:xfrm>
+          <a:prstGeom prst="rect">
+            <a:avLst/>
+          </a:prstGeom>
+        </p:spPr>
+      </p:pic>
+      <p:sp>
+        <p:nvSpPr>
+          <p:cNvPr id="14" name="Arrow: Down 13">
+            <a:extLst>
+              <a:ext uri="{FF2B5EF4-FFF2-40B4-BE49-F238E27FC236}">
+                <a16:creationId xmlns:a16="http://schemas.microsoft.com/office/drawing/2014/main" id="{A8118AB3-6596-4BB7-B87B-1519C079D64E}"/>
+              </a:ext>
+            </a:extLst>
+          </p:cNvPr>
+          <p:cNvSpPr/>
+          <p:nvPr/>
+        </p:nvSpPr>
+        <p:spPr>
+          <a:xfrm rot="13994829">
+            <a:off x="456650" y="5295782"/>
+            <a:ext cx="601980" cy="832717"/>
+          </a:xfrm>
+          <a:prstGeom prst="downArrow">
+            <a:avLst/>
+          </a:prstGeom>
+        </p:spPr>
+        <p:style>
+          <a:lnRef idx="2">
+            <a:schemeClr val="accent1">
+              <a:shade val="50000"/>
+            </a:schemeClr>
+          </a:lnRef>
+          <a:fillRef idx="1">
+            <a:schemeClr val="accent1"/>
+          </a:fillRef>
+          <a:effectRef idx="0">
+            <a:schemeClr val="accent1"/>
+          </a:effectRef>
+          <a:fontRef idx="minor">
+            <a:schemeClr val="lt1"/>
+          </a:fontRef>
+        </p:style>
+        <p:txBody>
+          <a:bodyPr rot="0" spcFirstLastPara="0" vert="horz" wrap="square" lIns="91440" tIns="45720" rIns="91440" bIns="45720" numCol="1" spcCol="0" rtlCol="0" fromWordArt="0" anchor="ctr" anchorCtr="0" forceAA="0" compatLnSpc="1">
+            <a:prstTxWarp prst="textNoShape">
+              <a:avLst/>
+            </a:prstTxWarp>
+            <a:noAutofit/>
+          </a:bodyPr>
+          <a:lstStyle/>
+          <a:p>
+            <a:endParaRPr lang="en-US"/>
+          </a:p>
+        </p:txBody>
+      </p:sp>
+    </p:spTree>
+    <p:extLst>
+      <p:ext uri="{BB962C8B-B14F-4D97-AF65-F5344CB8AC3E}">
+        <p14:creationId xmlns:p14="http://schemas.microsoft.com/office/powerpoint/2010/main" val="1983077318"/>
+      </p:ext>
+    </p:extLst>
+  </p:cSld>
+  <p:clrMapOvr>
+    <a:masterClrMapping/>
+  </p:clrMapOvr>
+</p:sld>
+</file>
+
+<file path=ppt/slides/slide25.xml><?xml version="1.0" encoding="utf-8"?>
+<p:sld xmlns:a="http://schemas.openxmlformats.org/drawingml/2006/main" xmlns:r="http://schemas.openxmlformats.org/officeDocument/2006/relationships" xmlns:p="http://schemas.openxmlformats.org/presentationml/2006/main">
+  <p:cSld>
+    <p:spTree>
+      <p:nvGrpSpPr>
+        <p:cNvPr id="1" name=""/>
+        <p:cNvGrpSpPr/>
+        <p:nvPr/>
+      </p:nvGrpSpPr>
+      <p:grpSpPr>
+        <a:xfrm>
+          <a:off x="0" y="0"/>
+          <a:ext cx="0" cy="0"/>
+          <a:chOff x="0" y="0"/>
+          <a:chExt cx="0" cy="0"/>
+        </a:xfrm>
+      </p:grpSpPr>
+      <p:sp>
+        <p:nvSpPr>
+          <p:cNvPr id="2" name="Title 1">
+            <a:extLst>
+              <a:ext uri="{FF2B5EF4-FFF2-40B4-BE49-F238E27FC236}">
+                <a16:creationId xmlns:a16="http://schemas.microsoft.com/office/drawing/2014/main" id="{A63E1069-128D-4A90-AC0B-191F99273C3F}"/>
+              </a:ext>
+            </a:extLst>
+          </p:cNvPr>
+          <p:cNvSpPr>
+            <a:spLocks noGrp="1"/>
+          </p:cNvSpPr>
+          <p:nvPr>
+            <p:ph type="title"/>
+          </p:nvPr>
+        </p:nvSpPr>
+        <p:spPr/>
+        <p:txBody>
+          <a:bodyPr/>
+          <a:lstStyle/>
+          <a:p>
+            <a:r>
+              <a:rPr lang="en-US" dirty="0"/>
+              <a:t>How to </a:t>
+            </a:r>
+            <a:r>
+              <a:rPr lang="en-US" dirty="0" err="1"/>
+              <a:t>JASP</a:t>
+            </a:r>
+            <a:endParaRPr lang="en-US" dirty="0"/>
+          </a:p>
+        </p:txBody>
+      </p:sp>
+      <p:sp>
+        <p:nvSpPr>
+          <p:cNvPr id="3" name="Content Placeholder 2">
+            <a:extLst>
+              <a:ext uri="{FF2B5EF4-FFF2-40B4-BE49-F238E27FC236}">
+                <a16:creationId xmlns:a16="http://schemas.microsoft.com/office/drawing/2014/main" id="{96EEBBE8-5A09-481D-97EB-9021ACE891B5}"/>
+              </a:ext>
+            </a:extLst>
+          </p:cNvPr>
+          <p:cNvSpPr>
+            <a:spLocks noGrp="1"/>
+          </p:cNvSpPr>
+          <p:nvPr>
+            <p:ph idx="1"/>
+          </p:nvPr>
+        </p:nvSpPr>
+        <p:spPr/>
+        <p:txBody>
+          <a:bodyPr>
+            <a:normAutofit/>
+          </a:bodyPr>
+          <a:lstStyle/>
+          <a:p>
+            <a:r>
+              <a:rPr lang="en-US" dirty="0"/>
+              <a:t>To see if you meet the assumption of normality, select the “Normality” box under “Assumption Checks”</a:t>
+            </a:r>
+          </a:p>
+          <a:p>
+            <a:endParaRPr lang="en-US" dirty="0"/>
+          </a:p>
+          <a:p>
+            <a:endParaRPr lang="en-US" dirty="0"/>
+          </a:p>
+          <a:p>
+            <a:endParaRPr lang="en-US" dirty="0"/>
+          </a:p>
+          <a:p>
+            <a:endParaRPr lang="en-US" dirty="0"/>
+          </a:p>
+          <a:p>
+            <a:endParaRPr lang="en-US" dirty="0"/>
+          </a:p>
+          <a:p>
+            <a:r>
+              <a:rPr lang="en-US" dirty="0"/>
+              <a:t>                                                                </a:t>
+            </a:r>
+          </a:p>
+        </p:txBody>
+      </p:sp>
+      <p:pic>
+        <p:nvPicPr>
+          <p:cNvPr id="10" name="Picture 9">
+            <a:extLst>
+              <a:ext uri="{FF2B5EF4-FFF2-40B4-BE49-F238E27FC236}">
+                <a16:creationId xmlns:a16="http://schemas.microsoft.com/office/drawing/2014/main" id="{B888CE0D-DAD6-48A0-81C7-0063B7A0CDCC}"/>
+              </a:ext>
+            </a:extLst>
+          </p:cNvPr>
+          <p:cNvPicPr>
+            <a:picLocks noChangeAspect="1"/>
+          </p:cNvPicPr>
+          <p:nvPr/>
+        </p:nvPicPr>
+        <p:blipFill rotWithShape="1">
+          <a:blip r:embed="rId3"/>
+          <a:srcRect r="33347"/>
+          <a:stretch/>
+        </p:blipFill>
+        <p:spPr>
+          <a:xfrm>
+            <a:off x="3733800" y="2743200"/>
+            <a:ext cx="4745340" cy="1177347"/>
+          </a:xfrm>
+          <a:prstGeom prst="rect">
+            <a:avLst/>
+          </a:prstGeom>
+        </p:spPr>
+      </p:pic>
+      <p:pic>
+        <p:nvPicPr>
+          <p:cNvPr id="11" name="Picture 10">
+            <a:extLst>
+              <a:ext uri="{FF2B5EF4-FFF2-40B4-BE49-F238E27FC236}">
+                <a16:creationId xmlns:a16="http://schemas.microsoft.com/office/drawing/2014/main" id="{5AEF4FE5-7223-46A9-AED8-9A87555D674D}"/>
+              </a:ext>
+            </a:extLst>
+          </p:cNvPr>
+          <p:cNvPicPr>
+            <a:picLocks noChangeAspect="1"/>
+          </p:cNvPicPr>
+          <p:nvPr/>
+        </p:nvPicPr>
+        <p:blipFill rotWithShape="1">
+          <a:blip r:embed="rId4"/>
+          <a:srcRect t="28453" r="59070"/>
+          <a:stretch/>
+        </p:blipFill>
+        <p:spPr>
+          <a:xfrm>
+            <a:off x="1027397" y="2676854"/>
+            <a:ext cx="2325403" cy="3192240"/>
+          </a:xfrm>
+          <a:prstGeom prst="rect">
+            <a:avLst/>
+          </a:prstGeom>
+        </p:spPr>
+      </p:pic>
+      <p:sp>
+        <p:nvSpPr>
+          <p:cNvPr id="5" name="Arrow: Down 4">
+            <a:extLst>
+              <a:ext uri="{FF2B5EF4-FFF2-40B4-BE49-F238E27FC236}">
+                <a16:creationId xmlns:a16="http://schemas.microsoft.com/office/drawing/2014/main" id="{F5BD1334-89EB-4AAA-9C80-6B6867842034}"/>
+              </a:ext>
+            </a:extLst>
+          </p:cNvPr>
+          <p:cNvSpPr/>
+          <p:nvPr/>
+        </p:nvSpPr>
+        <p:spPr>
+          <a:xfrm rot="13994829">
+            <a:off x="408906" y="5194576"/>
+            <a:ext cx="601980" cy="832717"/>
+          </a:xfrm>
+          <a:prstGeom prst="downArrow">
+            <a:avLst/>
+          </a:prstGeom>
+        </p:spPr>
+        <p:style>
+          <a:lnRef idx="2">
+            <a:schemeClr val="accent1">
+              <a:shade val="50000"/>
+            </a:schemeClr>
+          </a:lnRef>
+          <a:fillRef idx="1">
+            <a:schemeClr val="accent1"/>
+          </a:fillRef>
+          <a:effectRef idx="0">
+            <a:schemeClr val="accent1"/>
+          </a:effectRef>
+          <a:fontRef idx="minor">
+            <a:schemeClr val="lt1"/>
+          </a:fontRef>
+        </p:style>
+        <p:txBody>
+          <a:bodyPr rot="0" spcFirstLastPara="0" vert="horz" wrap="square" lIns="91440" tIns="45720" rIns="91440" bIns="45720" numCol="1" spcCol="0" rtlCol="0" fromWordArt="0" anchor="ctr" anchorCtr="0" forceAA="0" compatLnSpc="1">
+            <a:prstTxWarp prst="textNoShape">
+              <a:avLst/>
+            </a:prstTxWarp>
+            <a:noAutofit/>
+          </a:bodyPr>
+          <a:lstStyle/>
+          <a:p>
+            <a:endParaRPr lang="en-US"/>
+          </a:p>
+        </p:txBody>
+      </p:sp>
+      <p:sp>
+        <p:nvSpPr>
+          <p:cNvPr id="12" name="Arrow: Down 11">
+            <a:extLst>
+              <a:ext uri="{FF2B5EF4-FFF2-40B4-BE49-F238E27FC236}">
+                <a16:creationId xmlns:a16="http://schemas.microsoft.com/office/drawing/2014/main" id="{5F5356B5-1BC3-45D3-92DE-F5ECA8E580F3}"/>
+              </a:ext>
+            </a:extLst>
+          </p:cNvPr>
+          <p:cNvSpPr/>
+          <p:nvPr/>
+        </p:nvSpPr>
+        <p:spPr>
+          <a:xfrm rot="7992206">
+            <a:off x="8270208" y="3612562"/>
+            <a:ext cx="601980" cy="832717"/>
+          </a:xfrm>
+          <a:prstGeom prst="downArrow">
+            <a:avLst/>
+          </a:prstGeom>
+        </p:spPr>
+        <p:style>
+          <a:lnRef idx="2">
+            <a:schemeClr val="accent1">
+              <a:shade val="50000"/>
+            </a:schemeClr>
+          </a:lnRef>
+          <a:fillRef idx="1">
+            <a:schemeClr val="accent1"/>
+          </a:fillRef>
+          <a:effectRef idx="0">
+            <a:schemeClr val="accent1"/>
+          </a:effectRef>
+          <a:fontRef idx="minor">
+            <a:schemeClr val="lt1"/>
+          </a:fontRef>
+        </p:style>
+        <p:txBody>
+          <a:bodyPr rot="0" spcFirstLastPara="0" vert="horz" wrap="square" lIns="91440" tIns="45720" rIns="91440" bIns="45720" numCol="1" spcCol="0" rtlCol="0" fromWordArt="0" anchor="ctr" anchorCtr="0" forceAA="0" compatLnSpc="1">
+            <a:prstTxWarp prst="textNoShape">
+              <a:avLst/>
+            </a:prstTxWarp>
+            <a:noAutofit/>
+          </a:bodyPr>
+          <a:lstStyle/>
+          <a:p>
+            <a:endParaRPr lang="en-US"/>
+          </a:p>
+        </p:txBody>
+      </p:sp>
+      <p:sp>
+        <p:nvSpPr>
+          <p:cNvPr id="13" name="TextBox 12">
+            <a:extLst>
+              <a:ext uri="{FF2B5EF4-FFF2-40B4-BE49-F238E27FC236}">
+                <a16:creationId xmlns:a16="http://schemas.microsoft.com/office/drawing/2014/main" id="{F9DAD693-B411-496E-8F7F-92999B7B195A}"/>
+              </a:ext>
+            </a:extLst>
+          </p:cNvPr>
+          <p:cNvSpPr txBox="1"/>
+          <p:nvPr/>
+        </p:nvSpPr>
+        <p:spPr>
+          <a:xfrm>
+            <a:off x="3557238" y="4169165"/>
+            <a:ext cx="4745340" cy="1569660"/>
+          </a:xfrm>
+          <a:prstGeom prst="rect">
+            <a:avLst/>
+          </a:prstGeom>
+          <a:noFill/>
+        </p:spPr>
+        <p:txBody>
+          <a:bodyPr wrap="square" rtlCol="0">
+            <a:spAutoFit/>
+          </a:bodyPr>
+          <a:lstStyle/>
+          <a:p>
+            <a:r>
+              <a:rPr lang="en-US" sz="2400" dirty="0"/>
+              <a:t>If the Shapiro-Wilk test </a:t>
+            </a:r>
+            <a:r>
+              <a:rPr lang="en-US" sz="2400" i="1" dirty="0"/>
+              <a:t>p </a:t>
+            </a:r>
+            <a:r>
+              <a:rPr lang="en-US" sz="2400" dirty="0"/>
+              <a:t>&lt; .05, your data does not meet normality</a:t>
+            </a:r>
+          </a:p>
+          <a:p>
+            <a:endParaRPr lang="en-US" sz="2400" dirty="0"/>
+          </a:p>
+          <a:p>
+            <a:r>
+              <a:rPr lang="en-US" sz="2400" dirty="0"/>
+              <a:t>Is this okay? Why? </a:t>
+            </a:r>
+          </a:p>
+        </p:txBody>
+      </p:sp>
+    </p:spTree>
+    <p:extLst>
+      <p:ext uri="{BB962C8B-B14F-4D97-AF65-F5344CB8AC3E}">
+        <p14:creationId xmlns:p14="http://schemas.microsoft.com/office/powerpoint/2010/main" val="917270577"/>
+      </p:ext>
+    </p:extLst>
+  </p:cSld>
+  <p:clrMapOvr>
+    <a:masterClrMapping/>
+  </p:clrMapOvr>
+</p:sld>
+</file>
+
+<file path=ppt/slides/slide26.xml><?xml version="1.0" encoding="utf-8"?>
+<p:sld xmlns:a="http://schemas.openxmlformats.org/drawingml/2006/main" xmlns:r="http://schemas.openxmlformats.org/officeDocument/2006/relationships" xmlns:p="http://schemas.openxmlformats.org/presentationml/2006/main">
+  <p:cSld>
+    <p:spTree>
+      <p:nvGrpSpPr>
+        <p:cNvPr id="1" name=""/>
+        <p:cNvGrpSpPr/>
+        <p:nvPr/>
+      </p:nvGrpSpPr>
+      <p:grpSpPr>
+        <a:xfrm>
+          <a:off x="0" y="0"/>
+          <a:ext cx="0" cy="0"/>
+          <a:chOff x="0" y="0"/>
+          <a:chExt cx="0" cy="0"/>
+        </a:xfrm>
+      </p:grpSpPr>
+      <p:sp>
+        <p:nvSpPr>
           <p:cNvPr id="2" name="Title 1"/>
           <p:cNvSpPr>
             <a:spLocks noGrp="1"/>
@@ -8427,7 +10981,7 @@
 </p:sld>
 </file>
 
-<file path=ppt/slides/slide24.xml><?xml version="1.0" encoding="utf-8"?>
+<file path=ppt/slides/slide27.xml><?xml version="1.0" encoding="utf-8"?>
 <p:sld xmlns:a="http://schemas.openxmlformats.org/drawingml/2006/main" xmlns:r="http://schemas.openxmlformats.org/officeDocument/2006/relationships" xmlns:p="http://schemas.openxmlformats.org/presentationml/2006/main">
   <p:cSld>
     <p:spTree>
@@ -8598,345 +11152,6 @@
 </p:sld>
 </file>
 
-<file path=ppt/slides/slide25.xml><?xml version="1.0" encoding="utf-8"?>
-<p:sld xmlns:a="http://schemas.openxmlformats.org/drawingml/2006/main" xmlns:r="http://schemas.openxmlformats.org/officeDocument/2006/relationships" xmlns:p="http://schemas.openxmlformats.org/presentationml/2006/main">
-  <p:cSld>
-    <p:spTree>
-      <p:nvGrpSpPr>
-        <p:cNvPr id="1" name=""/>
-        <p:cNvGrpSpPr/>
-        <p:nvPr/>
-      </p:nvGrpSpPr>
-      <p:grpSpPr>
-        <a:xfrm>
-          <a:off x="0" y="0"/>
-          <a:ext cx="0" cy="0"/>
-          <a:chOff x="0" y="0"/>
-          <a:chExt cx="0" cy="0"/>
-        </a:xfrm>
-      </p:grpSpPr>
-      <p:sp>
-        <p:nvSpPr>
-          <p:cNvPr id="2" name="Title 1"/>
-          <p:cNvSpPr>
-            <a:spLocks noGrp="1"/>
-          </p:cNvSpPr>
-          <p:nvPr>
-            <p:ph type="title"/>
-          </p:nvPr>
-        </p:nvSpPr>
-        <p:spPr/>
-        <p:txBody>
-          <a:bodyPr/>
-          <a:lstStyle/>
-          <a:p>
-            <a:r>
-              <a:rPr lang="en-US" dirty="0"/>
-              <a:t>Confidence Interval</a:t>
-            </a:r>
-          </a:p>
-        </p:txBody>
-      </p:sp>
-      <p:sp>
-        <p:nvSpPr>
-          <p:cNvPr id="3" name="Content Placeholder 2"/>
-          <p:cNvSpPr>
-            <a:spLocks noGrp="1"/>
-          </p:cNvSpPr>
-          <p:nvPr>
-            <p:ph idx="1"/>
-          </p:nvPr>
-        </p:nvSpPr>
-        <p:spPr/>
-        <p:txBody>
-          <a:bodyPr/>
-          <a:lstStyle/>
-          <a:p>
-            <a:r>
-              <a:rPr lang="en-US" dirty="0"/>
-              <a:t>We are usually discussing two-tailed confidence intervals</a:t>
-            </a:r>
-          </a:p>
-          <a:p>
-            <a:pPr lvl="1"/>
-            <a:r>
-              <a:rPr lang="en-US" dirty="0"/>
-              <a:t>You can do one tailed confidence intervals but they are not very common.</a:t>
-            </a:r>
-          </a:p>
-          <a:p>
-            <a:r>
-              <a:rPr lang="en-US" dirty="0"/>
-              <a:t>They are calculated in the same way as </a:t>
-            </a:r>
-            <a:r>
-              <a:rPr lang="en-US" i="1" dirty="0"/>
-              <a:t>z</a:t>
-            </a:r>
-            <a:r>
-              <a:rPr lang="en-US" dirty="0"/>
-              <a:t>-tests but with a </a:t>
-            </a:r>
-            <a:r>
-              <a:rPr lang="en-US" i="1" dirty="0"/>
-              <a:t>t</a:t>
-            </a:r>
-            <a:r>
-              <a:rPr lang="en-US" dirty="0"/>
-              <a:t>-critical instead of </a:t>
-            </a:r>
-            <a:r>
-              <a:rPr lang="en-US" i="1" dirty="0"/>
-              <a:t>z</a:t>
-            </a:r>
-            <a:r>
-              <a:rPr lang="en-US" dirty="0"/>
-              <a:t>-critical</a:t>
-            </a:r>
-          </a:p>
-        </p:txBody>
-      </p:sp>
-    </p:spTree>
-    <p:extLst>
-      <p:ext uri="{BB962C8B-B14F-4D97-AF65-F5344CB8AC3E}">
-        <p14:creationId xmlns:p14="http://schemas.microsoft.com/office/powerpoint/2010/main" val="1011661018"/>
-      </p:ext>
-    </p:extLst>
-  </p:cSld>
-  <p:clrMapOvr>
-    <a:masterClrMapping/>
-  </p:clrMapOvr>
-</p:sld>
-</file>
-
-<file path=ppt/slides/slide26.xml><?xml version="1.0" encoding="utf-8"?>
-<p:sld xmlns:a="http://schemas.openxmlformats.org/drawingml/2006/main" xmlns:r="http://schemas.openxmlformats.org/officeDocument/2006/relationships" xmlns:p="http://schemas.openxmlformats.org/presentationml/2006/main">
-  <p:cSld>
-    <p:spTree>
-      <p:nvGrpSpPr>
-        <p:cNvPr id="1" name=""/>
-        <p:cNvGrpSpPr/>
-        <p:nvPr/>
-      </p:nvGrpSpPr>
-      <p:grpSpPr>
-        <a:xfrm>
-          <a:off x="0" y="0"/>
-          <a:ext cx="0" cy="0"/>
-          <a:chOff x="0" y="0"/>
-          <a:chExt cx="0" cy="0"/>
-        </a:xfrm>
-      </p:grpSpPr>
-      <p:sp>
-        <p:nvSpPr>
-          <p:cNvPr id="2" name="Title 1"/>
-          <p:cNvSpPr>
-            <a:spLocks noGrp="1"/>
-          </p:cNvSpPr>
-          <p:nvPr>
-            <p:ph type="title"/>
-          </p:nvPr>
-        </p:nvSpPr>
-        <p:spPr/>
-        <p:txBody>
-          <a:bodyPr/>
-          <a:lstStyle/>
-          <a:p>
-            <a:r>
-              <a:rPr lang="en-US" dirty="0"/>
-              <a:t>Confidence Interval</a:t>
-            </a:r>
-          </a:p>
-        </p:txBody>
-      </p:sp>
-      <p:sp>
-        <p:nvSpPr>
-          <p:cNvPr id="3" name="Content Placeholder 2"/>
-          <p:cNvSpPr>
-            <a:spLocks noGrp="1"/>
-          </p:cNvSpPr>
-          <p:nvPr>
-            <p:ph idx="1"/>
-          </p:nvPr>
-        </p:nvSpPr>
-        <p:spPr/>
-        <p:txBody>
-          <a:bodyPr/>
-          <a:lstStyle/>
-          <a:p>
-            <a:r>
-              <a:rPr lang="en-US" dirty="0"/>
-              <a:t>Lower limit = </a:t>
-            </a:r>
-            <a:r>
-              <a:rPr lang="en-US" dirty="0" err="1"/>
-              <a:t>M</a:t>
-            </a:r>
-            <a:r>
-              <a:rPr lang="en-US" baseline="-25000" dirty="0" err="1"/>
-              <a:t>sample</a:t>
-            </a:r>
-            <a:r>
-              <a:rPr lang="en-US" dirty="0"/>
-              <a:t> – </a:t>
-            </a:r>
-            <a:r>
-              <a:rPr lang="en-US" i="1" dirty="0" err="1"/>
-              <a:t>t</a:t>
-            </a:r>
-            <a:r>
-              <a:rPr lang="en-US" baseline="-25000" dirty="0" err="1"/>
-              <a:t>critical</a:t>
-            </a:r>
-            <a:r>
-              <a:rPr lang="en-US" dirty="0"/>
-              <a:t>*SE</a:t>
-            </a:r>
-          </a:p>
-          <a:p>
-            <a:r>
-              <a:rPr lang="en-US" dirty="0"/>
-              <a:t>Upper limit= </a:t>
-            </a:r>
-            <a:r>
-              <a:rPr lang="en-US" dirty="0" err="1"/>
-              <a:t>M</a:t>
-            </a:r>
-            <a:r>
-              <a:rPr lang="en-US" baseline="-25000" dirty="0" err="1"/>
-              <a:t>sample</a:t>
-            </a:r>
-            <a:r>
-              <a:rPr lang="en-US" dirty="0"/>
-              <a:t> + </a:t>
-            </a:r>
-            <a:r>
-              <a:rPr lang="en-US" i="1" dirty="0" err="1"/>
-              <a:t>t</a:t>
-            </a:r>
-            <a:r>
-              <a:rPr lang="en-US" baseline="-25000" dirty="0" err="1"/>
-              <a:t>critical</a:t>
-            </a:r>
-            <a:r>
-              <a:rPr lang="en-US" dirty="0"/>
-              <a:t>*SE</a:t>
-            </a:r>
-          </a:p>
-          <a:p>
-            <a:r>
-              <a:rPr lang="en-US" dirty="0"/>
-              <a:t>In </a:t>
-            </a:r>
-            <a:r>
-              <a:rPr lang="en-US" dirty="0" err="1"/>
-              <a:t>JASP</a:t>
-            </a:r>
-            <a:r>
-              <a:rPr lang="en-US" dirty="0"/>
-              <a:t> you can do this: </a:t>
-            </a:r>
-          </a:p>
-        </p:txBody>
-      </p:sp>
-    </p:spTree>
-    <p:extLst>
-      <p:ext uri="{BB962C8B-B14F-4D97-AF65-F5344CB8AC3E}">
-        <p14:creationId xmlns:p14="http://schemas.microsoft.com/office/powerpoint/2010/main" val="1284795313"/>
-      </p:ext>
-    </p:extLst>
-  </p:cSld>
-  <p:clrMapOvr>
-    <a:masterClrMapping/>
-  </p:clrMapOvr>
-</p:sld>
-</file>
-
-<file path=ppt/slides/slide27.xml><?xml version="1.0" encoding="utf-8"?>
-<p:sld xmlns:a="http://schemas.openxmlformats.org/drawingml/2006/main" xmlns:r="http://schemas.openxmlformats.org/officeDocument/2006/relationships" xmlns:p="http://schemas.openxmlformats.org/presentationml/2006/main">
-  <p:cSld>
-    <p:spTree>
-      <p:nvGrpSpPr>
-        <p:cNvPr id="1" name=""/>
-        <p:cNvGrpSpPr/>
-        <p:nvPr/>
-      </p:nvGrpSpPr>
-      <p:grpSpPr>
-        <a:xfrm>
-          <a:off x="0" y="0"/>
-          <a:ext cx="0" cy="0"/>
-          <a:chOff x="0" y="0"/>
-          <a:chExt cx="0" cy="0"/>
-        </a:xfrm>
-      </p:grpSpPr>
-      <p:sp>
-        <p:nvSpPr>
-          <p:cNvPr id="2" name="Title 1">
-            <a:extLst>
-              <a:ext uri="{FF2B5EF4-FFF2-40B4-BE49-F238E27FC236}">
-                <a16:creationId xmlns:a16="http://schemas.microsoft.com/office/drawing/2014/main" id="{34AF374A-F3F7-4148-AE6F-833E16EBF4AB}"/>
-              </a:ext>
-            </a:extLst>
-          </p:cNvPr>
-          <p:cNvSpPr>
-            <a:spLocks noGrp="1"/>
-          </p:cNvSpPr>
-          <p:nvPr>
-            <p:ph type="title"/>
-          </p:nvPr>
-        </p:nvSpPr>
-        <p:spPr/>
-        <p:txBody>
-          <a:bodyPr/>
-          <a:lstStyle/>
-          <a:p>
-            <a:r>
-              <a:rPr lang="en-US" dirty="0"/>
-              <a:t>Interpretation of Confidence Interval</a:t>
-            </a:r>
-          </a:p>
-        </p:txBody>
-      </p:sp>
-      <p:sp>
-        <p:nvSpPr>
-          <p:cNvPr id="78850" name="Content Placeholder 2"/>
-          <p:cNvSpPr>
-            <a:spLocks noGrp="1"/>
-          </p:cNvSpPr>
-          <p:nvPr>
-            <p:ph idx="1"/>
-          </p:nvPr>
-        </p:nvSpPr>
-        <p:spPr/>
-        <p:txBody>
-          <a:bodyPr/>
-          <a:lstStyle/>
-          <a:p>
-            <a:r>
-              <a:rPr lang="en-US" dirty="0"/>
-              <a:t>If we were to sample </a:t>
-            </a:r>
-            <a:r>
-              <a:rPr lang="en-US" i="1" dirty="0"/>
-              <a:t>N</a:t>
-            </a:r>
-            <a:r>
-              <a:rPr lang="en-US" dirty="0"/>
-              <a:t> students from the same population over and over, the 95% confidence interval would include the population mean 95% of the time</a:t>
-            </a:r>
-          </a:p>
-          <a:p>
-            <a:endParaRPr lang="en-US" dirty="0"/>
-          </a:p>
-        </p:txBody>
-      </p:sp>
-    </p:spTree>
-  </p:cSld>
-  <p:clrMapOvr>
-    <a:masterClrMapping/>
-  </p:clrMapOvr>
-</p:sld>
-</file>
-
 <file path=ppt/slides/slide28.xml><?xml version="1.0" encoding="utf-8"?>
 <p:sld xmlns:a="http://schemas.openxmlformats.org/drawingml/2006/main" xmlns:r="http://schemas.openxmlformats.org/officeDocument/2006/relationships" xmlns:p="http://schemas.openxmlformats.org/presentationml/2006/main">
   <p:cSld>
@@ -8970,85 +11185,75 @@
           <a:lstStyle/>
           <a:p>
             <a:r>
+              <a:rPr lang="en-US" dirty="0"/>
+              <a:t>Confidence Interval</a:t>
+            </a:r>
+          </a:p>
+        </p:txBody>
+      </p:sp>
+      <p:sp>
+        <p:nvSpPr>
+          <p:cNvPr id="3" name="Content Placeholder 2"/>
+          <p:cNvSpPr>
+            <a:spLocks noGrp="1"/>
+          </p:cNvSpPr>
+          <p:nvPr>
+            <p:ph idx="1"/>
+          </p:nvPr>
+        </p:nvSpPr>
+        <p:spPr/>
+        <p:txBody>
+          <a:bodyPr/>
+          <a:lstStyle/>
+          <a:p>
+            <a:r>
+              <a:rPr lang="en-US" dirty="0"/>
+              <a:t>We are usually discussing two-tailed confidence intervals</a:t>
+            </a:r>
+          </a:p>
+          <a:p>
+            <a:pPr lvl="1"/>
+            <a:r>
+              <a:rPr lang="en-US" dirty="0"/>
+              <a:t>You can do one tailed confidence intervals but they are not very common</a:t>
+            </a:r>
+          </a:p>
+          <a:p>
+            <a:r>
+              <a:rPr lang="en-US" dirty="0"/>
+              <a:t>They are calculated in the same way as </a:t>
+            </a:r>
+            <a:r>
+              <a:rPr lang="en-US" i="1" dirty="0"/>
+              <a:t>z</a:t>
+            </a:r>
+            <a:r>
+              <a:rPr lang="en-US" dirty="0"/>
+              <a:t>-tests but with a </a:t>
+            </a:r>
+            <a:r>
               <a:rPr lang="en-US" i="1" dirty="0"/>
               <a:t>t</a:t>
             </a:r>
             <a:r>
               <a:rPr lang="en-US" dirty="0"/>
-              <a:t>, Effect Size, and Confidence Interval Cheat!</a:t>
-            </a:r>
-          </a:p>
-        </p:txBody>
-      </p:sp>
-      <p:sp>
-        <p:nvSpPr>
-          <p:cNvPr id="3" name="Content Placeholder 2"/>
-          <p:cNvSpPr>
-            <a:spLocks noGrp="1"/>
-          </p:cNvSpPr>
-          <p:nvPr>
-            <p:ph idx="1"/>
-          </p:nvPr>
-        </p:nvSpPr>
-        <p:spPr/>
-        <p:txBody>
-          <a:bodyPr/>
-          <a:lstStyle/>
-          <a:p>
-            <a:r>
-              <a:rPr lang="en-US" dirty="0"/>
-              <a:t>Use the </a:t>
-            </a:r>
-            <a:r>
-              <a:rPr lang="en-US" dirty="0" err="1"/>
-              <a:t>effsize</a:t>
-            </a:r>
-            <a:r>
-              <a:rPr lang="en-US" dirty="0"/>
-              <a:t> and calculate code Dr. B has written.</a:t>
-            </a:r>
-          </a:p>
-          <a:p>
-            <a:pPr lvl="1"/>
-            <a:r>
-              <a:rPr lang="en-US" dirty="0"/>
-              <a:t>Not required, but if you want to check to make sure you doing it correctly.</a:t>
-            </a:r>
-          </a:p>
-          <a:p>
-            <a:pPr lvl="1"/>
-            <a:r>
-              <a:rPr lang="en-US" u="sng" dirty="0"/>
-              <a:t>Definitely</a:t>
-            </a:r>
-            <a:r>
-              <a:rPr lang="en-US" dirty="0"/>
-              <a:t> much easier to use when calculating </a:t>
+              <a:t>-critical instead of </a:t>
             </a:r>
             <a:r>
               <a:rPr lang="en-US" i="1" dirty="0"/>
-              <a:t>d</a:t>
-            </a:r>
-            <a:r>
-              <a:rPr lang="en-US" dirty="0"/>
-              <a:t> for other types of </a:t>
-            </a:r>
-            <a:r>
-              <a:rPr lang="en-US" i="1" dirty="0"/>
-              <a:t>t</a:t>
-            </a:r>
-            <a:r>
-              <a:rPr lang="en-US" dirty="0"/>
-              <a:t>-tests. </a:t>
-            </a:r>
-            <a:endParaRPr lang="en-US" u="sng" dirty="0"/>
+              <a:t>z</a:t>
+            </a:r>
+            <a:r>
+              <a:rPr lang="en-US" dirty="0"/>
+              <a:t>-critical</a:t>
+            </a:r>
           </a:p>
         </p:txBody>
       </p:sp>
     </p:spTree>
     <p:extLst>
       <p:ext uri="{BB962C8B-B14F-4D97-AF65-F5344CB8AC3E}">
-        <p14:creationId xmlns:p14="http://schemas.microsoft.com/office/powerpoint/2010/main" val="386625108"/>
+        <p14:creationId xmlns:p14="http://schemas.microsoft.com/office/powerpoint/2010/main" val="1011661018"/>
       </p:ext>
     </p:extLst>
   </p:cSld>
@@ -9091,12 +11296,8 @@
           <a:lstStyle/>
           <a:p>
             <a:r>
-              <a:rPr lang="en-US"/>
-              <a:t>t, Effect Size, and </a:t>
-            </a:r>
-            <a:r>
-              <a:rPr lang="en-US" dirty="0"/>
-              <a:t>Confidence Interval Cheat!</a:t>
+              <a:rPr lang="en-US" dirty="0"/>
+              <a:t>Confidence Interval</a:t>
             </a:r>
           </a:p>
         </p:txBody>
@@ -9118,39 +11319,77 @@
           <a:p>
             <a:r>
               <a:rPr lang="en-US" dirty="0"/>
-              <a:t>Make sure the functions appear in your window or you won’t be able to use them!</a:t>
-            </a:r>
-          </a:p>
-        </p:txBody>
-      </p:sp>
-      <p:pic>
-        <p:nvPicPr>
-          <p:cNvPr id="4" name="Picture 3"/>
-          <p:cNvPicPr>
-            <a:picLocks noChangeAspect="1"/>
-          </p:cNvPicPr>
-          <p:nvPr/>
-        </p:nvPicPr>
-        <p:blipFill>
-          <a:blip r:embed="rId2"/>
-          <a:stretch>
-            <a:fillRect/>
-          </a:stretch>
-        </p:blipFill>
-        <p:spPr>
-          <a:xfrm>
-            <a:off x="304800" y="3429000"/>
-            <a:ext cx="8534400" cy="2311400"/>
-          </a:xfrm>
-          <a:prstGeom prst="rect">
-            <a:avLst/>
-          </a:prstGeom>
-        </p:spPr>
-      </p:pic>
+              <a:t>Lower limit = </a:t>
+            </a:r>
+            <a:r>
+              <a:rPr lang="en-US" i="1" dirty="0" err="1"/>
+              <a:t>M</a:t>
+            </a:r>
+            <a:r>
+              <a:rPr lang="en-US" baseline="-25000" dirty="0" err="1"/>
+              <a:t>sample</a:t>
+            </a:r>
+            <a:r>
+              <a:rPr lang="en-US" dirty="0"/>
+              <a:t> – </a:t>
+            </a:r>
+            <a:r>
+              <a:rPr lang="en-US" i="1" dirty="0" err="1"/>
+              <a:t>t</a:t>
+            </a:r>
+            <a:r>
+              <a:rPr lang="en-US" baseline="-25000" dirty="0" err="1"/>
+              <a:t>critical</a:t>
+            </a:r>
+            <a:r>
+              <a:rPr lang="en-US" dirty="0"/>
+              <a:t>*</a:t>
+            </a:r>
+            <a:r>
+              <a:rPr lang="en-US" i="1" dirty="0"/>
+              <a:t>SE</a:t>
+            </a:r>
+          </a:p>
+          <a:p>
+            <a:r>
+              <a:rPr lang="en-US" dirty="0"/>
+              <a:t>Upper limit = </a:t>
+            </a:r>
+            <a:r>
+              <a:rPr lang="en-US" i="1" dirty="0" err="1"/>
+              <a:t>M</a:t>
+            </a:r>
+            <a:r>
+              <a:rPr lang="en-US" baseline="-25000" dirty="0" err="1"/>
+              <a:t>sample</a:t>
+            </a:r>
+            <a:r>
+              <a:rPr lang="en-US" dirty="0"/>
+              <a:t> + </a:t>
+            </a:r>
+            <a:r>
+              <a:rPr lang="en-US" i="1" dirty="0" err="1"/>
+              <a:t>t</a:t>
+            </a:r>
+            <a:r>
+              <a:rPr lang="en-US" baseline="-25000" dirty="0" err="1"/>
+              <a:t>critical</a:t>
+            </a:r>
+            <a:r>
+              <a:rPr lang="en-US" dirty="0"/>
+              <a:t>*</a:t>
+            </a:r>
+            <a:r>
+              <a:rPr lang="en-US" i="1" dirty="0"/>
+              <a:t>SE</a:t>
+            </a:r>
+          </a:p>
+        </p:txBody>
+      </p:sp>
     </p:spTree>
     <p:extLst>
       <p:ext uri="{BB962C8B-B14F-4D97-AF65-F5344CB8AC3E}">
-        <p14:creationId xmlns:p14="http://schemas.microsoft.com/office/powerpoint/2010/main" val="2625797665"/>
+        <p14:creationId xmlns:p14="http://schemas.microsoft.com/office/powerpoint/2010/main" val="1284795313"/>
       </p:ext>
     </p:extLst>
   </p:cSld>
@@ -9268,6 +11507,594 @@
 </p:sld>
 </file>
 
+<file path=ppt/slides/slide30.xml><?xml version="1.0" encoding="utf-8"?>
+<p:sld xmlns:a="http://schemas.openxmlformats.org/drawingml/2006/main" xmlns:r="http://schemas.openxmlformats.org/officeDocument/2006/relationships" xmlns:p="http://schemas.openxmlformats.org/presentationml/2006/main">
+  <p:cSld>
+    <p:spTree>
+      <p:nvGrpSpPr>
+        <p:cNvPr id="1" name=""/>
+        <p:cNvGrpSpPr/>
+        <p:nvPr/>
+      </p:nvGrpSpPr>
+      <p:grpSpPr>
+        <a:xfrm>
+          <a:off x="0" y="0"/>
+          <a:ext cx="0" cy="0"/>
+          <a:chOff x="0" y="0"/>
+          <a:chExt cx="0" cy="0"/>
+        </a:xfrm>
+      </p:grpSpPr>
+      <p:sp>
+        <p:nvSpPr>
+          <p:cNvPr id="2" name="Title 1">
+            <a:extLst>
+              <a:ext uri="{FF2B5EF4-FFF2-40B4-BE49-F238E27FC236}">
+                <a16:creationId xmlns:a16="http://schemas.microsoft.com/office/drawing/2014/main" id="{34AF374A-F3F7-4148-AE6F-833E16EBF4AB}"/>
+              </a:ext>
+            </a:extLst>
+          </p:cNvPr>
+          <p:cNvSpPr>
+            <a:spLocks noGrp="1"/>
+          </p:cNvSpPr>
+          <p:nvPr>
+            <p:ph type="title"/>
+          </p:nvPr>
+        </p:nvSpPr>
+        <p:spPr/>
+        <p:txBody>
+          <a:bodyPr/>
+          <a:lstStyle/>
+          <a:p>
+            <a:r>
+              <a:rPr lang="en-US" dirty="0"/>
+              <a:t>Interpretation of Confidence Interval</a:t>
+            </a:r>
+          </a:p>
+        </p:txBody>
+      </p:sp>
+      <p:sp>
+        <p:nvSpPr>
+          <p:cNvPr id="78850" name="Content Placeholder 2"/>
+          <p:cNvSpPr>
+            <a:spLocks noGrp="1"/>
+          </p:cNvSpPr>
+          <p:nvPr>
+            <p:ph idx="1"/>
+          </p:nvPr>
+        </p:nvSpPr>
+        <p:spPr/>
+        <p:txBody>
+          <a:bodyPr/>
+          <a:lstStyle/>
+          <a:p>
+            <a:r>
+              <a:rPr lang="en-US" dirty="0"/>
+              <a:t>If we were to sample </a:t>
+            </a:r>
+            <a:r>
+              <a:rPr lang="en-US" i="1" dirty="0"/>
+              <a:t>N</a:t>
+            </a:r>
+            <a:r>
+              <a:rPr lang="en-US" dirty="0"/>
+              <a:t> students from the same population over and over, the 95% confidence interval would include the population mean 95% of the time</a:t>
+            </a:r>
+          </a:p>
+          <a:p>
+            <a:endParaRPr lang="en-US" dirty="0"/>
+          </a:p>
+        </p:txBody>
+      </p:sp>
+    </p:spTree>
+  </p:cSld>
+  <p:clrMapOvr>
+    <a:masterClrMapping/>
+  </p:clrMapOvr>
+</p:sld>
+</file>
+
+<file path=ppt/slides/slide31.xml><?xml version="1.0" encoding="utf-8"?>
+<p:sld xmlns:a="http://schemas.openxmlformats.org/drawingml/2006/main" xmlns:r="http://schemas.openxmlformats.org/officeDocument/2006/relationships" xmlns:p="http://schemas.openxmlformats.org/presentationml/2006/main">
+  <p:cSld>
+    <p:spTree>
+      <p:nvGrpSpPr>
+        <p:cNvPr id="1" name=""/>
+        <p:cNvGrpSpPr/>
+        <p:nvPr/>
+      </p:nvGrpSpPr>
+      <p:grpSpPr>
+        <a:xfrm>
+          <a:off x="0" y="0"/>
+          <a:ext cx="0" cy="0"/>
+          <a:chOff x="0" y="0"/>
+          <a:chExt cx="0" cy="0"/>
+        </a:xfrm>
+      </p:grpSpPr>
+      <p:sp>
+        <p:nvSpPr>
+          <p:cNvPr id="2" name="Title 1">
+            <a:extLst>
+              <a:ext uri="{FF2B5EF4-FFF2-40B4-BE49-F238E27FC236}">
+                <a16:creationId xmlns:a16="http://schemas.microsoft.com/office/drawing/2014/main" id="{2ABB5607-6CAD-4BF9-AE7C-822F6619C90B}"/>
+              </a:ext>
+            </a:extLst>
+          </p:cNvPr>
+          <p:cNvSpPr>
+            <a:spLocks noGrp="1"/>
+          </p:cNvSpPr>
+          <p:nvPr>
+            <p:ph type="title"/>
+          </p:nvPr>
+        </p:nvSpPr>
+        <p:spPr/>
+        <p:txBody>
+          <a:bodyPr/>
+          <a:lstStyle/>
+          <a:p>
+            <a:r>
+              <a:rPr lang="en-US" dirty="0"/>
+              <a:t>How to </a:t>
+            </a:r>
+            <a:r>
+              <a:rPr lang="en-US" dirty="0" err="1"/>
+              <a:t>JASP</a:t>
+            </a:r>
+            <a:endParaRPr lang="en-US" dirty="0"/>
+          </a:p>
+        </p:txBody>
+      </p:sp>
+      <p:sp>
+        <p:nvSpPr>
+          <p:cNvPr id="5" name="Content Placeholder 4">
+            <a:extLst>
+              <a:ext uri="{FF2B5EF4-FFF2-40B4-BE49-F238E27FC236}">
+                <a16:creationId xmlns:a16="http://schemas.microsoft.com/office/drawing/2014/main" id="{FB53D088-31F2-4F0B-BB4E-0EE3D5680031}"/>
+              </a:ext>
+            </a:extLst>
+          </p:cNvPr>
+          <p:cNvSpPr>
+            <a:spLocks noGrp="1"/>
+          </p:cNvSpPr>
+          <p:nvPr>
+            <p:ph idx="1"/>
+          </p:nvPr>
+        </p:nvSpPr>
+        <p:spPr>
+          <a:xfrm>
+            <a:off x="822959" y="1845734"/>
+            <a:ext cx="3749041" cy="4023360"/>
+          </a:xfrm>
+        </p:spPr>
+        <p:txBody>
+          <a:bodyPr/>
+          <a:lstStyle/>
+          <a:p>
+            <a:r>
+              <a:rPr lang="en-US" dirty="0"/>
+              <a:t>Select “Effect size” to get your Cohen’s </a:t>
+            </a:r>
+            <a:r>
+              <a:rPr lang="en-US" i="1" dirty="0"/>
+              <a:t>d </a:t>
+            </a:r>
+            <a:r>
+              <a:rPr lang="en-US" dirty="0"/>
+              <a:t>value</a:t>
+            </a:r>
+          </a:p>
+          <a:p>
+            <a:r>
+              <a:rPr lang="en-US" dirty="0"/>
+              <a:t>Select “</a:t>
+            </a:r>
+            <a:r>
+              <a:rPr lang="en-US" dirty="0" err="1"/>
+              <a:t>Descriptives</a:t>
+            </a:r>
+            <a:r>
+              <a:rPr lang="en-US" dirty="0"/>
+              <a:t>” to get your sample </a:t>
+            </a:r>
+            <a:r>
+              <a:rPr lang="en-US" i="1" dirty="0"/>
+              <a:t>M, SD, </a:t>
+            </a:r>
+            <a:r>
+              <a:rPr lang="en-US" dirty="0"/>
+              <a:t>and </a:t>
+            </a:r>
+            <a:r>
+              <a:rPr lang="en-US" i="1" dirty="0"/>
+              <a:t>SE</a:t>
+            </a:r>
+          </a:p>
+          <a:p>
+            <a:pPr lvl="1"/>
+            <a:r>
+              <a:rPr lang="en-US" dirty="0"/>
+              <a:t>This will be useful to calculate the CIs </a:t>
+            </a:r>
+          </a:p>
+        </p:txBody>
+      </p:sp>
+      <p:pic>
+        <p:nvPicPr>
+          <p:cNvPr id="3" name="Picture 2">
+            <a:extLst>
+              <a:ext uri="{FF2B5EF4-FFF2-40B4-BE49-F238E27FC236}">
+                <a16:creationId xmlns:a16="http://schemas.microsoft.com/office/drawing/2014/main" id="{1542BB86-30A2-442C-A6A9-7EA43E7DB62A}"/>
+              </a:ext>
+            </a:extLst>
+          </p:cNvPr>
+          <p:cNvPicPr>
+            <a:picLocks noChangeAspect="1"/>
+          </p:cNvPicPr>
+          <p:nvPr/>
+        </p:nvPicPr>
+        <p:blipFill>
+          <a:blip r:embed="rId3"/>
+          <a:stretch>
+            <a:fillRect/>
+          </a:stretch>
+        </p:blipFill>
+        <p:spPr>
+          <a:xfrm>
+            <a:off x="5029200" y="2444115"/>
+            <a:ext cx="3152775" cy="2676525"/>
+          </a:xfrm>
+          <a:prstGeom prst="rect">
+            <a:avLst/>
+          </a:prstGeom>
+        </p:spPr>
+      </p:pic>
+    </p:spTree>
+    <p:extLst>
+      <p:ext uri="{BB962C8B-B14F-4D97-AF65-F5344CB8AC3E}">
+        <p14:creationId xmlns:p14="http://schemas.microsoft.com/office/powerpoint/2010/main" val="1899103140"/>
+      </p:ext>
+    </p:extLst>
+  </p:cSld>
+  <p:clrMapOvr>
+    <a:masterClrMapping/>
+  </p:clrMapOvr>
+</p:sld>
+</file>
+
+<file path=ppt/slides/slide32.xml><?xml version="1.0" encoding="utf-8"?>
+<p:sld xmlns:a="http://schemas.openxmlformats.org/drawingml/2006/main" xmlns:r="http://schemas.openxmlformats.org/officeDocument/2006/relationships" xmlns:p="http://schemas.openxmlformats.org/presentationml/2006/main">
+  <p:cSld>
+    <p:spTree>
+      <p:nvGrpSpPr>
+        <p:cNvPr id="1" name=""/>
+        <p:cNvGrpSpPr/>
+        <p:nvPr/>
+      </p:nvGrpSpPr>
+      <p:grpSpPr>
+        <a:xfrm>
+          <a:off x="0" y="0"/>
+          <a:ext cx="0" cy="0"/>
+          <a:chOff x="0" y="0"/>
+          <a:chExt cx="0" cy="0"/>
+        </a:xfrm>
+      </p:grpSpPr>
+      <p:sp>
+        <p:nvSpPr>
+          <p:cNvPr id="2" name="Title 1">
+            <a:extLst>
+              <a:ext uri="{FF2B5EF4-FFF2-40B4-BE49-F238E27FC236}">
+                <a16:creationId xmlns:a16="http://schemas.microsoft.com/office/drawing/2014/main" id="{6A1C89DC-3605-44DE-923B-4B8F131B6D6E}"/>
+              </a:ext>
+            </a:extLst>
+          </p:cNvPr>
+          <p:cNvSpPr>
+            <a:spLocks noGrp="1"/>
+          </p:cNvSpPr>
+          <p:nvPr>
+            <p:ph type="title"/>
+          </p:nvPr>
+        </p:nvSpPr>
+        <p:spPr/>
+        <p:txBody>
+          <a:bodyPr/>
+          <a:lstStyle/>
+          <a:p>
+            <a:r>
+              <a:rPr lang="en-US" dirty="0"/>
+              <a:t>How to </a:t>
+            </a:r>
+            <a:r>
+              <a:rPr lang="en-US" dirty="0" err="1"/>
+              <a:t>JASP</a:t>
+            </a:r>
+            <a:endParaRPr lang="en-US" dirty="0"/>
+          </a:p>
+        </p:txBody>
+      </p:sp>
+      <p:sp>
+        <p:nvSpPr>
+          <p:cNvPr id="3" name="Content Placeholder 2">
+            <a:extLst>
+              <a:ext uri="{FF2B5EF4-FFF2-40B4-BE49-F238E27FC236}">
+                <a16:creationId xmlns:a16="http://schemas.microsoft.com/office/drawing/2014/main" id="{5D641DD0-0D1A-4C35-8931-3CA8D43C57D9}"/>
+              </a:ext>
+            </a:extLst>
+          </p:cNvPr>
+          <p:cNvSpPr>
+            <a:spLocks noGrp="1"/>
+          </p:cNvSpPr>
+          <p:nvPr>
+            <p:ph idx="1"/>
+          </p:nvPr>
+        </p:nvSpPr>
+        <p:spPr/>
+        <p:txBody>
+          <a:bodyPr/>
+          <a:lstStyle/>
+          <a:p>
+            <a:r>
+              <a:rPr lang="en-US" dirty="0"/>
+              <a:t>After this, you should have enough information in your output to interpret your </a:t>
+            </a:r>
+            <a:r>
+              <a:rPr lang="en-US" i="1" dirty="0"/>
+              <a:t>t</a:t>
+            </a:r>
+            <a:r>
+              <a:rPr lang="en-US" dirty="0"/>
+              <a:t> test and calculate the CIs</a:t>
+            </a:r>
+          </a:p>
+          <a:p>
+            <a:endParaRPr lang="en-US" dirty="0"/>
+          </a:p>
+        </p:txBody>
+      </p:sp>
+      <p:pic>
+        <p:nvPicPr>
+          <p:cNvPr id="4" name="Picture 3">
+            <a:extLst>
+              <a:ext uri="{FF2B5EF4-FFF2-40B4-BE49-F238E27FC236}">
+                <a16:creationId xmlns:a16="http://schemas.microsoft.com/office/drawing/2014/main" id="{B008979E-6AD3-4F4C-A14C-153575F65313}"/>
+              </a:ext>
+            </a:extLst>
+          </p:cNvPr>
+          <p:cNvPicPr>
+            <a:picLocks noChangeAspect="1"/>
+          </p:cNvPicPr>
+          <p:nvPr/>
+        </p:nvPicPr>
+        <p:blipFill>
+          <a:blip r:embed="rId2"/>
+          <a:stretch>
+            <a:fillRect/>
+          </a:stretch>
+        </p:blipFill>
+        <p:spPr>
+          <a:xfrm>
+            <a:off x="777240" y="2743200"/>
+            <a:ext cx="6628015" cy="2136768"/>
+          </a:xfrm>
+          <a:prstGeom prst="rect">
+            <a:avLst/>
+          </a:prstGeom>
+        </p:spPr>
+      </p:pic>
+      <p:pic>
+        <p:nvPicPr>
+          <p:cNvPr id="6" name="Picture 5">
+            <a:extLst>
+              <a:ext uri="{FF2B5EF4-FFF2-40B4-BE49-F238E27FC236}">
+                <a16:creationId xmlns:a16="http://schemas.microsoft.com/office/drawing/2014/main" id="{4F35222E-7E5C-4E25-9F1F-3658BBBF0BC0}"/>
+              </a:ext>
+            </a:extLst>
+          </p:cNvPr>
+          <p:cNvPicPr>
+            <a:picLocks noChangeAspect="1"/>
+          </p:cNvPicPr>
+          <p:nvPr/>
+        </p:nvPicPr>
+        <p:blipFill>
+          <a:blip r:embed="rId3"/>
+          <a:stretch>
+            <a:fillRect/>
+          </a:stretch>
+        </p:blipFill>
+        <p:spPr>
+          <a:xfrm>
+            <a:off x="914400" y="4879968"/>
+            <a:ext cx="2852478" cy="1317862"/>
+          </a:xfrm>
+          <a:prstGeom prst="rect">
+            <a:avLst/>
+          </a:prstGeom>
+        </p:spPr>
+      </p:pic>
+    </p:spTree>
+    <p:extLst>
+      <p:ext uri="{BB962C8B-B14F-4D97-AF65-F5344CB8AC3E}">
+        <p14:creationId xmlns:p14="http://schemas.microsoft.com/office/powerpoint/2010/main" val="2637084610"/>
+      </p:ext>
+    </p:extLst>
+  </p:cSld>
+  <p:clrMapOvr>
+    <a:masterClrMapping/>
+  </p:clrMapOvr>
+</p:sld>
+</file>
+
+<file path=ppt/slides/slide33.xml><?xml version="1.0" encoding="utf-8"?>
+<p:sld xmlns:a="http://schemas.openxmlformats.org/drawingml/2006/main" xmlns:r="http://schemas.openxmlformats.org/officeDocument/2006/relationships" xmlns:p="http://schemas.openxmlformats.org/presentationml/2006/main">
+  <p:cSld>
+    <p:spTree>
+      <p:nvGrpSpPr>
+        <p:cNvPr id="1" name=""/>
+        <p:cNvGrpSpPr/>
+        <p:nvPr/>
+      </p:nvGrpSpPr>
+      <p:grpSpPr>
+        <a:xfrm>
+          <a:off x="0" y="0"/>
+          <a:ext cx="0" cy="0"/>
+          <a:chOff x="0" y="0"/>
+          <a:chExt cx="0" cy="0"/>
+        </a:xfrm>
+      </p:grpSpPr>
+      <p:sp>
+        <p:nvSpPr>
+          <p:cNvPr id="2" name="Title 1">
+            <a:extLst>
+              <a:ext uri="{FF2B5EF4-FFF2-40B4-BE49-F238E27FC236}">
+                <a16:creationId xmlns:a16="http://schemas.microsoft.com/office/drawing/2014/main" id="{1E7EEB88-2BA4-4A87-8265-3BD73A69D64D}"/>
+              </a:ext>
+            </a:extLst>
+          </p:cNvPr>
+          <p:cNvSpPr>
+            <a:spLocks noGrp="1"/>
+          </p:cNvSpPr>
+          <p:nvPr>
+            <p:ph type="title"/>
+          </p:nvPr>
+        </p:nvSpPr>
+        <p:spPr/>
+        <p:txBody>
+          <a:bodyPr/>
+          <a:lstStyle/>
+          <a:p>
+            <a:r>
+              <a:rPr lang="en-US" dirty="0"/>
+              <a:t>How to </a:t>
+            </a:r>
+            <a:r>
+              <a:rPr lang="en-US" dirty="0" err="1"/>
+              <a:t>JASP</a:t>
+            </a:r>
+            <a:endParaRPr lang="en-US" dirty="0"/>
+          </a:p>
+        </p:txBody>
+      </p:sp>
+      <p:sp>
+        <p:nvSpPr>
+          <p:cNvPr id="3" name="Content Placeholder 2">
+            <a:extLst>
+              <a:ext uri="{FF2B5EF4-FFF2-40B4-BE49-F238E27FC236}">
+                <a16:creationId xmlns:a16="http://schemas.microsoft.com/office/drawing/2014/main" id="{B51252C6-E58B-489D-B9A1-429C302C4DC5}"/>
+              </a:ext>
+            </a:extLst>
+          </p:cNvPr>
+          <p:cNvSpPr>
+            <a:spLocks noGrp="1"/>
+          </p:cNvSpPr>
+          <p:nvPr>
+            <p:ph idx="1"/>
+          </p:nvPr>
+        </p:nvSpPr>
+        <p:spPr/>
+        <p:txBody>
+          <a:bodyPr/>
+          <a:lstStyle/>
+          <a:p>
+            <a:r>
+              <a:rPr lang="en-US" dirty="0"/>
+              <a:t>We already decided that we have a significant difference, now how big is our effect? </a:t>
+            </a:r>
+          </a:p>
+          <a:p>
+            <a:endParaRPr lang="en-US" dirty="0"/>
+          </a:p>
+          <a:p>
+            <a:endParaRPr lang="en-US" dirty="0"/>
+          </a:p>
+          <a:p>
+            <a:pPr marL="0" indent="0">
+              <a:buNone/>
+            </a:pPr>
+            <a:endParaRPr lang="en-US" dirty="0"/>
+          </a:p>
+          <a:p>
+            <a:endParaRPr lang="en-US" dirty="0"/>
+          </a:p>
+          <a:p>
+            <a:r>
+              <a:rPr lang="en-US" dirty="0"/>
+              <a:t>Here’s how you would write this in APA: </a:t>
+            </a:r>
+          </a:p>
+          <a:p>
+            <a:pPr lvl="1"/>
+            <a:r>
+              <a:rPr lang="en-US" dirty="0"/>
+              <a:t>The participants rated their privacy concerns as significantly different than the population, </a:t>
+            </a:r>
+            <a:r>
+              <a:rPr lang="en-US" i="1" dirty="0"/>
+              <a:t>t</a:t>
+            </a:r>
+            <a:r>
+              <a:rPr lang="en-US" dirty="0"/>
+              <a:t>(39) = 3.52, </a:t>
+            </a:r>
+            <a:r>
+              <a:rPr lang="en-US" i="1" dirty="0"/>
+              <a:t>p</a:t>
+            </a:r>
+            <a:r>
+              <a:rPr lang="en-US" dirty="0"/>
+              <a:t> = .001, </a:t>
+            </a:r>
+            <a:r>
+              <a:rPr lang="en-US" i="1" dirty="0"/>
+              <a:t>d</a:t>
+            </a:r>
+            <a:r>
+              <a:rPr lang="en-US" dirty="0"/>
+              <a:t> = 0.56.</a:t>
+            </a:r>
+          </a:p>
+        </p:txBody>
+      </p:sp>
+      <p:pic>
+        <p:nvPicPr>
+          <p:cNvPr id="4" name="Picture 3">
+            <a:extLst>
+              <a:ext uri="{FF2B5EF4-FFF2-40B4-BE49-F238E27FC236}">
+                <a16:creationId xmlns:a16="http://schemas.microsoft.com/office/drawing/2014/main" id="{620B38E7-CCE8-47A8-AB30-CECF111CDFA5}"/>
+              </a:ext>
+            </a:extLst>
+          </p:cNvPr>
+          <p:cNvPicPr>
+            <a:picLocks noChangeAspect="1"/>
+          </p:cNvPicPr>
+          <p:nvPr/>
+        </p:nvPicPr>
+        <p:blipFill>
+          <a:blip r:embed="rId2"/>
+          <a:stretch>
+            <a:fillRect/>
+          </a:stretch>
+        </p:blipFill>
+        <p:spPr>
+          <a:xfrm>
+            <a:off x="2590800" y="2895600"/>
+            <a:ext cx="3648075" cy="1514475"/>
+          </a:xfrm>
+          <a:prstGeom prst="rect">
+            <a:avLst/>
+          </a:prstGeom>
+        </p:spPr>
+      </p:pic>
+    </p:spTree>
+    <p:extLst>
+      <p:ext uri="{BB962C8B-B14F-4D97-AF65-F5344CB8AC3E}">
+        <p14:creationId xmlns:p14="http://schemas.microsoft.com/office/powerpoint/2010/main" val="2677582296"/>
+      </p:ext>
+    </p:extLst>
+  </p:cSld>
+  <p:clrMapOvr>
+    <a:masterClrMapping/>
+  </p:clrMapOvr>
+</p:sld>
+</file>
+
 <file path=ppt/slides/slide4.xml><?xml version="1.0" encoding="utf-8"?>
 <p:sld xmlns:a="http://schemas.openxmlformats.org/drawingml/2006/main" xmlns:r="http://schemas.openxmlformats.org/officeDocument/2006/relationships" xmlns:p="http://schemas.openxmlformats.org/presentationml/2006/main">
   <p:cSld>
@@ -9338,141 +12165,86 @@
           <a:p>
             <a:pPr eaLnBrk="1" hangingPunct="1"/>
             <a:r>
+              <a:rPr lang="en-US" dirty="0"/>
+              <a:t>When sample size increases:</a:t>
+            </a:r>
+          </a:p>
+          <a:p>
+            <a:pPr lvl="1" eaLnBrk="1" hangingPunct="1"/>
+            <a:r>
+              <a:rPr lang="en-US" i="1" dirty="0"/>
+              <a:t>s </a:t>
+            </a:r>
+            <a:r>
+              <a:rPr lang="en-US" dirty="0"/>
+              <a:t>or</a:t>
+            </a:r>
+            <a:r>
+              <a:rPr lang="en-US" i="1" dirty="0"/>
+              <a:t> </a:t>
+            </a:r>
+            <a:r>
+              <a:rPr lang="en-US" i="1" dirty="0" err="1"/>
+              <a:t>sd</a:t>
+            </a:r>
+            <a:r>
+              <a:rPr lang="en-US" i="1" dirty="0"/>
+              <a:t> </a:t>
+            </a:r>
+            <a:r>
+              <a:rPr lang="en-US" dirty="0"/>
+              <a:t>(the spread of </a:t>
+            </a:r>
+            <a:r>
+              <a:rPr lang="en-US" i="1" dirty="0"/>
+              <a:t>t</a:t>
+            </a:r>
+            <a:r>
+              <a:rPr lang="en-US" dirty="0"/>
+              <a:t>) </a:t>
+            </a:r>
+            <a:r>
               <a:rPr lang="en-US" dirty="0">
-                <a:solidFill>
-                  <a:schemeClr val="tx1"/>
-                </a:solidFill>
-              </a:rPr>
-              <a:t>When sample size increases:</a:t>
-            </a:r>
-          </a:p>
-          <a:p>
-            <a:pPr lvl="1" eaLnBrk="1" hangingPunct="1"/>
-            <a:r>
-              <a:rPr lang="en-US" i="1" dirty="0">
-                <a:solidFill>
-                  <a:schemeClr val="tx1"/>
-                </a:solidFill>
-              </a:rPr>
-              <a:t>s or </a:t>
-            </a:r>
-            <a:r>
-              <a:rPr lang="en-US" i="1" dirty="0" err="1">
-                <a:solidFill>
-                  <a:schemeClr val="tx1"/>
-                </a:solidFill>
-              </a:rPr>
-              <a:t>sd</a:t>
-            </a:r>
-            <a:r>
-              <a:rPr lang="en-US" i="1" dirty="0">
-                <a:solidFill>
-                  <a:schemeClr val="tx1"/>
-                </a:solidFill>
-              </a:rPr>
-              <a:t> </a:t>
-            </a:r>
-            <a:r>
-              <a:rPr lang="en-US" dirty="0">
-                <a:solidFill>
-                  <a:schemeClr val="tx1"/>
-                </a:solidFill>
-              </a:rPr>
-              <a:t>(the spread of </a:t>
-            </a:r>
-            <a:r>
-              <a:rPr lang="en-US" i="1" dirty="0">
-                <a:solidFill>
-                  <a:schemeClr val="tx1"/>
-                </a:solidFill>
-              </a:rPr>
-              <a:t>t</a:t>
-            </a:r>
-            <a:r>
-              <a:rPr lang="en-US" dirty="0">
-                <a:solidFill>
-                  <a:schemeClr val="tx1"/>
-                </a:solidFill>
-              </a:rPr>
-              <a:t>) </a:t>
-            </a:r>
-            <a:r>
-              <a:rPr lang="en-US" dirty="0">
-                <a:solidFill>
-                  <a:schemeClr val="tx1"/>
-                </a:solidFill>
                 <a:sym typeface="Wingdings"/>
               </a:rPr>
               <a:t> </a:t>
             </a:r>
             <a:r>
-              <a:rPr lang="el-GR" dirty="0">
-                <a:solidFill>
-                  <a:schemeClr val="tx1"/>
-                </a:solidFill>
-              </a:rPr>
+              <a:rPr lang="el-GR" dirty="0"/>
               <a:t>σ</a:t>
             </a:r>
             <a:r>
-              <a:rPr lang="en-US" dirty="0">
-                <a:solidFill>
-                  <a:schemeClr val="tx1"/>
-                </a:solidFill>
-              </a:rPr>
+              <a:rPr lang="en-US" dirty="0"/>
               <a:t> </a:t>
             </a:r>
           </a:p>
           <a:p>
             <a:pPr lvl="1" eaLnBrk="1" hangingPunct="1"/>
             <a:r>
-              <a:rPr lang="en-US" dirty="0">
-                <a:solidFill>
-                  <a:schemeClr val="tx1"/>
-                </a:solidFill>
-              </a:rPr>
+              <a:rPr lang="en-US" dirty="0"/>
               <a:t>Therefore, </a:t>
             </a:r>
             <a:r>
-              <a:rPr lang="en-US" i="1" dirty="0">
-                <a:solidFill>
-                  <a:schemeClr val="tx1"/>
-                </a:solidFill>
-              </a:rPr>
+              <a:rPr lang="en-US" i="1" dirty="0"/>
               <a:t>t</a:t>
             </a:r>
             <a:r>
-              <a:rPr lang="en-US" dirty="0">
-                <a:solidFill>
-                  <a:schemeClr val="tx1"/>
-                </a:solidFill>
-              </a:rPr>
+              <a:rPr lang="en-US" dirty="0"/>
               <a:t> and </a:t>
             </a:r>
             <a:r>
-              <a:rPr lang="en-US" i="1" dirty="0">
-                <a:solidFill>
-                  <a:schemeClr val="tx1"/>
-                </a:solidFill>
-              </a:rPr>
+              <a:rPr lang="en-US" i="1" dirty="0"/>
               <a:t>z</a:t>
             </a:r>
             <a:r>
-              <a:rPr lang="en-US" dirty="0">
-                <a:solidFill>
-                  <a:schemeClr val="tx1"/>
-                </a:solidFill>
-              </a:rPr>
+              <a:rPr lang="en-US" dirty="0"/>
               <a:t> become more equal</a:t>
             </a:r>
           </a:p>
           <a:p>
             <a:pPr lvl="1" eaLnBrk="1" hangingPunct="1"/>
             <a:r>
-              <a:rPr lang="en-US" dirty="0">
-                <a:solidFill>
-                  <a:schemeClr val="tx1"/>
-                </a:solidFill>
-              </a:rPr>
+              <a:rPr lang="en-US" dirty="0"/>
               <a:t>Distribution Bunnies again if you need a reminder!</a:t>
             </a:r>
           </a:p>
@@ -9488,36 +12260,19 @@
               <a:rPr lang="en-US" dirty="0"/>
               <a:t> </a:t>
             </a:r>
-            <a:endParaRPr lang="en-US" dirty="0">
-              <a:solidFill>
-                <a:schemeClr val="tx1"/>
-              </a:solidFill>
-            </a:endParaRPr>
           </a:p>
           <a:p>
             <a:pPr eaLnBrk="1" hangingPunct="1"/>
             <a:r>
-              <a:rPr lang="en-US" dirty="0">
-                <a:solidFill>
-                  <a:schemeClr val="tx1"/>
-                </a:solidFill>
-              </a:rPr>
+              <a:rPr lang="en-US" dirty="0"/>
               <a:t>The </a:t>
             </a:r>
             <a:r>
-              <a:rPr lang="en-US" i="1" dirty="0">
-                <a:solidFill>
-                  <a:schemeClr val="tx1"/>
-                </a:solidFill>
-              </a:rPr>
+              <a:rPr lang="en-US" i="1" dirty="0"/>
               <a:t>t</a:t>
             </a:r>
             <a:r>
-              <a:rPr lang="en-US" dirty="0">
-                <a:solidFill>
-                  <a:schemeClr val="tx1"/>
-                </a:solidFill>
-              </a:rPr>
+              <a:rPr lang="en-US" dirty="0"/>
               <a:t> distributions</a:t>
             </a:r>
           </a:p>
@@ -9585,7 +12340,15 @@
           <a:p>
             <a:r>
               <a:rPr lang="en-US" dirty="0"/>
-              <a:t>Wider and Flatter t Distributions</a:t>
+              <a:t>Wider and Flatter </a:t>
+            </a:r>
+            <a:r>
+              <a:rPr lang="en-US" i="1" dirty="0"/>
+              <a:t>t</a:t>
+            </a:r>
+            <a:r>
+              <a:rPr lang="en-US" dirty="0"/>
+              <a:t> Distributions</a:t>
             </a:r>
           </a:p>
         </p:txBody>
@@ -9857,7 +12620,7 @@
           <a:p>
             <a:pPr lvl="1"/>
             <a:r>
-              <a:rPr lang="en-US" b="1" u="sng" dirty="0"/>
+              <a:rPr lang="en-US" b="1" dirty="0"/>
               <a:t>One sample tested twice </a:t>
             </a:r>
             <a:r>
@@ -9878,7 +12641,7 @@
           <a:p>
             <a:pPr lvl="1"/>
             <a:r>
-              <a:rPr lang="en-US" b="1" u="sng" dirty="0"/>
+              <a:rPr lang="en-US" b="1" dirty="0"/>
               <a:t>Two samples </a:t>
             </a:r>
             <a:r>
@@ -10120,14 +12883,22 @@
             </a:r>
           </a:p>
           <a:p>
-            <a:pPr lvl="1"/>
-            <a:r>
-              <a:rPr lang="en-US" dirty="0" err="1"/>
+            <a:pPr lvl="2"/>
+            <a:r>
+              <a:rPr lang="en-US" i="1" dirty="0" err="1"/>
               <a:t>df</a:t>
             </a:r>
             <a:r>
               <a:rPr lang="en-US" dirty="0"/>
-              <a:t> =N-1</a:t>
+              <a:t> = </a:t>
+            </a:r>
+            <a:r>
+              <a:rPr lang="en-US" i="1" dirty="0"/>
+              <a:t>N</a:t>
+            </a:r>
+            <a:r>
+              <a:rPr lang="en-US" dirty="0"/>
+              <a:t>-1</a:t>
             </a:r>
           </a:p>
           <a:p>
